--- a/PageIconDesigns.pptx
+++ b/PageIconDesigns.pptx
@@ -12,19 +12,20 @@
     <p:sldId id="267" r:id="rId9"/>
     <p:sldId id="266" r:id="rId10"/>
     <p:sldId id="271" r:id="rId11"/>
-    <p:sldId id="272" r:id="rId12"/>
-    <p:sldId id="273" r:id="rId13"/>
-    <p:sldId id="264" r:id="rId14"/>
-    <p:sldId id="265" r:id="rId15"/>
-    <p:sldId id="256" r:id="rId16"/>
+    <p:sldId id="256" r:id="rId12"/>
+    <p:sldId id="272" r:id="rId13"/>
+    <p:sldId id="273" r:id="rId14"/>
+    <p:sldId id="264" r:id="rId15"/>
+    <p:sldId id="265" r:id="rId16"/>
     <p:sldId id="274" r:id="rId17"/>
     <p:sldId id="258" r:id="rId18"/>
-    <p:sldId id="276" r:id="rId19"/>
-    <p:sldId id="259" r:id="rId20"/>
-    <p:sldId id="260" r:id="rId21"/>
-    <p:sldId id="268" r:id="rId22"/>
-    <p:sldId id="269" r:id="rId23"/>
-    <p:sldId id="277" r:id="rId24"/>
+    <p:sldId id="278" r:id="rId19"/>
+    <p:sldId id="276" r:id="rId20"/>
+    <p:sldId id="259" r:id="rId21"/>
+    <p:sldId id="260" r:id="rId22"/>
+    <p:sldId id="268" r:id="rId23"/>
+    <p:sldId id="269" r:id="rId24"/>
+    <p:sldId id="277" r:id="rId25"/>
   </p:sldIdLst>
   <p:sldSz cx="12192000" cy="6858000"/>
   <p:notesSz cx="6858000" cy="9144000"/>
@@ -145,13 +146,1223 @@
 <file path=ppt/revisionInfo.xml><?xml version="1.0" encoding="utf-8"?>
 <p1510:revInfo xmlns:a="http://schemas.openxmlformats.org/drawingml/2006/main" xmlns:r="http://schemas.openxmlformats.org/officeDocument/2006/relationships" xmlns:p1510="http://schemas.microsoft.com/office/powerpoint/2015/10/main">
   <p1510:revLst>
-    <p1510:client id="{B1048994-8165-49B2-BF23-01803DBBACEA}" v="37" dt="2020-06-16T08:45:19.680"/>
+    <p1510:client id="{CCB58EDE-7B3F-4058-9A75-FE7CA4E46A28}" v="7" dt="2021-10-21T16:20:24.357"/>
   </p1510:revLst>
 </p1510:revInfo>
 </file>
 
 <file path=ppt/changesInfos/changesInfo1.xml><?xml version="1.0" encoding="utf-8"?>
 <pc:chgInfo xmlns:a="http://schemas.openxmlformats.org/drawingml/2006/main" xmlns:r="http://schemas.openxmlformats.org/officeDocument/2006/relationships" xmlns:ac="http://schemas.microsoft.com/office/drawing/2013/main/command" xmlns:pc="http://schemas.microsoft.com/office/powerpoint/2013/main/command">
+  <pc:docChgLst>
+    <pc:chgData name="Arthur Nicholson-Gumuła" userId="13a7efb4-f9ae-4904-bf57-d7fe5ebc8b46" providerId="ADAL" clId="{CCB58EDE-7B3F-4058-9A75-FE7CA4E46A28}"/>
+    <pc:docChg chg="undo custSel modSld sldOrd">
+      <pc:chgData name="Arthur Nicholson-Gumuła" userId="13a7efb4-f9ae-4904-bf57-d7fe5ebc8b46" providerId="ADAL" clId="{CCB58EDE-7B3F-4058-9A75-FE7CA4E46A28}" dt="2021-10-21T16:21:47.688" v="181" actId="20577"/>
+      <pc:docMkLst>
+        <pc:docMk/>
+      </pc:docMkLst>
+      <pc:sldChg chg="addSp delSp modSp mod ord">
+        <pc:chgData name="Arthur Nicholson-Gumuła" userId="13a7efb4-f9ae-4904-bf57-d7fe5ebc8b46" providerId="ADAL" clId="{CCB58EDE-7B3F-4058-9A75-FE7CA4E46A28}" dt="2021-10-21T16:21:06.002" v="164"/>
+        <pc:sldMkLst>
+          <pc:docMk/>
+          <pc:sldMk cId="3289512586" sldId="256"/>
+        </pc:sldMkLst>
+        <pc:spChg chg="del mod">
+          <ac:chgData name="Arthur Nicholson-Gumuła" userId="13a7efb4-f9ae-4904-bf57-d7fe5ebc8b46" providerId="ADAL" clId="{CCB58EDE-7B3F-4058-9A75-FE7CA4E46A28}" dt="2021-10-21T16:20:10.218" v="157" actId="478"/>
+          <ac:spMkLst>
+            <pc:docMk/>
+            <pc:sldMk cId="3289512586" sldId="256"/>
+            <ac:spMk id="18" creationId="{321E4295-CA7E-4515-AE2F-8E89B4177768}"/>
+          </ac:spMkLst>
+        </pc:spChg>
+        <pc:spChg chg="add mod">
+          <ac:chgData name="Arthur Nicholson-Gumuła" userId="13a7efb4-f9ae-4904-bf57-d7fe5ebc8b46" providerId="ADAL" clId="{CCB58EDE-7B3F-4058-9A75-FE7CA4E46A28}" dt="2021-10-21T16:20:17.190" v="158"/>
+          <ac:spMkLst>
+            <pc:docMk/>
+            <pc:sldMk cId="3289512586" sldId="256"/>
+            <ac:spMk id="19" creationId="{0338A186-A624-4E8B-B4ED-43BB39BD6804}"/>
+          </ac:spMkLst>
+        </pc:spChg>
+        <pc:spChg chg="add mod">
+          <ac:chgData name="Arthur Nicholson-Gumuła" userId="13a7efb4-f9ae-4904-bf57-d7fe5ebc8b46" providerId="ADAL" clId="{CCB58EDE-7B3F-4058-9A75-FE7CA4E46A28}" dt="2021-10-21T16:20:17.190" v="158"/>
+          <ac:spMkLst>
+            <pc:docMk/>
+            <pc:sldMk cId="3289512586" sldId="256"/>
+            <ac:spMk id="20" creationId="{A0B9CF8A-F2B4-41AB-8CD4-9833B4A1AC01}"/>
+          </ac:spMkLst>
+        </pc:spChg>
+        <pc:spChg chg="del mod">
+          <ac:chgData name="Arthur Nicholson-Gumuła" userId="13a7efb4-f9ae-4904-bf57-d7fe5ebc8b46" providerId="ADAL" clId="{CCB58EDE-7B3F-4058-9A75-FE7CA4E46A28}" dt="2021-09-06T16:17:15.980" v="84" actId="478"/>
+          <ac:spMkLst>
+            <pc:docMk/>
+            <pc:sldMk cId="3289512586" sldId="256"/>
+            <ac:spMk id="21" creationId="{46ED1B98-80F0-42E7-8497-277C7C16258B}"/>
+          </ac:spMkLst>
+        </pc:spChg>
+        <pc:spChg chg="add mod">
+          <ac:chgData name="Arthur Nicholson-Gumuła" userId="13a7efb4-f9ae-4904-bf57-d7fe5ebc8b46" providerId="ADAL" clId="{CCB58EDE-7B3F-4058-9A75-FE7CA4E46A28}" dt="2021-10-21T16:20:17.190" v="158"/>
+          <ac:spMkLst>
+            <pc:docMk/>
+            <pc:sldMk cId="3289512586" sldId="256"/>
+            <ac:spMk id="21" creationId="{D9629E7E-6ECB-43EB-83D9-6431CD229D28}"/>
+          </ac:spMkLst>
+        </pc:spChg>
+        <pc:spChg chg="del mod">
+          <ac:chgData name="Arthur Nicholson-Gumuła" userId="13a7efb4-f9ae-4904-bf57-d7fe5ebc8b46" providerId="ADAL" clId="{CCB58EDE-7B3F-4058-9A75-FE7CA4E46A28}" dt="2021-10-21T16:20:10.218" v="157" actId="478"/>
+          <ac:spMkLst>
+            <pc:docMk/>
+            <pc:sldMk cId="3289512586" sldId="256"/>
+            <ac:spMk id="22" creationId="{E2231B19-82C3-4161-AC47-48C75C8B37AF}"/>
+          </ac:spMkLst>
+        </pc:spChg>
+        <pc:spChg chg="add mod">
+          <ac:chgData name="Arthur Nicholson-Gumuła" userId="13a7efb4-f9ae-4904-bf57-d7fe5ebc8b46" providerId="ADAL" clId="{CCB58EDE-7B3F-4058-9A75-FE7CA4E46A28}" dt="2021-10-21T16:20:17.190" v="158"/>
+          <ac:spMkLst>
+            <pc:docMk/>
+            <pc:sldMk cId="3289512586" sldId="256"/>
+            <ac:spMk id="23" creationId="{D874E5E1-6ECE-4C29-822D-BCF6BDB52FEC}"/>
+          </ac:spMkLst>
+        </pc:spChg>
+        <pc:spChg chg="del mod">
+          <ac:chgData name="Arthur Nicholson-Gumuła" userId="13a7efb4-f9ae-4904-bf57-d7fe5ebc8b46" providerId="ADAL" clId="{CCB58EDE-7B3F-4058-9A75-FE7CA4E46A28}" dt="2021-10-21T16:20:10.218" v="157" actId="478"/>
+          <ac:spMkLst>
+            <pc:docMk/>
+            <pc:sldMk cId="3289512586" sldId="256"/>
+            <ac:spMk id="24" creationId="{C427CA83-2317-4665-A592-4971776A9011}"/>
+          </ac:spMkLst>
+        </pc:spChg>
+        <pc:spChg chg="add mod">
+          <ac:chgData name="Arthur Nicholson-Gumuła" userId="13a7efb4-f9ae-4904-bf57-d7fe5ebc8b46" providerId="ADAL" clId="{CCB58EDE-7B3F-4058-9A75-FE7CA4E46A28}" dt="2021-10-21T16:20:35.206" v="160" actId="1076"/>
+          <ac:spMkLst>
+            <pc:docMk/>
+            <pc:sldMk cId="3289512586" sldId="256"/>
+            <ac:spMk id="25" creationId="{C92E94F7-93CD-476D-8AE0-6C2ED919EB6B}"/>
+          </ac:spMkLst>
+        </pc:spChg>
+        <pc:spChg chg="del mod">
+          <ac:chgData name="Arthur Nicholson-Gumuła" userId="13a7efb4-f9ae-4904-bf57-d7fe5ebc8b46" providerId="ADAL" clId="{CCB58EDE-7B3F-4058-9A75-FE7CA4E46A28}" dt="2021-10-21T16:20:10.218" v="157" actId="478"/>
+          <ac:spMkLst>
+            <pc:docMk/>
+            <pc:sldMk cId="3289512586" sldId="256"/>
+            <ac:spMk id="26" creationId="{B77DFA33-EFCF-4D60-B1B2-1DAF5DC71B61}"/>
+          </ac:spMkLst>
+        </pc:spChg>
+        <pc:spChg chg="add mod">
+          <ac:chgData name="Arthur Nicholson-Gumuła" userId="13a7efb4-f9ae-4904-bf57-d7fe5ebc8b46" providerId="ADAL" clId="{CCB58EDE-7B3F-4058-9A75-FE7CA4E46A28}" dt="2021-10-21T16:20:35.206" v="160" actId="1076"/>
+          <ac:spMkLst>
+            <pc:docMk/>
+            <pc:sldMk cId="3289512586" sldId="256"/>
+            <ac:spMk id="27" creationId="{1C396DB0-D8AB-47D7-9BF4-82C8C50A7D14}"/>
+          </ac:spMkLst>
+        </pc:spChg>
+        <pc:spChg chg="del mod">
+          <ac:chgData name="Arthur Nicholson-Gumuła" userId="13a7efb4-f9ae-4904-bf57-d7fe5ebc8b46" providerId="ADAL" clId="{CCB58EDE-7B3F-4058-9A75-FE7CA4E46A28}" dt="2021-10-21T16:20:10.218" v="157" actId="478"/>
+          <ac:spMkLst>
+            <pc:docMk/>
+            <pc:sldMk cId="3289512586" sldId="256"/>
+            <ac:spMk id="28" creationId="{6E506D95-D5EA-4C9F-8CEE-1A538F447B1A}"/>
+          </ac:spMkLst>
+        </pc:spChg>
+        <pc:spChg chg="del mod">
+          <ac:chgData name="Arthur Nicholson-Gumuła" userId="13a7efb4-f9ae-4904-bf57-d7fe5ebc8b46" providerId="ADAL" clId="{CCB58EDE-7B3F-4058-9A75-FE7CA4E46A28}" dt="2021-10-21T16:20:10.218" v="157" actId="478"/>
+          <ac:spMkLst>
+            <pc:docMk/>
+            <pc:sldMk cId="3289512586" sldId="256"/>
+            <ac:spMk id="30" creationId="{4CAA8E4E-1B92-4107-9CB2-4E1984BCD262}"/>
+          </ac:spMkLst>
+        </pc:spChg>
+      </pc:sldChg>
+      <pc:sldChg chg="delSp modSp mod">
+        <pc:chgData name="Arthur Nicholson-Gumuła" userId="13a7efb4-f9ae-4904-bf57-d7fe5ebc8b46" providerId="ADAL" clId="{CCB58EDE-7B3F-4058-9A75-FE7CA4E46A28}" dt="2021-09-06T16:16:45.408" v="73" actId="478"/>
+        <pc:sldMkLst>
+          <pc:docMk/>
+          <pc:sldMk cId="2694148669" sldId="257"/>
+        </pc:sldMkLst>
+        <pc:spChg chg="del mod">
+          <ac:chgData name="Arthur Nicholson-Gumuła" userId="13a7efb4-f9ae-4904-bf57-d7fe5ebc8b46" providerId="ADAL" clId="{CCB58EDE-7B3F-4058-9A75-FE7CA4E46A28}" dt="2021-09-06T16:16:45.408" v="73" actId="478"/>
+          <ac:spMkLst>
+            <pc:docMk/>
+            <pc:sldMk cId="2694148669" sldId="257"/>
+            <ac:spMk id="22" creationId="{588C7A93-B3EF-428B-BC2C-546D16EE543B}"/>
+          </ac:spMkLst>
+        </pc:spChg>
+      </pc:sldChg>
+      <pc:sldChg chg="delSp modSp mod">
+        <pc:chgData name="Arthur Nicholson-Gumuła" userId="13a7efb4-f9ae-4904-bf57-d7fe5ebc8b46" providerId="ADAL" clId="{CCB58EDE-7B3F-4058-9A75-FE7CA4E46A28}" dt="2021-09-06T16:17:23.566" v="86" actId="478"/>
+        <pc:sldMkLst>
+          <pc:docMk/>
+          <pc:sldMk cId="278164863" sldId="258"/>
+        </pc:sldMkLst>
+        <pc:spChg chg="del mod">
+          <ac:chgData name="Arthur Nicholson-Gumuła" userId="13a7efb4-f9ae-4904-bf57-d7fe5ebc8b46" providerId="ADAL" clId="{CCB58EDE-7B3F-4058-9A75-FE7CA4E46A28}" dt="2021-09-06T16:17:23.566" v="86" actId="478"/>
+          <ac:spMkLst>
+            <pc:docMk/>
+            <pc:sldMk cId="278164863" sldId="258"/>
+            <ac:spMk id="28" creationId="{D33F899F-CBE6-4DCB-AD7F-EF5E064A01E0}"/>
+          </ac:spMkLst>
+        </pc:spChg>
+      </pc:sldChg>
+      <pc:sldChg chg="addSp delSp modSp mod">
+        <pc:chgData name="Arthur Nicholson-Gumuła" userId="13a7efb4-f9ae-4904-bf57-d7fe5ebc8b46" providerId="ADAL" clId="{CCB58EDE-7B3F-4058-9A75-FE7CA4E46A28}" dt="2021-09-06T16:17:32.447" v="89" actId="478"/>
+        <pc:sldMkLst>
+          <pc:docMk/>
+          <pc:sldMk cId="245279502" sldId="259"/>
+        </pc:sldMkLst>
+        <pc:spChg chg="add del mod">
+          <ac:chgData name="Arthur Nicholson-Gumuła" userId="13a7efb4-f9ae-4904-bf57-d7fe5ebc8b46" providerId="ADAL" clId="{CCB58EDE-7B3F-4058-9A75-FE7CA4E46A28}" dt="2021-09-06T16:17:32.447" v="89" actId="478"/>
+          <ac:spMkLst>
+            <pc:docMk/>
+            <pc:sldMk cId="245279502" sldId="259"/>
+            <ac:spMk id="22" creationId="{9F55A412-F861-4665-AA90-1510D59F5A06}"/>
+          </ac:spMkLst>
+        </pc:spChg>
+        <pc:spChg chg="del">
+          <ac:chgData name="Arthur Nicholson-Gumuła" userId="13a7efb4-f9ae-4904-bf57-d7fe5ebc8b46" providerId="ADAL" clId="{CCB58EDE-7B3F-4058-9A75-FE7CA4E46A28}" dt="2021-09-06T16:01:31.210" v="46" actId="478"/>
+          <ac:spMkLst>
+            <pc:docMk/>
+            <pc:sldMk cId="245279502" sldId="259"/>
+            <ac:spMk id="28" creationId="{B65135E9-2D5C-4C01-9496-FA96BE97B45E}"/>
+          </ac:spMkLst>
+        </pc:spChg>
+        <pc:spChg chg="del">
+          <ac:chgData name="Arthur Nicholson-Gumuła" userId="13a7efb4-f9ae-4904-bf57-d7fe5ebc8b46" providerId="ADAL" clId="{CCB58EDE-7B3F-4058-9A75-FE7CA4E46A28}" dt="2021-09-06T16:01:32.378" v="47" actId="478"/>
+          <ac:spMkLst>
+            <pc:docMk/>
+            <pc:sldMk cId="245279502" sldId="259"/>
+            <ac:spMk id="29" creationId="{96F10B76-7A17-41F0-99E3-014118130F47}"/>
+          </ac:spMkLst>
+        </pc:spChg>
+      </pc:sldChg>
+      <pc:sldChg chg="addSp delSp modSp mod">
+        <pc:chgData name="Arthur Nicholson-Gumuła" userId="13a7efb4-f9ae-4904-bf57-d7fe5ebc8b46" providerId="ADAL" clId="{CCB58EDE-7B3F-4058-9A75-FE7CA4E46A28}" dt="2021-10-21T16:21:47.688" v="181" actId="20577"/>
+        <pc:sldMkLst>
+          <pc:docMk/>
+          <pc:sldMk cId="1540377742" sldId="260"/>
+        </pc:sldMkLst>
+        <pc:spChg chg="mod">
+          <ac:chgData name="Arthur Nicholson-Gumuła" userId="13a7efb4-f9ae-4904-bf57-d7fe5ebc8b46" providerId="ADAL" clId="{CCB58EDE-7B3F-4058-9A75-FE7CA4E46A28}" dt="2021-09-06T16:00:35.834" v="39" actId="1076"/>
+          <ac:spMkLst>
+            <pc:docMk/>
+            <pc:sldMk cId="1540377742" sldId="260"/>
+            <ac:spMk id="2" creationId="{6034B77A-8DAE-4933-9F3D-EBB131607722}"/>
+          </ac:spMkLst>
+        </pc:spChg>
+        <pc:spChg chg="del">
+          <ac:chgData name="Arthur Nicholson-Gumuła" userId="13a7efb4-f9ae-4904-bf57-d7fe5ebc8b46" providerId="ADAL" clId="{CCB58EDE-7B3F-4058-9A75-FE7CA4E46A28}" dt="2021-09-06T16:00:29.499" v="36" actId="478"/>
+          <ac:spMkLst>
+            <pc:docMk/>
+            <pc:sldMk cId="1540377742" sldId="260"/>
+            <ac:spMk id="3" creationId="{B0039893-FE8E-44EC-88B7-F1D4A0B27041}"/>
+          </ac:spMkLst>
+        </pc:spChg>
+        <pc:spChg chg="add del mod">
+          <ac:chgData name="Arthur Nicholson-Gumuła" userId="13a7efb4-f9ae-4904-bf57-d7fe5ebc8b46" providerId="ADAL" clId="{CCB58EDE-7B3F-4058-9A75-FE7CA4E46A28}" dt="2021-09-06T16:17:35.087" v="90" actId="478"/>
+          <ac:spMkLst>
+            <pc:docMk/>
+            <pc:sldMk cId="1540377742" sldId="260"/>
+            <ac:spMk id="20" creationId="{9743979D-ADB8-4B2D-81FE-5C19AC4CD450}"/>
+          </ac:spMkLst>
+        </pc:spChg>
+        <pc:spChg chg="mod">
+          <ac:chgData name="Arthur Nicholson-Gumuła" userId="13a7efb4-f9ae-4904-bf57-d7fe5ebc8b46" providerId="ADAL" clId="{CCB58EDE-7B3F-4058-9A75-FE7CA4E46A28}" dt="2021-10-21T16:21:47.688" v="181" actId="20577"/>
+          <ac:spMkLst>
+            <pc:docMk/>
+            <pc:sldMk cId="1540377742" sldId="260"/>
+            <ac:spMk id="33" creationId="{672679EF-8D09-496C-BD43-D08A1A91D20B}"/>
+          </ac:spMkLst>
+        </pc:spChg>
+      </pc:sldChg>
+      <pc:sldChg chg="delSp modSp mod">
+        <pc:chgData name="Arthur Nicholson-Gumuła" userId="13a7efb4-f9ae-4904-bf57-d7fe5ebc8b46" providerId="ADAL" clId="{CCB58EDE-7B3F-4058-9A75-FE7CA4E46A28}" dt="2021-10-21T16:19:03.651" v="149" actId="1076"/>
+        <pc:sldMkLst>
+          <pc:docMk/>
+          <pc:sldMk cId="4249698935" sldId="262"/>
+        </pc:sldMkLst>
+        <pc:spChg chg="mod">
+          <ac:chgData name="Arthur Nicholson-Gumuła" userId="13a7efb4-f9ae-4904-bf57-d7fe5ebc8b46" providerId="ADAL" clId="{CCB58EDE-7B3F-4058-9A75-FE7CA4E46A28}" dt="2021-10-21T16:18:05.740" v="142" actId="1076"/>
+          <ac:spMkLst>
+            <pc:docMk/>
+            <pc:sldMk cId="4249698935" sldId="262"/>
+            <ac:spMk id="18" creationId="{321E4295-CA7E-4515-AE2F-8E89B4177768}"/>
+          </ac:spMkLst>
+        </pc:spChg>
+        <pc:spChg chg="del mod">
+          <ac:chgData name="Arthur Nicholson-Gumuła" userId="13a7efb4-f9ae-4904-bf57-d7fe5ebc8b46" providerId="ADAL" clId="{CCB58EDE-7B3F-4058-9A75-FE7CA4E46A28}" dt="2021-09-06T16:16:53.791" v="76" actId="478"/>
+          <ac:spMkLst>
+            <pc:docMk/>
+            <pc:sldMk cId="4249698935" sldId="262"/>
+            <ac:spMk id="20" creationId="{8BD0C96A-B43C-4B2E-8720-3CB619EA25E2}"/>
+          </ac:spMkLst>
+        </pc:spChg>
+        <pc:spChg chg="mod">
+          <ac:chgData name="Arthur Nicholson-Gumuła" userId="13a7efb4-f9ae-4904-bf57-d7fe5ebc8b46" providerId="ADAL" clId="{CCB58EDE-7B3F-4058-9A75-FE7CA4E46A28}" dt="2021-10-21T16:18:10.036" v="143" actId="1076"/>
+          <ac:spMkLst>
+            <pc:docMk/>
+            <pc:sldMk cId="4249698935" sldId="262"/>
+            <ac:spMk id="22" creationId="{E2231B19-82C3-4161-AC47-48C75C8B37AF}"/>
+          </ac:spMkLst>
+        </pc:spChg>
+        <pc:spChg chg="mod">
+          <ac:chgData name="Arthur Nicholson-Gumuła" userId="13a7efb4-f9ae-4904-bf57-d7fe5ebc8b46" providerId="ADAL" clId="{CCB58EDE-7B3F-4058-9A75-FE7CA4E46A28}" dt="2021-10-21T16:19:00.098" v="148" actId="1076"/>
+          <ac:spMkLst>
+            <pc:docMk/>
+            <pc:sldMk cId="4249698935" sldId="262"/>
+            <ac:spMk id="26" creationId="{B77DFA33-EFCF-4D60-B1B2-1DAF5DC71B61}"/>
+          </ac:spMkLst>
+        </pc:spChg>
+        <pc:spChg chg="mod">
+          <ac:chgData name="Arthur Nicholson-Gumuła" userId="13a7efb4-f9ae-4904-bf57-d7fe5ebc8b46" providerId="ADAL" clId="{CCB58EDE-7B3F-4058-9A75-FE7CA4E46A28}" dt="2021-10-21T16:19:03.651" v="149" actId="1076"/>
+          <ac:spMkLst>
+            <pc:docMk/>
+            <pc:sldMk cId="4249698935" sldId="262"/>
+            <ac:spMk id="28" creationId="{6E506D95-D5EA-4C9F-8CEE-1A538F447B1A}"/>
+          </ac:spMkLst>
+        </pc:spChg>
+      </pc:sldChg>
+      <pc:sldChg chg="delSp modSp mod">
+        <pc:chgData name="Arthur Nicholson-Gumuła" userId="13a7efb4-f9ae-4904-bf57-d7fe5ebc8b46" providerId="ADAL" clId="{CCB58EDE-7B3F-4058-9A75-FE7CA4E46A28}" dt="2021-09-06T16:17:11.032" v="82" actId="478"/>
+        <pc:sldMkLst>
+          <pc:docMk/>
+          <pc:sldMk cId="1952997526" sldId="264"/>
+        </pc:sldMkLst>
+        <pc:spChg chg="del mod">
+          <ac:chgData name="Arthur Nicholson-Gumuła" userId="13a7efb4-f9ae-4904-bf57-d7fe5ebc8b46" providerId="ADAL" clId="{CCB58EDE-7B3F-4058-9A75-FE7CA4E46A28}" dt="2021-09-06T16:17:11.032" v="82" actId="478"/>
+          <ac:spMkLst>
+            <pc:docMk/>
+            <pc:sldMk cId="1952997526" sldId="264"/>
+            <ac:spMk id="19" creationId="{70A90B7C-2EB4-4C95-899E-533E66CED601}"/>
+          </ac:spMkLst>
+        </pc:spChg>
+      </pc:sldChg>
+      <pc:sldChg chg="delSp modSp mod">
+        <pc:chgData name="Arthur Nicholson-Gumuła" userId="13a7efb4-f9ae-4904-bf57-d7fe5ebc8b46" providerId="ADAL" clId="{CCB58EDE-7B3F-4058-9A75-FE7CA4E46A28}" dt="2021-09-06T16:17:13.382" v="83" actId="478"/>
+        <pc:sldMkLst>
+          <pc:docMk/>
+          <pc:sldMk cId="3657099548" sldId="265"/>
+        </pc:sldMkLst>
+        <pc:spChg chg="del mod">
+          <ac:chgData name="Arthur Nicholson-Gumuła" userId="13a7efb4-f9ae-4904-bf57-d7fe5ebc8b46" providerId="ADAL" clId="{CCB58EDE-7B3F-4058-9A75-FE7CA4E46A28}" dt="2021-09-06T16:17:13.382" v="83" actId="478"/>
+          <ac:spMkLst>
+            <pc:docMk/>
+            <pc:sldMk cId="3657099548" sldId="265"/>
+            <ac:spMk id="21" creationId="{ACE330B6-0BC1-4D8F-AC4A-72344902CF65}"/>
+          </ac:spMkLst>
+        </pc:spChg>
+      </pc:sldChg>
+      <pc:sldChg chg="delSp modSp mod">
+        <pc:chgData name="Arthur Nicholson-Gumuła" userId="13a7efb4-f9ae-4904-bf57-d7fe5ebc8b46" providerId="ADAL" clId="{CCB58EDE-7B3F-4058-9A75-FE7CA4E46A28}" dt="2021-09-06T16:16:58.567" v="78" actId="478"/>
+        <pc:sldMkLst>
+          <pc:docMk/>
+          <pc:sldMk cId="1790312951" sldId="266"/>
+        </pc:sldMkLst>
+        <pc:spChg chg="del mod">
+          <ac:chgData name="Arthur Nicholson-Gumuła" userId="13a7efb4-f9ae-4904-bf57-d7fe5ebc8b46" providerId="ADAL" clId="{CCB58EDE-7B3F-4058-9A75-FE7CA4E46A28}" dt="2021-09-06T16:16:58.567" v="78" actId="478"/>
+          <ac:spMkLst>
+            <pc:docMk/>
+            <pc:sldMk cId="1790312951" sldId="266"/>
+            <ac:spMk id="19" creationId="{18C5E3E9-2B41-4849-9FD1-04640A69744C}"/>
+          </ac:spMkLst>
+        </pc:spChg>
+      </pc:sldChg>
+      <pc:sldChg chg="delSp modSp mod">
+        <pc:chgData name="Arthur Nicholson-Gumuła" userId="13a7efb4-f9ae-4904-bf57-d7fe5ebc8b46" providerId="ADAL" clId="{CCB58EDE-7B3F-4058-9A75-FE7CA4E46A28}" dt="2021-09-06T16:16:56.045" v="77" actId="478"/>
+        <pc:sldMkLst>
+          <pc:docMk/>
+          <pc:sldMk cId="1566784114" sldId="267"/>
+        </pc:sldMkLst>
+        <pc:spChg chg="del mod">
+          <ac:chgData name="Arthur Nicholson-Gumuła" userId="13a7efb4-f9ae-4904-bf57-d7fe5ebc8b46" providerId="ADAL" clId="{CCB58EDE-7B3F-4058-9A75-FE7CA4E46A28}" dt="2021-09-06T16:16:56.045" v="77" actId="478"/>
+          <ac:spMkLst>
+            <pc:docMk/>
+            <pc:sldMk cId="1566784114" sldId="267"/>
+            <ac:spMk id="19" creationId="{6DCAC12C-C056-46A6-A31F-648CF18A1E06}"/>
+          </ac:spMkLst>
+        </pc:spChg>
+      </pc:sldChg>
+      <pc:sldChg chg="addSp delSp modSp mod">
+        <pc:chgData name="Arthur Nicholson-Gumuła" userId="13a7efb4-f9ae-4904-bf57-d7fe5ebc8b46" providerId="ADAL" clId="{CCB58EDE-7B3F-4058-9A75-FE7CA4E46A28}" dt="2021-09-06T16:17:38.985" v="91" actId="478"/>
+        <pc:sldMkLst>
+          <pc:docMk/>
+          <pc:sldMk cId="3401488753" sldId="268"/>
+        </pc:sldMkLst>
+        <pc:spChg chg="del mod">
+          <ac:chgData name="Arthur Nicholson-Gumuła" userId="13a7efb4-f9ae-4904-bf57-d7fe5ebc8b46" providerId="ADAL" clId="{CCB58EDE-7B3F-4058-9A75-FE7CA4E46A28}" dt="2021-09-06T16:07:14.347" v="71" actId="478"/>
+          <ac:spMkLst>
+            <pc:docMk/>
+            <pc:sldMk cId="3401488753" sldId="268"/>
+            <ac:spMk id="25" creationId="{2AC585AE-4B0A-429C-87D9-1859714D627E}"/>
+          </ac:spMkLst>
+        </pc:spChg>
+        <pc:spChg chg="add del mod">
+          <ac:chgData name="Arthur Nicholson-Gumuła" userId="13a7efb4-f9ae-4904-bf57-d7fe5ebc8b46" providerId="ADAL" clId="{CCB58EDE-7B3F-4058-9A75-FE7CA4E46A28}" dt="2021-09-06T16:17:38.985" v="91" actId="478"/>
+          <ac:spMkLst>
+            <pc:docMk/>
+            <pc:sldMk cId="3401488753" sldId="268"/>
+            <ac:spMk id="27" creationId="{29938D80-14EB-4BCE-B285-C93683DD076C}"/>
+          </ac:spMkLst>
+        </pc:spChg>
+      </pc:sldChg>
+      <pc:sldChg chg="addSp delSp modSp mod">
+        <pc:chgData name="Arthur Nicholson-Gumuła" userId="13a7efb4-f9ae-4904-bf57-d7fe5ebc8b46" providerId="ADAL" clId="{CCB58EDE-7B3F-4058-9A75-FE7CA4E46A28}" dt="2021-09-06T16:17:41.991" v="92" actId="478"/>
+        <pc:sldMkLst>
+          <pc:docMk/>
+          <pc:sldMk cId="1080831914" sldId="269"/>
+        </pc:sldMkLst>
+        <pc:spChg chg="del">
+          <ac:chgData name="Arthur Nicholson-Gumuła" userId="13a7efb4-f9ae-4904-bf57-d7fe5ebc8b46" providerId="ADAL" clId="{CCB58EDE-7B3F-4058-9A75-FE7CA4E46A28}" dt="2021-09-06T15:59:14.593" v="28" actId="478"/>
+          <ac:spMkLst>
+            <pc:docMk/>
+            <pc:sldMk cId="1080831914" sldId="269"/>
+            <ac:spMk id="25" creationId="{4BAD5F76-5AFB-4CF2-B96E-FABA5906B479}"/>
+          </ac:spMkLst>
+        </pc:spChg>
+        <pc:spChg chg="add del mod">
+          <ac:chgData name="Arthur Nicholson-Gumuła" userId="13a7efb4-f9ae-4904-bf57-d7fe5ebc8b46" providerId="ADAL" clId="{CCB58EDE-7B3F-4058-9A75-FE7CA4E46A28}" dt="2021-09-06T16:17:41.991" v="92" actId="478"/>
+          <ac:spMkLst>
+            <pc:docMk/>
+            <pc:sldMk cId="1080831914" sldId="269"/>
+            <ac:spMk id="27" creationId="{0B85AB4A-F471-46F6-B863-A6B8906C5D2B}"/>
+          </ac:spMkLst>
+        </pc:spChg>
+      </pc:sldChg>
+      <pc:sldChg chg="delSp modSp mod">
+        <pc:chgData name="Arthur Nicholson-Gumuła" userId="13a7efb4-f9ae-4904-bf57-d7fe5ebc8b46" providerId="ADAL" clId="{CCB58EDE-7B3F-4058-9A75-FE7CA4E46A28}" dt="2021-09-06T16:16:48.486" v="74" actId="478"/>
+        <pc:sldMkLst>
+          <pc:docMk/>
+          <pc:sldMk cId="81015923" sldId="270"/>
+        </pc:sldMkLst>
+        <pc:spChg chg="del mod">
+          <ac:chgData name="Arthur Nicholson-Gumuła" userId="13a7efb4-f9ae-4904-bf57-d7fe5ebc8b46" providerId="ADAL" clId="{CCB58EDE-7B3F-4058-9A75-FE7CA4E46A28}" dt="2021-09-06T16:16:48.486" v="74" actId="478"/>
+          <ac:spMkLst>
+            <pc:docMk/>
+            <pc:sldMk cId="81015923" sldId="270"/>
+            <ac:spMk id="29" creationId="{E5A2A684-3939-405B-A2CF-29F01DE55E4D}"/>
+          </ac:spMkLst>
+        </pc:spChg>
+      </pc:sldChg>
+      <pc:sldChg chg="delSp modSp mod">
+        <pc:chgData name="Arthur Nicholson-Gumuła" userId="13a7efb4-f9ae-4904-bf57-d7fe5ebc8b46" providerId="ADAL" clId="{CCB58EDE-7B3F-4058-9A75-FE7CA4E46A28}" dt="2021-09-06T16:17:01.321" v="79" actId="478"/>
+        <pc:sldMkLst>
+          <pc:docMk/>
+          <pc:sldMk cId="818147822" sldId="271"/>
+        </pc:sldMkLst>
+        <pc:spChg chg="del mod">
+          <ac:chgData name="Arthur Nicholson-Gumuła" userId="13a7efb4-f9ae-4904-bf57-d7fe5ebc8b46" providerId="ADAL" clId="{CCB58EDE-7B3F-4058-9A75-FE7CA4E46A28}" dt="2021-09-06T16:17:01.321" v="79" actId="478"/>
+          <ac:spMkLst>
+            <pc:docMk/>
+            <pc:sldMk cId="818147822" sldId="271"/>
+            <ac:spMk id="21" creationId="{135A1BC4-FC03-48B9-894B-D088833B6520}"/>
+          </ac:spMkLst>
+        </pc:spChg>
+      </pc:sldChg>
+      <pc:sldChg chg="delSp modSp mod">
+        <pc:chgData name="Arthur Nicholson-Gumuła" userId="13a7efb4-f9ae-4904-bf57-d7fe5ebc8b46" providerId="ADAL" clId="{CCB58EDE-7B3F-4058-9A75-FE7CA4E46A28}" dt="2021-09-06T16:17:06.159" v="80" actId="478"/>
+        <pc:sldMkLst>
+          <pc:docMk/>
+          <pc:sldMk cId="2144171273" sldId="272"/>
+        </pc:sldMkLst>
+        <pc:spChg chg="del mod">
+          <ac:chgData name="Arthur Nicholson-Gumuła" userId="13a7efb4-f9ae-4904-bf57-d7fe5ebc8b46" providerId="ADAL" clId="{CCB58EDE-7B3F-4058-9A75-FE7CA4E46A28}" dt="2021-09-06T16:17:06.159" v="80" actId="478"/>
+          <ac:spMkLst>
+            <pc:docMk/>
+            <pc:sldMk cId="2144171273" sldId="272"/>
+            <ac:spMk id="19" creationId="{F7F9E6FC-7E01-451C-8AA8-BFAB03FE5DF9}"/>
+          </ac:spMkLst>
+        </pc:spChg>
+      </pc:sldChg>
+      <pc:sldChg chg="delSp modSp mod">
+        <pc:chgData name="Arthur Nicholson-Gumuła" userId="13a7efb4-f9ae-4904-bf57-d7fe5ebc8b46" providerId="ADAL" clId="{CCB58EDE-7B3F-4058-9A75-FE7CA4E46A28}" dt="2021-09-06T16:17:08.543" v="81" actId="478"/>
+        <pc:sldMkLst>
+          <pc:docMk/>
+          <pc:sldMk cId="2784527771" sldId="273"/>
+        </pc:sldMkLst>
+        <pc:spChg chg="del mod">
+          <ac:chgData name="Arthur Nicholson-Gumuła" userId="13a7efb4-f9ae-4904-bf57-d7fe5ebc8b46" providerId="ADAL" clId="{CCB58EDE-7B3F-4058-9A75-FE7CA4E46A28}" dt="2021-09-06T16:17:08.543" v="81" actId="478"/>
+          <ac:spMkLst>
+            <pc:docMk/>
+            <pc:sldMk cId="2784527771" sldId="273"/>
+            <ac:spMk id="19" creationId="{7B469A5B-76EE-4CA7-9E44-87138A46D321}"/>
+          </ac:spMkLst>
+        </pc:spChg>
+      </pc:sldChg>
+      <pc:sldChg chg="delSp modSp mod">
+        <pc:chgData name="Arthur Nicholson-Gumuła" userId="13a7efb4-f9ae-4904-bf57-d7fe5ebc8b46" providerId="ADAL" clId="{CCB58EDE-7B3F-4058-9A75-FE7CA4E46A28}" dt="2021-09-06T16:17:21.045" v="85" actId="478"/>
+        <pc:sldMkLst>
+          <pc:docMk/>
+          <pc:sldMk cId="158727692" sldId="274"/>
+        </pc:sldMkLst>
+        <pc:spChg chg="del mod">
+          <ac:chgData name="Arthur Nicholson-Gumuła" userId="13a7efb4-f9ae-4904-bf57-d7fe5ebc8b46" providerId="ADAL" clId="{CCB58EDE-7B3F-4058-9A75-FE7CA4E46A28}" dt="2021-09-06T16:17:21.045" v="85" actId="478"/>
+          <ac:spMkLst>
+            <pc:docMk/>
+            <pc:sldMk cId="158727692" sldId="274"/>
+            <ac:spMk id="19" creationId="{EE6AB0CD-EC47-4D5F-B40D-4C945D242D31}"/>
+          </ac:spMkLst>
+        </pc:spChg>
+      </pc:sldChg>
+      <pc:sldChg chg="delSp modSp mod">
+        <pc:chgData name="Arthur Nicholson-Gumuła" userId="13a7efb4-f9ae-4904-bf57-d7fe5ebc8b46" providerId="ADAL" clId="{CCB58EDE-7B3F-4058-9A75-FE7CA4E46A28}" dt="2021-09-06T16:16:51.127" v="75" actId="478"/>
+        <pc:sldMkLst>
+          <pc:docMk/>
+          <pc:sldMk cId="3063803655" sldId="275"/>
+        </pc:sldMkLst>
+        <pc:spChg chg="del mod">
+          <ac:chgData name="Arthur Nicholson-Gumuła" userId="13a7efb4-f9ae-4904-bf57-d7fe5ebc8b46" providerId="ADAL" clId="{CCB58EDE-7B3F-4058-9A75-FE7CA4E46A28}" dt="2021-09-06T16:16:51.127" v="75" actId="478"/>
+          <ac:spMkLst>
+            <pc:docMk/>
+            <pc:sldMk cId="3063803655" sldId="275"/>
+            <ac:spMk id="28" creationId="{17093048-326F-473C-9F5C-16202F3ADB2D}"/>
+          </ac:spMkLst>
+        </pc:spChg>
+      </pc:sldChg>
+      <pc:sldChg chg="addSp delSp modSp mod">
+        <pc:chgData name="Arthur Nicholson-Gumuła" userId="13a7efb4-f9ae-4904-bf57-d7fe5ebc8b46" providerId="ADAL" clId="{CCB58EDE-7B3F-4058-9A75-FE7CA4E46A28}" dt="2021-09-06T16:17:29.224" v="88" actId="478"/>
+        <pc:sldMkLst>
+          <pc:docMk/>
+          <pc:sldMk cId="913799999" sldId="276"/>
+        </pc:sldMkLst>
+        <pc:spChg chg="mod">
+          <ac:chgData name="Arthur Nicholson-Gumuła" userId="13a7efb4-f9ae-4904-bf57-d7fe5ebc8b46" providerId="ADAL" clId="{CCB58EDE-7B3F-4058-9A75-FE7CA4E46A28}" dt="2021-09-06T16:03:38.905" v="56" actId="1035"/>
+          <ac:spMkLst>
+            <pc:docMk/>
+            <pc:sldMk cId="913799999" sldId="276"/>
+            <ac:spMk id="4" creationId="{3639CD19-8C68-42B7-9F9E-A45E0350A2FC}"/>
+          </ac:spMkLst>
+        </pc:spChg>
+        <pc:spChg chg="add del mod">
+          <ac:chgData name="Arthur Nicholson-Gumuła" userId="13a7efb4-f9ae-4904-bf57-d7fe5ebc8b46" providerId="ADAL" clId="{CCB58EDE-7B3F-4058-9A75-FE7CA4E46A28}" dt="2021-09-06T16:17:29.224" v="88" actId="478"/>
+          <ac:spMkLst>
+            <pc:docMk/>
+            <pc:sldMk cId="913799999" sldId="276"/>
+            <ac:spMk id="17" creationId="{5486882B-C5CA-409B-ACAC-1481645BBC30}"/>
+          </ac:spMkLst>
+        </pc:spChg>
+        <pc:spChg chg="del mod">
+          <ac:chgData name="Arthur Nicholson-Gumuła" userId="13a7efb4-f9ae-4904-bf57-d7fe5ebc8b46" providerId="ADAL" clId="{CCB58EDE-7B3F-4058-9A75-FE7CA4E46A28}" dt="2021-09-06T16:06:08.628" v="69" actId="478"/>
+          <ac:spMkLst>
+            <pc:docMk/>
+            <pc:sldMk cId="913799999" sldId="276"/>
+            <ac:spMk id="18" creationId="{DCD4E8B8-08E9-482B-9C30-D91E830C56B2}"/>
+          </ac:spMkLst>
+        </pc:spChg>
+      </pc:sldChg>
+      <pc:sldChg chg="delSp modSp mod">
+        <pc:chgData name="Arthur Nicholson-Gumuła" userId="13a7efb4-f9ae-4904-bf57-d7fe5ebc8b46" providerId="ADAL" clId="{CCB58EDE-7B3F-4058-9A75-FE7CA4E46A28}" dt="2021-09-06T16:17:44.831" v="93" actId="478"/>
+        <pc:sldMkLst>
+          <pc:docMk/>
+          <pc:sldMk cId="146685368" sldId="277"/>
+        </pc:sldMkLst>
+        <pc:spChg chg="del mod">
+          <ac:chgData name="Arthur Nicholson-Gumuła" userId="13a7efb4-f9ae-4904-bf57-d7fe5ebc8b46" providerId="ADAL" clId="{CCB58EDE-7B3F-4058-9A75-FE7CA4E46A28}" dt="2021-09-06T16:17:44.831" v="93" actId="478"/>
+          <ac:spMkLst>
+            <pc:docMk/>
+            <pc:sldMk cId="146685368" sldId="277"/>
+            <ac:spMk id="20" creationId="{96FAD372-6C30-4294-BE66-C5981131B780}"/>
+          </ac:spMkLst>
+        </pc:spChg>
+      </pc:sldChg>
+      <pc:sldChg chg="delSp modSp mod">
+        <pc:chgData name="Arthur Nicholson-Gumuła" userId="13a7efb4-f9ae-4904-bf57-d7fe5ebc8b46" providerId="ADAL" clId="{CCB58EDE-7B3F-4058-9A75-FE7CA4E46A28}" dt="2021-09-06T16:17:26.405" v="87" actId="478"/>
+        <pc:sldMkLst>
+          <pc:docMk/>
+          <pc:sldMk cId="1542608800" sldId="278"/>
+        </pc:sldMkLst>
+        <pc:spChg chg="mod">
+          <ac:chgData name="Arthur Nicholson-Gumuła" userId="13a7efb4-f9ae-4904-bf57-d7fe5ebc8b46" providerId="ADAL" clId="{CCB58EDE-7B3F-4058-9A75-FE7CA4E46A28}" dt="2021-09-06T16:03:30.654" v="55" actId="14100"/>
+          <ac:spMkLst>
+            <pc:docMk/>
+            <pc:sldMk cId="1542608800" sldId="278"/>
+            <ac:spMk id="4" creationId="{3639CD19-8C68-42B7-9F9E-A45E0350A2FC}"/>
+          </ac:spMkLst>
+        </pc:spChg>
+        <pc:spChg chg="mod">
+          <ac:chgData name="Arthur Nicholson-Gumuła" userId="13a7efb4-f9ae-4904-bf57-d7fe5ebc8b46" providerId="ADAL" clId="{CCB58EDE-7B3F-4058-9A75-FE7CA4E46A28}" dt="2021-09-06T16:03:30.182" v="54" actId="14100"/>
+          <ac:spMkLst>
+            <pc:docMk/>
+            <pc:sldMk cId="1542608800" sldId="278"/>
+            <ac:spMk id="5" creationId="{3680645D-13E8-46FC-8089-2A9E505044A4}"/>
+          </ac:spMkLst>
+        </pc:spChg>
+        <pc:spChg chg="del mod">
+          <ac:chgData name="Arthur Nicholson-Gumuła" userId="13a7efb4-f9ae-4904-bf57-d7fe5ebc8b46" providerId="ADAL" clId="{CCB58EDE-7B3F-4058-9A75-FE7CA4E46A28}" dt="2021-09-06T16:17:26.405" v="87" actId="478"/>
+          <ac:spMkLst>
+            <pc:docMk/>
+            <pc:sldMk cId="1542608800" sldId="278"/>
+            <ac:spMk id="25" creationId="{2FFF438E-7A3B-4A3A-9CB9-35BF8767442B}"/>
+          </ac:spMkLst>
+        </pc:spChg>
+      </pc:sldChg>
+    </pc:docChg>
+  </pc:docChgLst>
+  <pc:docChgLst>
+    <pc:chgData name="Arthur Nicholson-Gumuła" userId="13a7efb4-f9ae-4904-bf57-d7fe5ebc8b46" providerId="ADAL" clId="{BE6C09A6-9D77-4B77-8EF5-84D99A6DBE4D}"/>
+    <pc:docChg chg="custSel addSld modSld">
+      <pc:chgData name="Arthur Nicholson-Gumuła" userId="13a7efb4-f9ae-4904-bf57-d7fe5ebc8b46" providerId="ADAL" clId="{BE6C09A6-9D77-4B77-8EF5-84D99A6DBE4D}" dt="2020-08-05T08:55:04.213" v="15" actId="478"/>
+      <pc:docMkLst>
+        <pc:docMk/>
+      </pc:docMkLst>
+      <pc:sldChg chg="delSp modSp add mod">
+        <pc:chgData name="Arthur Nicholson-Gumuła" userId="13a7efb4-f9ae-4904-bf57-d7fe5ebc8b46" providerId="ADAL" clId="{BE6C09A6-9D77-4B77-8EF5-84D99A6DBE4D}" dt="2020-08-05T08:55:04.213" v="15" actId="478"/>
+        <pc:sldMkLst>
+          <pc:docMk/>
+          <pc:sldMk cId="1542608800" sldId="278"/>
+        </pc:sldMkLst>
+        <pc:spChg chg="mod">
+          <ac:chgData name="Arthur Nicholson-Gumuła" userId="13a7efb4-f9ae-4904-bf57-d7fe5ebc8b46" providerId="ADAL" clId="{BE6C09A6-9D77-4B77-8EF5-84D99A6DBE4D}" dt="2020-08-05T08:54:21.582" v="7" actId="207"/>
+          <ac:spMkLst>
+            <pc:docMk/>
+            <pc:sldMk cId="1542608800" sldId="278"/>
+            <ac:spMk id="8" creationId="{DC5246D7-4530-4B6F-8250-05F51AE64E0E}"/>
+          </ac:spMkLst>
+        </pc:spChg>
+        <pc:spChg chg="del">
+          <ac:chgData name="Arthur Nicholson-Gumuła" userId="13a7efb4-f9ae-4904-bf57-d7fe5ebc8b46" providerId="ADAL" clId="{BE6C09A6-9D77-4B77-8EF5-84D99A6DBE4D}" dt="2020-08-05T08:54:54.893" v="13" actId="478"/>
+          <ac:spMkLst>
+            <pc:docMk/>
+            <pc:sldMk cId="1542608800" sldId="278"/>
+            <ac:spMk id="11" creationId="{1F26FEC4-0F84-4F06-94B9-FAA6D77C92F9}"/>
+          </ac:spMkLst>
+        </pc:spChg>
+        <pc:spChg chg="mod">
+          <ac:chgData name="Arthur Nicholson-Gumuła" userId="13a7efb4-f9ae-4904-bf57-d7fe5ebc8b46" providerId="ADAL" clId="{BE6C09A6-9D77-4B77-8EF5-84D99A6DBE4D}" dt="2020-08-05T08:54:44.350" v="11" actId="207"/>
+          <ac:spMkLst>
+            <pc:docMk/>
+            <pc:sldMk cId="1542608800" sldId="278"/>
+            <ac:spMk id="15" creationId="{38BE9290-B274-4C57-9340-9C4A333B8CF8}"/>
+          </ac:spMkLst>
+        </pc:spChg>
+        <pc:spChg chg="mod">
+          <ac:chgData name="Arthur Nicholson-Gumuła" userId="13a7efb4-f9ae-4904-bf57-d7fe5ebc8b46" providerId="ADAL" clId="{BE6C09A6-9D77-4B77-8EF5-84D99A6DBE4D}" dt="2020-08-05T08:54:23.573" v="8" actId="207"/>
+          <ac:spMkLst>
+            <pc:docMk/>
+            <pc:sldMk cId="1542608800" sldId="278"/>
+            <ac:spMk id="18" creationId="{F86D0D09-E0B5-429F-83C6-F5EB09D2BB46}"/>
+          </ac:spMkLst>
+        </pc:spChg>
+        <pc:spChg chg="del">
+          <ac:chgData name="Arthur Nicholson-Gumuła" userId="13a7efb4-f9ae-4904-bf57-d7fe5ebc8b46" providerId="ADAL" clId="{BE6C09A6-9D77-4B77-8EF5-84D99A6DBE4D}" dt="2020-08-05T08:55:00.730" v="14" actId="478"/>
+          <ac:spMkLst>
+            <pc:docMk/>
+            <pc:sldMk cId="1542608800" sldId="278"/>
+            <ac:spMk id="19" creationId="{D1A4BBD9-EE8B-4338-BC6B-FCCFCEF37706}"/>
+          </ac:spMkLst>
+        </pc:spChg>
+        <pc:spChg chg="mod">
+          <ac:chgData name="Arthur Nicholson-Gumuła" userId="13a7efb4-f9ae-4904-bf57-d7fe5ebc8b46" providerId="ADAL" clId="{BE6C09A6-9D77-4B77-8EF5-84D99A6DBE4D}" dt="2020-08-05T08:54:41.522" v="10" actId="207"/>
+          <ac:spMkLst>
+            <pc:docMk/>
+            <pc:sldMk cId="1542608800" sldId="278"/>
+            <ac:spMk id="30" creationId="{4CAA8E4E-1B92-4107-9CB2-4E1984BCD262}"/>
+          </ac:spMkLst>
+        </pc:spChg>
+        <pc:spChg chg="mod">
+          <ac:chgData name="Arthur Nicholson-Gumuła" userId="13a7efb4-f9ae-4904-bf57-d7fe5ebc8b46" providerId="ADAL" clId="{BE6C09A6-9D77-4B77-8EF5-84D99A6DBE4D}" dt="2020-08-05T08:54:45.671" v="12" actId="207"/>
+          <ac:spMkLst>
+            <pc:docMk/>
+            <pc:sldMk cId="1542608800" sldId="278"/>
+            <ac:spMk id="31" creationId="{CE0D16DF-EA88-49BE-AC3C-441A166A06CE}"/>
+          </ac:spMkLst>
+        </pc:spChg>
+        <pc:spChg chg="mod">
+          <ac:chgData name="Arthur Nicholson-Gumuła" userId="13a7efb4-f9ae-4904-bf57-d7fe5ebc8b46" providerId="ADAL" clId="{BE6C09A6-9D77-4B77-8EF5-84D99A6DBE4D}" dt="2020-08-05T08:51:50.666" v="6" actId="20577"/>
+          <ac:spMkLst>
+            <pc:docMk/>
+            <pc:sldMk cId="1542608800" sldId="278"/>
+            <ac:spMk id="33" creationId="{672679EF-8D09-496C-BD43-D08A1A91D20B}"/>
+          </ac:spMkLst>
+        </pc:spChg>
+        <pc:spChg chg="mod">
+          <ac:chgData name="Arthur Nicholson-Gumuła" userId="13a7efb4-f9ae-4904-bf57-d7fe5ebc8b46" providerId="ADAL" clId="{BE6C09A6-9D77-4B77-8EF5-84D99A6DBE4D}" dt="2020-08-05T08:54:24.874" v="9" actId="207"/>
+          <ac:spMkLst>
+            <pc:docMk/>
+            <pc:sldMk cId="1542608800" sldId="278"/>
+            <ac:spMk id="34" creationId="{BAC1B9C6-5E19-4831-AB64-203223E6E268}"/>
+          </ac:spMkLst>
+        </pc:spChg>
+        <pc:spChg chg="del">
+          <ac:chgData name="Arthur Nicholson-Gumuła" userId="13a7efb4-f9ae-4904-bf57-d7fe5ebc8b46" providerId="ADAL" clId="{BE6C09A6-9D77-4B77-8EF5-84D99A6DBE4D}" dt="2020-08-05T08:55:04.213" v="15" actId="478"/>
+          <ac:spMkLst>
+            <pc:docMk/>
+            <pc:sldMk cId="1542608800" sldId="278"/>
+            <ac:spMk id="35" creationId="{37B7F651-BD1B-48D1-9F02-8B99BE2722C2}"/>
+          </ac:spMkLst>
+        </pc:spChg>
+      </pc:sldChg>
+    </pc:docChg>
+  </pc:docChgLst>
+  <pc:docChgLst>
+    <pc:chgData name="Arthur Nicholson-Gumuła" userId="13a7efb4-f9ae-4904-bf57-d7fe5ebc8b46" providerId="ADAL" clId="{E5C2D4D2-A61F-4B86-8827-6C5511672154}"/>
+    <pc:docChg chg="undo custSel modSld">
+      <pc:chgData name="Arthur Nicholson-Gumuła" userId="13a7efb4-f9ae-4904-bf57-d7fe5ebc8b46" providerId="ADAL" clId="{E5C2D4D2-A61F-4B86-8827-6C5511672154}" dt="2021-02-08T15:02:13.389" v="194"/>
+      <pc:docMkLst>
+        <pc:docMk/>
+      </pc:docMkLst>
+      <pc:sldChg chg="addSp delSp modSp mod">
+        <pc:chgData name="Arthur Nicholson-Gumuła" userId="13a7efb4-f9ae-4904-bf57-d7fe5ebc8b46" providerId="ADAL" clId="{E5C2D4D2-A61F-4B86-8827-6C5511672154}" dt="2021-02-08T15:02:04.215" v="191"/>
+        <pc:sldMkLst>
+          <pc:docMk/>
+          <pc:sldMk cId="3289512586" sldId="256"/>
+        </pc:sldMkLst>
+        <pc:spChg chg="del">
+          <ac:chgData name="Arthur Nicholson-Gumuła" userId="13a7efb4-f9ae-4904-bf57-d7fe5ebc8b46" providerId="ADAL" clId="{E5C2D4D2-A61F-4B86-8827-6C5511672154}" dt="2021-02-03T16:48:47.692" v="67" actId="478"/>
+          <ac:spMkLst>
+            <pc:docMk/>
+            <pc:sldMk cId="3289512586" sldId="256"/>
+            <ac:spMk id="17" creationId="{C5F3C501-1C4D-45EA-A0FC-5CFFB55BABAD}"/>
+          </ac:spMkLst>
+        </pc:spChg>
+        <pc:spChg chg="add del mod">
+          <ac:chgData name="Arthur Nicholson-Gumuła" userId="13a7efb4-f9ae-4904-bf57-d7fe5ebc8b46" providerId="ADAL" clId="{E5C2D4D2-A61F-4B86-8827-6C5511672154}" dt="2021-02-04T11:45:57.006" v="171" actId="478"/>
+          <ac:spMkLst>
+            <pc:docMk/>
+            <pc:sldMk cId="3289512586" sldId="256"/>
+            <ac:spMk id="20" creationId="{E1DE1BB2-301C-431C-A510-EE0A5863A3B2}"/>
+          </ac:spMkLst>
+        </pc:spChg>
+        <pc:spChg chg="add mod">
+          <ac:chgData name="Arthur Nicholson-Gumuła" userId="13a7efb4-f9ae-4904-bf57-d7fe5ebc8b46" providerId="ADAL" clId="{E5C2D4D2-A61F-4B86-8827-6C5511672154}" dt="2021-02-08T15:02:04.215" v="191"/>
+          <ac:spMkLst>
+            <pc:docMk/>
+            <pc:sldMk cId="3289512586" sldId="256"/>
+            <ac:spMk id="21" creationId="{46ED1B98-80F0-42E7-8497-277C7C16258B}"/>
+          </ac:spMkLst>
+        </pc:spChg>
+      </pc:sldChg>
+      <pc:sldChg chg="addSp delSp modSp mod">
+        <pc:chgData name="Arthur Nicholson-Gumuła" userId="13a7efb4-f9ae-4904-bf57-d7fe5ebc8b46" providerId="ADAL" clId="{E5C2D4D2-A61F-4B86-8827-6C5511672154}" dt="2021-02-08T15:01:35.843" v="180"/>
+        <pc:sldMkLst>
+          <pc:docMk/>
+          <pc:sldMk cId="2694148669" sldId="257"/>
+        </pc:sldMkLst>
+        <pc:spChg chg="mod">
+          <ac:chgData name="Arthur Nicholson-Gumuła" userId="13a7efb4-f9ae-4904-bf57-d7fe5ebc8b46" providerId="ADAL" clId="{E5C2D4D2-A61F-4B86-8827-6C5511672154}" dt="2021-02-04T11:42:50.615" v="117" actId="1035"/>
+          <ac:spMkLst>
+            <pc:docMk/>
+            <pc:sldMk cId="2694148669" sldId="257"/>
+            <ac:spMk id="4" creationId="{3639CD19-8C68-42B7-9F9E-A45E0350A2FC}"/>
+          </ac:spMkLst>
+        </pc:spChg>
+        <pc:spChg chg="del mod">
+          <ac:chgData name="Arthur Nicholson-Gumuła" userId="13a7efb4-f9ae-4904-bf57-d7fe5ebc8b46" providerId="ADAL" clId="{E5C2D4D2-A61F-4B86-8827-6C5511672154}" dt="2021-02-04T11:43:29.663" v="120" actId="478"/>
+          <ac:spMkLst>
+            <pc:docMk/>
+            <pc:sldMk cId="2694148669" sldId="257"/>
+            <ac:spMk id="17" creationId="{C5F3C501-1C4D-45EA-A0FC-5CFFB55BABAD}"/>
+          </ac:spMkLst>
+        </pc:spChg>
+        <pc:spChg chg="add mod">
+          <ac:chgData name="Arthur Nicholson-Gumuła" userId="13a7efb4-f9ae-4904-bf57-d7fe5ebc8b46" providerId="ADAL" clId="{E5C2D4D2-A61F-4B86-8827-6C5511672154}" dt="2021-02-08T15:01:35.843" v="180"/>
+          <ac:spMkLst>
+            <pc:docMk/>
+            <pc:sldMk cId="2694148669" sldId="257"/>
+            <ac:spMk id="22" creationId="{588C7A93-B3EF-428B-BC2C-546D16EE543B}"/>
+          </ac:spMkLst>
+        </pc:spChg>
+      </pc:sldChg>
+      <pc:sldChg chg="addSp delSp modSp mod">
+        <pc:chgData name="Arthur Nicholson-Gumuła" userId="13a7efb4-f9ae-4904-bf57-d7fe5ebc8b46" providerId="ADAL" clId="{E5C2D4D2-A61F-4B86-8827-6C5511672154}" dt="2021-02-08T15:02:10.642" v="193"/>
+        <pc:sldMkLst>
+          <pc:docMk/>
+          <pc:sldMk cId="278164863" sldId="258"/>
+        </pc:sldMkLst>
+        <pc:spChg chg="del">
+          <ac:chgData name="Arthur Nicholson-Gumuła" userId="13a7efb4-f9ae-4904-bf57-d7fe5ebc8b46" providerId="ADAL" clId="{E5C2D4D2-A61F-4B86-8827-6C5511672154}" dt="2021-02-03T16:48:56.174" v="71" actId="478"/>
+          <ac:spMkLst>
+            <pc:docMk/>
+            <pc:sldMk cId="278164863" sldId="258"/>
+            <ac:spMk id="17" creationId="{C5F3C501-1C4D-45EA-A0FC-5CFFB55BABAD}"/>
+          </ac:spMkLst>
+        </pc:spChg>
+        <pc:spChg chg="add del mod">
+          <ac:chgData name="Arthur Nicholson-Gumuła" userId="13a7efb4-f9ae-4904-bf57-d7fe5ebc8b46" providerId="ADAL" clId="{E5C2D4D2-A61F-4B86-8827-6C5511672154}" dt="2021-02-04T11:46:09.286" v="175" actId="478"/>
+          <ac:spMkLst>
+            <pc:docMk/>
+            <pc:sldMk cId="278164863" sldId="258"/>
+            <ac:spMk id="27" creationId="{27B8B906-E7E8-42FE-A3F2-985AB8D6CE0D}"/>
+          </ac:spMkLst>
+        </pc:spChg>
+        <pc:spChg chg="add mod">
+          <ac:chgData name="Arthur Nicholson-Gumuła" userId="13a7efb4-f9ae-4904-bf57-d7fe5ebc8b46" providerId="ADAL" clId="{E5C2D4D2-A61F-4B86-8827-6C5511672154}" dt="2021-02-08T15:02:10.642" v="193"/>
+          <ac:spMkLst>
+            <pc:docMk/>
+            <pc:sldMk cId="278164863" sldId="258"/>
+            <ac:spMk id="28" creationId="{D33F899F-CBE6-4DCB-AD7F-EF5E064A01E0}"/>
+          </ac:spMkLst>
+        </pc:spChg>
+      </pc:sldChg>
+      <pc:sldChg chg="addSp delSp modSp mod">
+        <pc:chgData name="Arthur Nicholson-Gumuła" userId="13a7efb4-f9ae-4904-bf57-d7fe5ebc8b46" providerId="ADAL" clId="{E5C2D4D2-A61F-4B86-8827-6C5511672154}" dt="2021-02-08T15:01:43.838" v="183"/>
+        <pc:sldMkLst>
+          <pc:docMk/>
+          <pc:sldMk cId="4249698935" sldId="262"/>
+        </pc:sldMkLst>
+        <pc:spChg chg="del">
+          <ac:chgData name="Arthur Nicholson-Gumuła" userId="13a7efb4-f9ae-4904-bf57-d7fe5ebc8b46" providerId="ADAL" clId="{E5C2D4D2-A61F-4B86-8827-6C5511672154}" dt="2021-02-03T16:48:12.933" v="51" actId="478"/>
+          <ac:spMkLst>
+            <pc:docMk/>
+            <pc:sldMk cId="4249698935" sldId="262"/>
+            <ac:spMk id="17" creationId="{C5F3C501-1C4D-45EA-A0FC-5CFFB55BABAD}"/>
+          </ac:spMkLst>
+        </pc:spChg>
+        <pc:spChg chg="add del mod">
+          <ac:chgData name="Arthur Nicholson-Gumuła" userId="13a7efb4-f9ae-4904-bf57-d7fe5ebc8b46" providerId="ADAL" clId="{E5C2D4D2-A61F-4B86-8827-6C5511672154}" dt="2021-02-04T11:45:09.848" v="155" actId="478"/>
+          <ac:spMkLst>
+            <pc:docMk/>
+            <pc:sldMk cId="4249698935" sldId="262"/>
+            <ac:spMk id="19" creationId="{C2BE76D2-BF11-4C47-A2D3-6619A47345A4}"/>
+          </ac:spMkLst>
+        </pc:spChg>
+        <pc:spChg chg="add mod">
+          <ac:chgData name="Arthur Nicholson-Gumuła" userId="13a7efb4-f9ae-4904-bf57-d7fe5ebc8b46" providerId="ADAL" clId="{E5C2D4D2-A61F-4B86-8827-6C5511672154}" dt="2021-02-08T15:01:43.838" v="183"/>
+          <ac:spMkLst>
+            <pc:docMk/>
+            <pc:sldMk cId="4249698935" sldId="262"/>
+            <ac:spMk id="20" creationId="{8BD0C96A-B43C-4B2E-8720-3CB619EA25E2}"/>
+          </ac:spMkLst>
+        </pc:spChg>
+      </pc:sldChg>
+      <pc:sldChg chg="addSp delSp modSp mod">
+        <pc:chgData name="Arthur Nicholson-Gumuła" userId="13a7efb4-f9ae-4904-bf57-d7fe5ebc8b46" providerId="ADAL" clId="{E5C2D4D2-A61F-4B86-8827-6C5511672154}" dt="2021-02-08T15:01:59.910" v="189"/>
+        <pc:sldMkLst>
+          <pc:docMk/>
+          <pc:sldMk cId="1952997526" sldId="264"/>
+        </pc:sldMkLst>
+        <pc:spChg chg="del">
+          <ac:chgData name="Arthur Nicholson-Gumuła" userId="13a7efb4-f9ae-4904-bf57-d7fe5ebc8b46" providerId="ADAL" clId="{E5C2D4D2-A61F-4B86-8827-6C5511672154}" dt="2021-02-03T16:48:38.784" v="63" actId="478"/>
+          <ac:spMkLst>
+            <pc:docMk/>
+            <pc:sldMk cId="1952997526" sldId="264"/>
+            <ac:spMk id="17" creationId="{C5F3C501-1C4D-45EA-A0FC-5CFFB55BABAD}"/>
+          </ac:spMkLst>
+        </pc:spChg>
+        <pc:spChg chg="add del mod">
+          <ac:chgData name="Arthur Nicholson-Gumuła" userId="13a7efb4-f9ae-4904-bf57-d7fe5ebc8b46" providerId="ADAL" clId="{E5C2D4D2-A61F-4B86-8827-6C5511672154}" dt="2021-02-04T11:45:46.207" v="167" actId="478"/>
+          <ac:spMkLst>
+            <pc:docMk/>
+            <pc:sldMk cId="1952997526" sldId="264"/>
+            <ac:spMk id="18" creationId="{D845D1B7-EC2B-44DA-BF77-875E331EA1D2}"/>
+          </ac:spMkLst>
+        </pc:spChg>
+        <pc:spChg chg="add mod">
+          <ac:chgData name="Arthur Nicholson-Gumuła" userId="13a7efb4-f9ae-4904-bf57-d7fe5ebc8b46" providerId="ADAL" clId="{E5C2D4D2-A61F-4B86-8827-6C5511672154}" dt="2021-02-08T15:01:59.910" v="189"/>
+          <ac:spMkLst>
+            <pc:docMk/>
+            <pc:sldMk cId="1952997526" sldId="264"/>
+            <ac:spMk id="19" creationId="{70A90B7C-2EB4-4C95-899E-533E66CED601}"/>
+          </ac:spMkLst>
+        </pc:spChg>
+      </pc:sldChg>
+      <pc:sldChg chg="addSp delSp modSp mod">
+        <pc:chgData name="Arthur Nicholson-Gumuła" userId="13a7efb4-f9ae-4904-bf57-d7fe5ebc8b46" providerId="ADAL" clId="{E5C2D4D2-A61F-4B86-8827-6C5511672154}" dt="2021-02-08T15:02:01.914" v="190"/>
+        <pc:sldMkLst>
+          <pc:docMk/>
+          <pc:sldMk cId="3657099548" sldId="265"/>
+        </pc:sldMkLst>
+        <pc:spChg chg="del">
+          <ac:chgData name="Arthur Nicholson-Gumuła" userId="13a7efb4-f9ae-4904-bf57-d7fe5ebc8b46" providerId="ADAL" clId="{E5C2D4D2-A61F-4B86-8827-6C5511672154}" dt="2021-02-03T16:48:42.220" v="65" actId="478"/>
+          <ac:spMkLst>
+            <pc:docMk/>
+            <pc:sldMk cId="3657099548" sldId="265"/>
+            <ac:spMk id="17" creationId="{C5F3C501-1C4D-45EA-A0FC-5CFFB55BABAD}"/>
+          </ac:spMkLst>
+        </pc:spChg>
+        <pc:spChg chg="add del mod">
+          <ac:chgData name="Arthur Nicholson-Gumuła" userId="13a7efb4-f9ae-4904-bf57-d7fe5ebc8b46" providerId="ADAL" clId="{E5C2D4D2-A61F-4B86-8827-6C5511672154}" dt="2021-02-04T11:45:50.548" v="169" actId="478"/>
+          <ac:spMkLst>
+            <pc:docMk/>
+            <pc:sldMk cId="3657099548" sldId="265"/>
+            <ac:spMk id="20" creationId="{7F1FC3DD-7258-480D-9E03-4FFB23E27053}"/>
+          </ac:spMkLst>
+        </pc:spChg>
+        <pc:spChg chg="add mod">
+          <ac:chgData name="Arthur Nicholson-Gumuła" userId="13a7efb4-f9ae-4904-bf57-d7fe5ebc8b46" providerId="ADAL" clId="{E5C2D4D2-A61F-4B86-8827-6C5511672154}" dt="2021-02-08T15:02:01.914" v="190"/>
+          <ac:spMkLst>
+            <pc:docMk/>
+            <pc:sldMk cId="3657099548" sldId="265"/>
+            <ac:spMk id="21" creationId="{ACE330B6-0BC1-4D8F-AC4A-72344902CF65}"/>
+          </ac:spMkLst>
+        </pc:spChg>
+      </pc:sldChg>
+      <pc:sldChg chg="addSp delSp modSp mod">
+        <pc:chgData name="Arthur Nicholson-Gumuła" userId="13a7efb4-f9ae-4904-bf57-d7fe5ebc8b46" providerId="ADAL" clId="{E5C2D4D2-A61F-4B86-8827-6C5511672154}" dt="2021-02-08T15:01:49.317" v="185"/>
+        <pc:sldMkLst>
+          <pc:docMk/>
+          <pc:sldMk cId="1790312951" sldId="266"/>
+        </pc:sldMkLst>
+        <pc:spChg chg="del">
+          <ac:chgData name="Arthur Nicholson-Gumuła" userId="13a7efb4-f9ae-4904-bf57-d7fe5ebc8b46" providerId="ADAL" clId="{E5C2D4D2-A61F-4B86-8827-6C5511672154}" dt="2021-02-03T16:48:20.741" v="55" actId="478"/>
+          <ac:spMkLst>
+            <pc:docMk/>
+            <pc:sldMk cId="1790312951" sldId="266"/>
+            <ac:spMk id="17" creationId="{C5F3C501-1C4D-45EA-A0FC-5CFFB55BABAD}"/>
+          </ac:spMkLst>
+        </pc:spChg>
+        <pc:spChg chg="add del mod">
+          <ac:chgData name="Arthur Nicholson-Gumuła" userId="13a7efb4-f9ae-4904-bf57-d7fe5ebc8b46" providerId="ADAL" clId="{E5C2D4D2-A61F-4B86-8827-6C5511672154}" dt="2021-02-04T11:45:24.091" v="159" actId="478"/>
+          <ac:spMkLst>
+            <pc:docMk/>
+            <pc:sldMk cId="1790312951" sldId="266"/>
+            <ac:spMk id="18" creationId="{DA9AE636-F469-48F1-A899-95A4F574F88F}"/>
+          </ac:spMkLst>
+        </pc:spChg>
+        <pc:spChg chg="add mod">
+          <ac:chgData name="Arthur Nicholson-Gumuła" userId="13a7efb4-f9ae-4904-bf57-d7fe5ebc8b46" providerId="ADAL" clId="{E5C2D4D2-A61F-4B86-8827-6C5511672154}" dt="2021-02-08T15:01:49.317" v="185"/>
+          <ac:spMkLst>
+            <pc:docMk/>
+            <pc:sldMk cId="1790312951" sldId="266"/>
+            <ac:spMk id="19" creationId="{18C5E3E9-2B41-4849-9FD1-04640A69744C}"/>
+          </ac:spMkLst>
+        </pc:spChg>
+      </pc:sldChg>
+      <pc:sldChg chg="addSp delSp modSp mod">
+        <pc:chgData name="Arthur Nicholson-Gumuła" userId="13a7efb4-f9ae-4904-bf57-d7fe5ebc8b46" providerId="ADAL" clId="{E5C2D4D2-A61F-4B86-8827-6C5511672154}" dt="2021-02-08T15:01:46.758" v="184"/>
+        <pc:sldMkLst>
+          <pc:docMk/>
+          <pc:sldMk cId="1566784114" sldId="267"/>
+        </pc:sldMkLst>
+        <pc:spChg chg="del">
+          <ac:chgData name="Arthur Nicholson-Gumuła" userId="13a7efb4-f9ae-4904-bf57-d7fe5ebc8b46" providerId="ADAL" clId="{E5C2D4D2-A61F-4B86-8827-6C5511672154}" dt="2021-02-03T16:48:17.084" v="53" actId="478"/>
+          <ac:spMkLst>
+            <pc:docMk/>
+            <pc:sldMk cId="1566784114" sldId="267"/>
+            <ac:spMk id="17" creationId="{C5F3C501-1C4D-45EA-A0FC-5CFFB55BABAD}"/>
+          </ac:spMkLst>
+        </pc:spChg>
+        <pc:spChg chg="add del mod">
+          <ac:chgData name="Arthur Nicholson-Gumuła" userId="13a7efb4-f9ae-4904-bf57-d7fe5ebc8b46" providerId="ADAL" clId="{E5C2D4D2-A61F-4B86-8827-6C5511672154}" dt="2021-02-04T11:45:18.380" v="157" actId="478"/>
+          <ac:spMkLst>
+            <pc:docMk/>
+            <pc:sldMk cId="1566784114" sldId="267"/>
+            <ac:spMk id="18" creationId="{3B7A420A-9E6B-41C1-AD51-ACB19AD8285E}"/>
+          </ac:spMkLst>
+        </pc:spChg>
+        <pc:spChg chg="add mod">
+          <ac:chgData name="Arthur Nicholson-Gumuła" userId="13a7efb4-f9ae-4904-bf57-d7fe5ebc8b46" providerId="ADAL" clId="{E5C2D4D2-A61F-4B86-8827-6C5511672154}" dt="2021-02-08T15:01:46.758" v="184"/>
+          <ac:spMkLst>
+            <pc:docMk/>
+            <pc:sldMk cId="1566784114" sldId="267"/>
+            <ac:spMk id="19" creationId="{6DCAC12C-C056-46A6-A31F-648CF18A1E06}"/>
+          </ac:spMkLst>
+        </pc:spChg>
+      </pc:sldChg>
+      <pc:sldChg chg="addSp delSp modSp mod">
+        <pc:chgData name="Arthur Nicholson-Gumuła" userId="13a7efb4-f9ae-4904-bf57-d7fe5ebc8b46" providerId="ADAL" clId="{E5C2D4D2-A61F-4B86-8827-6C5511672154}" dt="2021-02-03T16:49:27.743" v="79" actId="1076"/>
+        <pc:sldMkLst>
+          <pc:docMk/>
+          <pc:sldMk cId="3401488753" sldId="268"/>
+        </pc:sldMkLst>
+        <pc:spChg chg="del">
+          <ac:chgData name="Arthur Nicholson-Gumuła" userId="13a7efb4-f9ae-4904-bf57-d7fe5ebc8b46" providerId="ADAL" clId="{E5C2D4D2-A61F-4B86-8827-6C5511672154}" dt="2021-02-03T16:49:21.580" v="77" actId="478"/>
+          <ac:spMkLst>
+            <pc:docMk/>
+            <pc:sldMk cId="3401488753" sldId="268"/>
+            <ac:spMk id="17" creationId="{C5F3C501-1C4D-45EA-A0FC-5CFFB55BABAD}"/>
+          </ac:spMkLst>
+        </pc:spChg>
+        <pc:spChg chg="add mod">
+          <ac:chgData name="Arthur Nicholson-Gumuła" userId="13a7efb4-f9ae-4904-bf57-d7fe5ebc8b46" providerId="ADAL" clId="{E5C2D4D2-A61F-4B86-8827-6C5511672154}" dt="2021-02-03T16:49:27.743" v="79" actId="1076"/>
+          <ac:spMkLst>
+            <pc:docMk/>
+            <pc:sldMk cId="3401488753" sldId="268"/>
+            <ac:spMk id="25" creationId="{2AC585AE-4B0A-429C-87D9-1859714D627E}"/>
+          </ac:spMkLst>
+        </pc:spChg>
+      </pc:sldChg>
+      <pc:sldChg chg="addSp delSp modSp mod">
+        <pc:chgData name="Arthur Nicholson-Gumuła" userId="13a7efb4-f9ae-4904-bf57-d7fe5ebc8b46" providerId="ADAL" clId="{E5C2D4D2-A61F-4B86-8827-6C5511672154}" dt="2021-02-03T16:49:46.028" v="81"/>
+        <pc:sldMkLst>
+          <pc:docMk/>
+          <pc:sldMk cId="1080831914" sldId="269"/>
+        </pc:sldMkLst>
+        <pc:spChg chg="del">
+          <ac:chgData name="Arthur Nicholson-Gumuła" userId="13a7efb4-f9ae-4904-bf57-d7fe5ebc8b46" providerId="ADAL" clId="{E5C2D4D2-A61F-4B86-8827-6C5511672154}" dt="2021-02-03T16:49:45.438" v="80" actId="478"/>
+          <ac:spMkLst>
+            <pc:docMk/>
+            <pc:sldMk cId="1080831914" sldId="269"/>
+            <ac:spMk id="17" creationId="{C5F3C501-1C4D-45EA-A0FC-5CFFB55BABAD}"/>
+          </ac:spMkLst>
+        </pc:spChg>
+        <pc:spChg chg="add mod">
+          <ac:chgData name="Arthur Nicholson-Gumuła" userId="13a7efb4-f9ae-4904-bf57-d7fe5ebc8b46" providerId="ADAL" clId="{E5C2D4D2-A61F-4B86-8827-6C5511672154}" dt="2021-02-03T16:49:46.028" v="81"/>
+          <ac:spMkLst>
+            <pc:docMk/>
+            <pc:sldMk cId="1080831914" sldId="269"/>
+            <ac:spMk id="25" creationId="{4BAD5F76-5AFB-4CF2-B96E-FABA5906B479}"/>
+          </ac:spMkLst>
+        </pc:spChg>
+      </pc:sldChg>
+      <pc:sldChg chg="addSp delSp modSp mod">
+        <pc:chgData name="Arthur Nicholson-Gumuła" userId="13a7efb4-f9ae-4904-bf57-d7fe5ebc8b46" providerId="ADAL" clId="{E5C2D4D2-A61F-4B86-8827-6C5511672154}" dt="2021-02-08T15:01:38.498" v="181"/>
+        <pc:sldMkLst>
+          <pc:docMk/>
+          <pc:sldMk cId="81015923" sldId="270"/>
+        </pc:sldMkLst>
+        <pc:spChg chg="del">
+          <ac:chgData name="Arthur Nicholson-Gumuła" userId="13a7efb4-f9ae-4904-bf57-d7fe5ebc8b46" providerId="ADAL" clId="{E5C2D4D2-A61F-4B86-8827-6C5511672154}" dt="2021-02-03T16:48:03.378" v="47" actId="478"/>
+          <ac:spMkLst>
+            <pc:docMk/>
+            <pc:sldMk cId="81015923" sldId="270"/>
+            <ac:spMk id="17" creationId="{C5F3C501-1C4D-45EA-A0FC-5CFFB55BABAD}"/>
+          </ac:spMkLst>
+        </pc:spChg>
+        <pc:spChg chg="add del mod">
+          <ac:chgData name="Arthur Nicholson-Gumuła" userId="13a7efb4-f9ae-4904-bf57-d7fe5ebc8b46" providerId="ADAL" clId="{E5C2D4D2-A61F-4B86-8827-6C5511672154}" dt="2021-02-04T11:45:00.225" v="151" actId="478"/>
+          <ac:spMkLst>
+            <pc:docMk/>
+            <pc:sldMk cId="81015923" sldId="270"/>
+            <ac:spMk id="27" creationId="{29D05D44-43EF-4095-8C51-B29E8A71329A}"/>
+          </ac:spMkLst>
+        </pc:spChg>
+        <pc:spChg chg="add mod">
+          <ac:chgData name="Arthur Nicholson-Gumuła" userId="13a7efb4-f9ae-4904-bf57-d7fe5ebc8b46" providerId="ADAL" clId="{E5C2D4D2-A61F-4B86-8827-6C5511672154}" dt="2021-02-08T15:01:38.498" v="181"/>
+          <ac:spMkLst>
+            <pc:docMk/>
+            <pc:sldMk cId="81015923" sldId="270"/>
+            <ac:spMk id="29" creationId="{E5A2A684-3939-405B-A2CF-29F01DE55E4D}"/>
+          </ac:spMkLst>
+        </pc:spChg>
+      </pc:sldChg>
+      <pc:sldChg chg="addSp delSp modSp mod">
+        <pc:chgData name="Arthur Nicholson-Gumuła" userId="13a7efb4-f9ae-4904-bf57-d7fe5ebc8b46" providerId="ADAL" clId="{E5C2D4D2-A61F-4B86-8827-6C5511672154}" dt="2021-02-08T15:01:51.471" v="186"/>
+        <pc:sldMkLst>
+          <pc:docMk/>
+          <pc:sldMk cId="818147822" sldId="271"/>
+        </pc:sldMkLst>
+        <pc:spChg chg="del">
+          <ac:chgData name="Arthur Nicholson-Gumuła" userId="13a7efb4-f9ae-4904-bf57-d7fe5ebc8b46" providerId="ADAL" clId="{E5C2D4D2-A61F-4B86-8827-6C5511672154}" dt="2021-02-03T16:48:24.948" v="57" actId="478"/>
+          <ac:spMkLst>
+            <pc:docMk/>
+            <pc:sldMk cId="818147822" sldId="271"/>
+            <ac:spMk id="17" creationId="{C5F3C501-1C4D-45EA-A0FC-5CFFB55BABAD}"/>
+          </ac:spMkLst>
+        </pc:spChg>
+        <pc:spChg chg="add del mod">
+          <ac:chgData name="Arthur Nicholson-Gumuła" userId="13a7efb4-f9ae-4904-bf57-d7fe5ebc8b46" providerId="ADAL" clId="{E5C2D4D2-A61F-4B86-8827-6C5511672154}" dt="2021-02-04T11:45:29.359" v="161" actId="478"/>
+          <ac:spMkLst>
+            <pc:docMk/>
+            <pc:sldMk cId="818147822" sldId="271"/>
+            <ac:spMk id="20" creationId="{8836B524-8D40-4649-B423-829C3D5356AF}"/>
+          </ac:spMkLst>
+        </pc:spChg>
+        <pc:spChg chg="add mod">
+          <ac:chgData name="Arthur Nicholson-Gumuła" userId="13a7efb4-f9ae-4904-bf57-d7fe5ebc8b46" providerId="ADAL" clId="{E5C2D4D2-A61F-4B86-8827-6C5511672154}" dt="2021-02-08T15:01:51.471" v="186"/>
+          <ac:spMkLst>
+            <pc:docMk/>
+            <pc:sldMk cId="818147822" sldId="271"/>
+            <ac:spMk id="21" creationId="{135A1BC4-FC03-48B9-894B-D088833B6520}"/>
+          </ac:spMkLst>
+        </pc:spChg>
+      </pc:sldChg>
+      <pc:sldChg chg="addSp delSp modSp mod">
+        <pc:chgData name="Arthur Nicholson-Gumuła" userId="13a7efb4-f9ae-4904-bf57-d7fe5ebc8b46" providerId="ADAL" clId="{E5C2D4D2-A61F-4B86-8827-6C5511672154}" dt="2021-02-08T15:01:53.798" v="187"/>
+        <pc:sldMkLst>
+          <pc:docMk/>
+          <pc:sldMk cId="2144171273" sldId="272"/>
+        </pc:sldMkLst>
+        <pc:spChg chg="del">
+          <ac:chgData name="Arthur Nicholson-Gumuła" userId="13a7efb4-f9ae-4904-bf57-d7fe5ebc8b46" providerId="ADAL" clId="{E5C2D4D2-A61F-4B86-8827-6C5511672154}" dt="2021-02-03T16:48:28.830" v="59" actId="478"/>
+          <ac:spMkLst>
+            <pc:docMk/>
+            <pc:sldMk cId="2144171273" sldId="272"/>
+            <ac:spMk id="17" creationId="{C5F3C501-1C4D-45EA-A0FC-5CFFB55BABAD}"/>
+          </ac:spMkLst>
+        </pc:spChg>
+        <pc:spChg chg="add del mod">
+          <ac:chgData name="Arthur Nicholson-Gumuła" userId="13a7efb4-f9ae-4904-bf57-d7fe5ebc8b46" providerId="ADAL" clId="{E5C2D4D2-A61F-4B86-8827-6C5511672154}" dt="2021-02-04T11:45:36.267" v="163" actId="478"/>
+          <ac:spMkLst>
+            <pc:docMk/>
+            <pc:sldMk cId="2144171273" sldId="272"/>
+            <ac:spMk id="18" creationId="{03D425B5-DEF1-40EF-AF96-6BD36D4FB4BB}"/>
+          </ac:spMkLst>
+        </pc:spChg>
+        <pc:spChg chg="add mod">
+          <ac:chgData name="Arthur Nicholson-Gumuła" userId="13a7efb4-f9ae-4904-bf57-d7fe5ebc8b46" providerId="ADAL" clId="{E5C2D4D2-A61F-4B86-8827-6C5511672154}" dt="2021-02-08T15:01:53.798" v="187"/>
+          <ac:spMkLst>
+            <pc:docMk/>
+            <pc:sldMk cId="2144171273" sldId="272"/>
+            <ac:spMk id="19" creationId="{F7F9E6FC-7E01-451C-8AA8-BFAB03FE5DF9}"/>
+          </ac:spMkLst>
+        </pc:spChg>
+      </pc:sldChg>
+      <pc:sldChg chg="addSp delSp modSp mod">
+        <pc:chgData name="Arthur Nicholson-Gumuła" userId="13a7efb4-f9ae-4904-bf57-d7fe5ebc8b46" providerId="ADAL" clId="{E5C2D4D2-A61F-4B86-8827-6C5511672154}" dt="2021-02-08T15:01:57.634" v="188"/>
+        <pc:sldMkLst>
+          <pc:docMk/>
+          <pc:sldMk cId="2784527771" sldId="273"/>
+        </pc:sldMkLst>
+        <pc:spChg chg="del">
+          <ac:chgData name="Arthur Nicholson-Gumuła" userId="13a7efb4-f9ae-4904-bf57-d7fe5ebc8b46" providerId="ADAL" clId="{E5C2D4D2-A61F-4B86-8827-6C5511672154}" dt="2021-02-03T16:48:34.565" v="61" actId="478"/>
+          <ac:spMkLst>
+            <pc:docMk/>
+            <pc:sldMk cId="2784527771" sldId="273"/>
+            <ac:spMk id="17" creationId="{C5F3C501-1C4D-45EA-A0FC-5CFFB55BABAD}"/>
+          </ac:spMkLst>
+        </pc:spChg>
+        <pc:spChg chg="add del mod">
+          <ac:chgData name="Arthur Nicholson-Gumuła" userId="13a7efb4-f9ae-4904-bf57-d7fe5ebc8b46" providerId="ADAL" clId="{E5C2D4D2-A61F-4B86-8827-6C5511672154}" dt="2021-02-04T11:45:40.756" v="165" actId="478"/>
+          <ac:spMkLst>
+            <pc:docMk/>
+            <pc:sldMk cId="2784527771" sldId="273"/>
+            <ac:spMk id="18" creationId="{EE4B1276-3A4F-4370-85D5-8231794D5314}"/>
+          </ac:spMkLst>
+        </pc:spChg>
+        <pc:spChg chg="add mod">
+          <ac:chgData name="Arthur Nicholson-Gumuła" userId="13a7efb4-f9ae-4904-bf57-d7fe5ebc8b46" providerId="ADAL" clId="{E5C2D4D2-A61F-4B86-8827-6C5511672154}" dt="2021-02-08T15:01:57.634" v="188"/>
+          <ac:spMkLst>
+            <pc:docMk/>
+            <pc:sldMk cId="2784527771" sldId="273"/>
+            <ac:spMk id="19" creationId="{7B469A5B-76EE-4CA7-9E44-87138A46D321}"/>
+          </ac:spMkLst>
+        </pc:spChg>
+      </pc:sldChg>
+      <pc:sldChg chg="addSp delSp modSp mod">
+        <pc:chgData name="Arthur Nicholson-Gumuła" userId="13a7efb4-f9ae-4904-bf57-d7fe5ebc8b46" providerId="ADAL" clId="{E5C2D4D2-A61F-4B86-8827-6C5511672154}" dt="2021-02-08T15:02:07.168" v="192"/>
+        <pc:sldMkLst>
+          <pc:docMk/>
+          <pc:sldMk cId="158727692" sldId="274"/>
+        </pc:sldMkLst>
+        <pc:spChg chg="del">
+          <ac:chgData name="Arthur Nicholson-Gumuła" userId="13a7efb4-f9ae-4904-bf57-d7fe5ebc8b46" providerId="ADAL" clId="{E5C2D4D2-A61F-4B86-8827-6C5511672154}" dt="2021-02-03T16:48:51.988" v="69" actId="478"/>
+          <ac:spMkLst>
+            <pc:docMk/>
+            <pc:sldMk cId="158727692" sldId="274"/>
+            <ac:spMk id="17" creationId="{C5F3C501-1C4D-45EA-A0FC-5CFFB55BABAD}"/>
+          </ac:spMkLst>
+        </pc:spChg>
+        <pc:spChg chg="add del mod">
+          <ac:chgData name="Arthur Nicholson-Gumuła" userId="13a7efb4-f9ae-4904-bf57-d7fe5ebc8b46" providerId="ADAL" clId="{E5C2D4D2-A61F-4B86-8827-6C5511672154}" dt="2021-02-04T11:46:03.096" v="173" actId="478"/>
+          <ac:spMkLst>
+            <pc:docMk/>
+            <pc:sldMk cId="158727692" sldId="274"/>
+            <ac:spMk id="18" creationId="{9C76120A-59F1-4F09-B72F-964B858AA5FA}"/>
+          </ac:spMkLst>
+        </pc:spChg>
+        <pc:spChg chg="add mod">
+          <ac:chgData name="Arthur Nicholson-Gumuła" userId="13a7efb4-f9ae-4904-bf57-d7fe5ebc8b46" providerId="ADAL" clId="{E5C2D4D2-A61F-4B86-8827-6C5511672154}" dt="2021-02-08T15:02:07.168" v="192"/>
+          <ac:spMkLst>
+            <pc:docMk/>
+            <pc:sldMk cId="158727692" sldId="274"/>
+            <ac:spMk id="19" creationId="{EE6AB0CD-EC47-4D5F-B40D-4C945D242D31}"/>
+          </ac:spMkLst>
+        </pc:spChg>
+      </pc:sldChg>
+      <pc:sldChg chg="addSp delSp modSp mod">
+        <pc:chgData name="Arthur Nicholson-Gumuła" userId="13a7efb4-f9ae-4904-bf57-d7fe5ebc8b46" providerId="ADAL" clId="{E5C2D4D2-A61F-4B86-8827-6C5511672154}" dt="2021-02-08T15:01:41.691" v="182"/>
+        <pc:sldMkLst>
+          <pc:docMk/>
+          <pc:sldMk cId="3063803655" sldId="275"/>
+        </pc:sldMkLst>
+        <pc:spChg chg="del">
+          <ac:chgData name="Arthur Nicholson-Gumuła" userId="13a7efb4-f9ae-4904-bf57-d7fe5ebc8b46" providerId="ADAL" clId="{E5C2D4D2-A61F-4B86-8827-6C5511672154}" dt="2021-02-03T16:48:08.429" v="49" actId="478"/>
+          <ac:spMkLst>
+            <pc:docMk/>
+            <pc:sldMk cId="3063803655" sldId="275"/>
+            <ac:spMk id="17" creationId="{C5F3C501-1C4D-45EA-A0FC-5CFFB55BABAD}"/>
+          </ac:spMkLst>
+        </pc:spChg>
+        <pc:spChg chg="add del mod">
+          <ac:chgData name="Arthur Nicholson-Gumuła" userId="13a7efb4-f9ae-4904-bf57-d7fe5ebc8b46" providerId="ADAL" clId="{E5C2D4D2-A61F-4B86-8827-6C5511672154}" dt="2021-02-04T11:45:04.975" v="153" actId="478"/>
+          <ac:spMkLst>
+            <pc:docMk/>
+            <pc:sldMk cId="3063803655" sldId="275"/>
+            <ac:spMk id="27" creationId="{4516E4C9-063E-4583-99B3-F78F9CC5FA9C}"/>
+          </ac:spMkLst>
+        </pc:spChg>
+        <pc:spChg chg="add mod">
+          <ac:chgData name="Arthur Nicholson-Gumuła" userId="13a7efb4-f9ae-4904-bf57-d7fe5ebc8b46" providerId="ADAL" clId="{E5C2D4D2-A61F-4B86-8827-6C5511672154}" dt="2021-02-08T15:01:41.691" v="182"/>
+          <ac:spMkLst>
+            <pc:docMk/>
+            <pc:sldMk cId="3063803655" sldId="275"/>
+            <ac:spMk id="28" creationId="{17093048-326F-473C-9F5C-16202F3ADB2D}"/>
+          </ac:spMkLst>
+        </pc:spChg>
+      </pc:sldChg>
+      <pc:sldChg chg="addSp delSp modSp mod">
+        <pc:chgData name="Arthur Nicholson-Gumuła" userId="13a7efb4-f9ae-4904-bf57-d7fe5ebc8b46" providerId="ADAL" clId="{E5C2D4D2-A61F-4B86-8827-6C5511672154}" dt="2021-02-08T15:01:26.711" v="179" actId="1076"/>
+        <pc:sldMkLst>
+          <pc:docMk/>
+          <pc:sldMk cId="913799999" sldId="276"/>
+        </pc:sldMkLst>
+        <pc:spChg chg="mod">
+          <ac:chgData name="Arthur Nicholson-Gumuła" userId="13a7efb4-f9ae-4904-bf57-d7fe5ebc8b46" providerId="ADAL" clId="{E5C2D4D2-A61F-4B86-8827-6C5511672154}" dt="2021-02-08T15:01:26.711" v="179" actId="1076"/>
+          <ac:spMkLst>
+            <pc:docMk/>
+            <pc:sldMk cId="913799999" sldId="276"/>
+            <ac:spMk id="4" creationId="{3639CD19-8C68-42B7-9F9E-A45E0350A2FC}"/>
+          </ac:spMkLst>
+        </pc:spChg>
+        <pc:spChg chg="del">
+          <ac:chgData name="Arthur Nicholson-Gumuła" userId="13a7efb4-f9ae-4904-bf57-d7fe5ebc8b46" providerId="ADAL" clId="{E5C2D4D2-A61F-4B86-8827-6C5511672154}" dt="2021-02-03T16:49:07.116" v="75" actId="478"/>
+          <ac:spMkLst>
+            <pc:docMk/>
+            <pc:sldMk cId="913799999" sldId="276"/>
+            <ac:spMk id="17" creationId="{C5F3C501-1C4D-45EA-A0FC-5CFFB55BABAD}"/>
+          </ac:spMkLst>
+        </pc:spChg>
+        <pc:spChg chg="add mod">
+          <ac:chgData name="Arthur Nicholson-Gumuła" userId="13a7efb4-f9ae-4904-bf57-d7fe5ebc8b46" providerId="ADAL" clId="{E5C2D4D2-A61F-4B86-8827-6C5511672154}" dt="2021-02-03T16:49:07.756" v="76"/>
+          <ac:spMkLst>
+            <pc:docMk/>
+            <pc:sldMk cId="913799999" sldId="276"/>
+            <ac:spMk id="18" creationId="{DCD4E8B8-08E9-482B-9C30-D91E830C56B2}"/>
+          </ac:spMkLst>
+        </pc:spChg>
+      </pc:sldChg>
+      <pc:sldChg chg="addSp delSp modSp mod">
+        <pc:chgData name="Arthur Nicholson-Gumuła" userId="13a7efb4-f9ae-4904-bf57-d7fe5ebc8b46" providerId="ADAL" clId="{E5C2D4D2-A61F-4B86-8827-6C5511672154}" dt="2021-02-03T16:50:03.732" v="83"/>
+        <pc:sldMkLst>
+          <pc:docMk/>
+          <pc:sldMk cId="146685368" sldId="277"/>
+        </pc:sldMkLst>
+        <pc:spChg chg="del">
+          <ac:chgData name="Arthur Nicholson-Gumuła" userId="13a7efb4-f9ae-4904-bf57-d7fe5ebc8b46" providerId="ADAL" clId="{E5C2D4D2-A61F-4B86-8827-6C5511672154}" dt="2021-02-03T16:50:03.094" v="82" actId="478"/>
+          <ac:spMkLst>
+            <pc:docMk/>
+            <pc:sldMk cId="146685368" sldId="277"/>
+            <ac:spMk id="17" creationId="{C5F3C501-1C4D-45EA-A0FC-5CFFB55BABAD}"/>
+          </ac:spMkLst>
+        </pc:spChg>
+        <pc:spChg chg="add mod">
+          <ac:chgData name="Arthur Nicholson-Gumuła" userId="13a7efb4-f9ae-4904-bf57-d7fe5ebc8b46" providerId="ADAL" clId="{E5C2D4D2-A61F-4B86-8827-6C5511672154}" dt="2021-02-03T16:50:03.732" v="83"/>
+          <ac:spMkLst>
+            <pc:docMk/>
+            <pc:sldMk cId="146685368" sldId="277"/>
+            <ac:spMk id="20" creationId="{96FAD372-6C30-4294-BE66-C5981131B780}"/>
+          </ac:spMkLst>
+        </pc:spChg>
+      </pc:sldChg>
+      <pc:sldChg chg="addSp delSp modSp mod">
+        <pc:chgData name="Arthur Nicholson-Gumuła" userId="13a7efb4-f9ae-4904-bf57-d7fe5ebc8b46" providerId="ADAL" clId="{E5C2D4D2-A61F-4B86-8827-6C5511672154}" dt="2021-02-08T15:02:13.389" v="194"/>
+        <pc:sldMkLst>
+          <pc:docMk/>
+          <pc:sldMk cId="1542608800" sldId="278"/>
+        </pc:sldMkLst>
+        <pc:spChg chg="del">
+          <ac:chgData name="Arthur Nicholson-Gumuła" userId="13a7efb4-f9ae-4904-bf57-d7fe5ebc8b46" providerId="ADAL" clId="{E5C2D4D2-A61F-4B86-8827-6C5511672154}" dt="2021-02-03T16:49:01.486" v="73" actId="478"/>
+          <ac:spMkLst>
+            <pc:docMk/>
+            <pc:sldMk cId="1542608800" sldId="278"/>
+            <ac:spMk id="17" creationId="{C5F3C501-1C4D-45EA-A0FC-5CFFB55BABAD}"/>
+          </ac:spMkLst>
+        </pc:spChg>
+        <pc:spChg chg="add del mod">
+          <ac:chgData name="Arthur Nicholson-Gumuła" userId="13a7efb4-f9ae-4904-bf57-d7fe5ebc8b46" providerId="ADAL" clId="{E5C2D4D2-A61F-4B86-8827-6C5511672154}" dt="2021-02-04T11:46:13.386" v="177" actId="478"/>
+          <ac:spMkLst>
+            <pc:docMk/>
+            <pc:sldMk cId="1542608800" sldId="278"/>
+            <ac:spMk id="24" creationId="{342EE97E-E47F-4FD2-AB40-B6A0A1BEA95C}"/>
+          </ac:spMkLst>
+        </pc:spChg>
+        <pc:spChg chg="add mod">
+          <ac:chgData name="Arthur Nicholson-Gumuła" userId="13a7efb4-f9ae-4904-bf57-d7fe5ebc8b46" providerId="ADAL" clId="{E5C2D4D2-A61F-4B86-8827-6C5511672154}" dt="2021-02-08T15:02:13.389" v="194"/>
+          <ac:spMkLst>
+            <pc:docMk/>
+            <pc:sldMk cId="1542608800" sldId="278"/>
+            <ac:spMk id="25" creationId="{2FFF438E-7A3B-4A3A-9CB9-35BF8767442B}"/>
+          </ac:spMkLst>
+        </pc:spChg>
+      </pc:sldChg>
+    </pc:docChg>
+  </pc:docChgLst>
   <pc:docChgLst>
     <pc:chgData name="Arthur Nicholson-Gumuła" userId="13a7efb4-f9ae-4904-bf57-d7fe5ebc8b46" providerId="ADAL" clId="{DCEB5187-7809-40FD-A49B-B0A88955DF7A}"/>
     <pc:docChg chg="undo redo custSel addSld delSld modSld sldOrd">
@@ -3366,7 +4577,7 @@
           <a:p>
             <a:fld id="{2C400FB9-1EA2-4784-8BA5-57C9DF3881FF}" type="datetimeFigureOut">
               <a:rPr lang="en-GB" smtClean="0"/>
-              <a:t>14/06/2020</a:t>
+              <a:t>21/10/2021</a:t>
             </a:fld>
             <a:endParaRPr lang="en-GB"/>
           </a:p>
@@ -3566,7 +4777,7 @@
           <a:p>
             <a:fld id="{2C400FB9-1EA2-4784-8BA5-57C9DF3881FF}" type="datetimeFigureOut">
               <a:rPr lang="en-GB" smtClean="0"/>
-              <a:t>14/06/2020</a:t>
+              <a:t>21/10/2021</a:t>
             </a:fld>
             <a:endParaRPr lang="en-GB"/>
           </a:p>
@@ -3776,7 +4987,7 @@
           <a:p>
             <a:fld id="{2C400FB9-1EA2-4784-8BA5-57C9DF3881FF}" type="datetimeFigureOut">
               <a:rPr lang="en-GB" smtClean="0"/>
-              <a:t>14/06/2020</a:t>
+              <a:t>21/10/2021</a:t>
             </a:fld>
             <a:endParaRPr lang="en-GB"/>
           </a:p>
@@ -3976,7 +5187,7 @@
           <a:p>
             <a:fld id="{2C400FB9-1EA2-4784-8BA5-57C9DF3881FF}" type="datetimeFigureOut">
               <a:rPr lang="en-GB" smtClean="0"/>
-              <a:t>14/06/2020</a:t>
+              <a:t>21/10/2021</a:t>
             </a:fld>
             <a:endParaRPr lang="en-GB"/>
           </a:p>
@@ -4252,7 +5463,7 @@
           <a:p>
             <a:fld id="{2C400FB9-1EA2-4784-8BA5-57C9DF3881FF}" type="datetimeFigureOut">
               <a:rPr lang="en-GB" smtClean="0"/>
-              <a:t>14/06/2020</a:t>
+              <a:t>21/10/2021</a:t>
             </a:fld>
             <a:endParaRPr lang="en-GB"/>
           </a:p>
@@ -4520,7 +5731,7 @@
           <a:p>
             <a:fld id="{2C400FB9-1EA2-4784-8BA5-57C9DF3881FF}" type="datetimeFigureOut">
               <a:rPr lang="en-GB" smtClean="0"/>
-              <a:t>14/06/2020</a:t>
+              <a:t>21/10/2021</a:t>
             </a:fld>
             <a:endParaRPr lang="en-GB"/>
           </a:p>
@@ -4935,7 +6146,7 @@
           <a:p>
             <a:fld id="{2C400FB9-1EA2-4784-8BA5-57C9DF3881FF}" type="datetimeFigureOut">
               <a:rPr lang="en-GB" smtClean="0"/>
-              <a:t>14/06/2020</a:t>
+              <a:t>21/10/2021</a:t>
             </a:fld>
             <a:endParaRPr lang="en-GB"/>
           </a:p>
@@ -5077,7 +6288,7 @@
           <a:p>
             <a:fld id="{2C400FB9-1EA2-4784-8BA5-57C9DF3881FF}" type="datetimeFigureOut">
               <a:rPr lang="en-GB" smtClean="0"/>
-              <a:t>14/06/2020</a:t>
+              <a:t>21/10/2021</a:t>
             </a:fld>
             <a:endParaRPr lang="en-GB"/>
           </a:p>
@@ -5190,7 +6401,7 @@
           <a:p>
             <a:fld id="{2C400FB9-1EA2-4784-8BA5-57C9DF3881FF}" type="datetimeFigureOut">
               <a:rPr lang="en-GB" smtClean="0"/>
-              <a:t>14/06/2020</a:t>
+              <a:t>21/10/2021</a:t>
             </a:fld>
             <a:endParaRPr lang="en-GB"/>
           </a:p>
@@ -5503,7 +6714,7 @@
           <a:p>
             <a:fld id="{2C400FB9-1EA2-4784-8BA5-57C9DF3881FF}" type="datetimeFigureOut">
               <a:rPr lang="en-GB" smtClean="0"/>
-              <a:t>14/06/2020</a:t>
+              <a:t>21/10/2021</a:t>
             </a:fld>
             <a:endParaRPr lang="en-GB"/>
           </a:p>
@@ -5792,7 +7003,7 @@
           <a:p>
             <a:fld id="{2C400FB9-1EA2-4784-8BA5-57C9DF3881FF}" type="datetimeFigureOut">
               <a:rPr lang="en-GB" smtClean="0"/>
-              <a:t>14/06/2020</a:t>
+              <a:t>21/10/2021</a:t>
             </a:fld>
             <a:endParaRPr lang="en-GB"/>
           </a:p>
@@ -6035,7 +7246,7 @@
           <a:p>
             <a:fld id="{2C400FB9-1EA2-4784-8BA5-57C9DF3881FF}" type="datetimeFigureOut">
               <a:rPr lang="en-GB" smtClean="0"/>
-              <a:t>14/06/2020</a:t>
+              <a:t>21/10/2021</a:t>
             </a:fld>
             <a:endParaRPr lang="en-GB"/>
           </a:p>
@@ -6889,61 +8100,6 @@
       </p:sp>
       <p:sp>
         <p:nvSpPr>
-          <p:cNvPr id="17" name="Rectangle 16">
-            <a:extLst>
-              <a:ext uri="{FF2B5EF4-FFF2-40B4-BE49-F238E27FC236}">
-                <a16:creationId xmlns:a16="http://schemas.microsoft.com/office/drawing/2014/main" id="{C5F3C501-1C4D-45EA-A0FC-5CFFB55BABAD}"/>
-              </a:ext>
-            </a:extLst>
-          </p:cNvPr>
-          <p:cNvSpPr/>
-          <p:nvPr/>
-        </p:nvSpPr>
-        <p:spPr>
-          <a:xfrm>
-            <a:off x="1728799" y="1965960"/>
-            <a:ext cx="4194810" cy="377190"/>
-          </a:xfrm>
-          <a:prstGeom prst="rect">
-            <a:avLst/>
-          </a:prstGeom>
-          <a:solidFill>
-            <a:schemeClr val="tx1">
-              <a:lumMod val="75000"/>
-              <a:lumOff val="25000"/>
-            </a:schemeClr>
-          </a:solidFill>
-          <a:ln>
-            <a:noFill/>
-          </a:ln>
-        </p:spPr>
-        <p:style>
-          <a:lnRef idx="2">
-            <a:schemeClr val="accent1">
-              <a:shade val="50000"/>
-            </a:schemeClr>
-          </a:lnRef>
-          <a:fillRef idx="1">
-            <a:schemeClr val="accent1"/>
-          </a:fillRef>
-          <a:effectRef idx="0">
-            <a:schemeClr val="accent1"/>
-          </a:effectRef>
-          <a:fontRef idx="minor">
-            <a:schemeClr val="lt1"/>
-          </a:fontRef>
-        </p:style>
-        <p:txBody>
-          <a:bodyPr rtlCol="0" anchor="ctr"/>
-          <a:lstStyle/>
-          <a:p>
-            <a:pPr algn="ctr"/>
-            <a:endParaRPr lang="en-GB"/>
-          </a:p>
-        </p:txBody>
-      </p:sp>
-      <p:sp>
-        <p:nvSpPr>
           <p:cNvPr id="26" name="Rectangle 25">
             <a:extLst>
               <a:ext uri="{FF2B5EF4-FFF2-40B4-BE49-F238E27FC236}">
@@ -8060,61 +9216,6 @@
       </p:sp>
       <p:sp>
         <p:nvSpPr>
-          <p:cNvPr id="17" name="Rectangle 16">
-            <a:extLst>
-              <a:ext uri="{FF2B5EF4-FFF2-40B4-BE49-F238E27FC236}">
-                <a16:creationId xmlns:a16="http://schemas.microsoft.com/office/drawing/2014/main" id="{C5F3C501-1C4D-45EA-A0FC-5CFFB55BABAD}"/>
-              </a:ext>
-            </a:extLst>
-          </p:cNvPr>
-          <p:cNvSpPr/>
-          <p:nvPr/>
-        </p:nvSpPr>
-        <p:spPr>
-          <a:xfrm>
-            <a:off x="1728799" y="1965960"/>
-            <a:ext cx="4194810" cy="377190"/>
-          </a:xfrm>
-          <a:prstGeom prst="rect">
-            <a:avLst/>
-          </a:prstGeom>
-          <a:solidFill>
-            <a:schemeClr val="tx1">
-              <a:lumMod val="75000"/>
-              <a:lumOff val="25000"/>
-            </a:schemeClr>
-          </a:solidFill>
-          <a:ln>
-            <a:noFill/>
-          </a:ln>
-        </p:spPr>
-        <p:style>
-          <a:lnRef idx="2">
-            <a:schemeClr val="accent1">
-              <a:shade val="50000"/>
-            </a:schemeClr>
-          </a:lnRef>
-          <a:fillRef idx="1">
-            <a:schemeClr val="accent1"/>
-          </a:fillRef>
-          <a:effectRef idx="0">
-            <a:schemeClr val="accent1"/>
-          </a:effectRef>
-          <a:fontRef idx="minor">
-            <a:schemeClr val="lt1"/>
-          </a:fontRef>
-        </p:style>
-        <p:txBody>
-          <a:bodyPr rtlCol="0" anchor="ctr"/>
-          <a:lstStyle/>
-          <a:p>
-            <a:pPr algn="ctr"/>
-            <a:endParaRPr lang="en-GB"/>
-          </a:p>
-        </p:txBody>
-      </p:sp>
-      <p:sp>
-        <p:nvSpPr>
           <p:cNvPr id="26" name="Rectangle 25">
             <a:extLst>
               <a:ext uri="{FF2B5EF4-FFF2-40B4-BE49-F238E27FC236}">
@@ -8128,61 +9229,6 @@
         <p:spPr>
           <a:xfrm>
             <a:off x="1728799" y="2656026"/>
-            <a:ext cx="1739265" cy="174666"/>
-          </a:xfrm>
-          <a:prstGeom prst="rect">
-            <a:avLst/>
-          </a:prstGeom>
-          <a:solidFill>
-            <a:schemeClr val="tx1">
-              <a:lumMod val="75000"/>
-              <a:lumOff val="25000"/>
-            </a:schemeClr>
-          </a:solidFill>
-          <a:ln>
-            <a:noFill/>
-          </a:ln>
-        </p:spPr>
-        <p:style>
-          <a:lnRef idx="2">
-            <a:schemeClr val="accent1">
-              <a:shade val="50000"/>
-            </a:schemeClr>
-          </a:lnRef>
-          <a:fillRef idx="1">
-            <a:schemeClr val="accent1"/>
-          </a:fillRef>
-          <a:effectRef idx="0">
-            <a:schemeClr val="accent1"/>
-          </a:effectRef>
-          <a:fontRef idx="minor">
-            <a:schemeClr val="lt1"/>
-          </a:fontRef>
-        </p:style>
-        <p:txBody>
-          <a:bodyPr rtlCol="0" anchor="ctr"/>
-          <a:lstStyle/>
-          <a:p>
-            <a:pPr algn="ctr"/>
-            <a:endParaRPr lang="en-GB"/>
-          </a:p>
-        </p:txBody>
-      </p:sp>
-      <p:sp>
-        <p:nvSpPr>
-          <p:cNvPr id="28" name="Rectangle 27">
-            <a:extLst>
-              <a:ext uri="{FF2B5EF4-FFF2-40B4-BE49-F238E27FC236}">
-                <a16:creationId xmlns:a16="http://schemas.microsoft.com/office/drawing/2014/main" id="{6E506D95-D5EA-4C9F-8CEE-1A538F447B1A}"/>
-              </a:ext>
-            </a:extLst>
-          </p:cNvPr>
-          <p:cNvSpPr/>
-          <p:nvPr/>
-        </p:nvSpPr>
-        <p:spPr>
-          <a:xfrm>
-            <a:off x="1728798" y="3442789"/>
             <a:ext cx="1739265" cy="174666"/>
           </a:xfrm>
           <a:prstGeom prst="rect">
@@ -8307,7 +9353,7 @@
           <a:p>
             <a:r>
               <a:rPr lang="en-GB" b="1" dirty="0"/>
-              <a:t>Question Page 7</a:t>
+              <a:t>Question Page 6</a:t>
             </a:r>
           </a:p>
           <a:p>
@@ -8335,8 +9381,8 @@
         </p:nvSpPr>
         <p:spPr>
           <a:xfrm>
-            <a:off x="1728798" y="2979804"/>
-            <a:ext cx="3309733" cy="310467"/>
+            <a:off x="1728798" y="3143568"/>
+            <a:ext cx="3309733" cy="884144"/>
           </a:xfrm>
           <a:prstGeom prst="rect">
             <a:avLst/>
@@ -8378,32 +9424,85 @@
       </p:sp>
       <p:sp>
         <p:nvSpPr>
-          <p:cNvPr id="3" name="Rectangle 2">
-            <a:extLst>
-              <a:ext uri="{FF2B5EF4-FFF2-40B4-BE49-F238E27FC236}">
-                <a16:creationId xmlns:a16="http://schemas.microsoft.com/office/drawing/2014/main" id="{82D852C6-0A43-467B-8F1E-B9BF8AAEE1FB}"/>
-              </a:ext>
-            </a:extLst>
-          </p:cNvPr>
-          <p:cNvSpPr/>
-          <p:nvPr/>
-        </p:nvSpPr>
-        <p:spPr>
-          <a:xfrm>
-            <a:off x="1728797" y="3771691"/>
-            <a:ext cx="3309733" cy="310467"/>
-          </a:xfrm>
-          <a:prstGeom prst="rect">
-            <a:avLst/>
-          </a:prstGeom>
-          <a:noFill/>
-          <a:ln w="38100">
-            <a:solidFill>
-              <a:schemeClr val="tx1">
-                <a:lumMod val="75000"/>
-                <a:lumOff val="25000"/>
-              </a:schemeClr>
-            </a:solidFill>
+          <p:cNvPr id="6" name="Rectangle 5">
+            <a:extLst>
+              <a:ext uri="{FF2B5EF4-FFF2-40B4-BE49-F238E27FC236}">
+                <a16:creationId xmlns:a16="http://schemas.microsoft.com/office/drawing/2014/main" id="{4D99B975-6D5D-4564-B454-42DEC93A4AF1}"/>
+              </a:ext>
+            </a:extLst>
+          </p:cNvPr>
+          <p:cNvSpPr/>
+          <p:nvPr/>
+        </p:nvSpPr>
+        <p:spPr>
+          <a:xfrm>
+            <a:off x="1728798" y="2933483"/>
+            <a:ext cx="2340282" cy="51435"/>
+          </a:xfrm>
+          <a:prstGeom prst="rect">
+            <a:avLst/>
+          </a:prstGeom>
+          <a:solidFill>
+            <a:schemeClr val="bg2">
+              <a:lumMod val="75000"/>
+            </a:schemeClr>
+          </a:solidFill>
+          <a:ln>
+            <a:noFill/>
+          </a:ln>
+        </p:spPr>
+        <p:style>
+          <a:lnRef idx="2">
+            <a:schemeClr val="accent1">
+              <a:shade val="50000"/>
+            </a:schemeClr>
+          </a:lnRef>
+          <a:fillRef idx="1">
+            <a:schemeClr val="accent1"/>
+          </a:fillRef>
+          <a:effectRef idx="0">
+            <a:schemeClr val="accent1"/>
+          </a:effectRef>
+          <a:fontRef idx="minor">
+            <a:schemeClr val="lt1"/>
+          </a:fontRef>
+        </p:style>
+        <p:txBody>
+          <a:bodyPr rtlCol="0" anchor="ctr"/>
+          <a:lstStyle/>
+          <a:p>
+            <a:pPr algn="ctr"/>
+            <a:endParaRPr lang="en-GB"/>
+          </a:p>
+        </p:txBody>
+      </p:sp>
+      <p:sp>
+        <p:nvSpPr>
+          <p:cNvPr id="8" name="Rectangle 7">
+            <a:extLst>
+              <a:ext uri="{FF2B5EF4-FFF2-40B4-BE49-F238E27FC236}">
+                <a16:creationId xmlns:a16="http://schemas.microsoft.com/office/drawing/2014/main" id="{27340F84-27E8-4ACB-9D1D-A366389F4465}"/>
+              </a:ext>
+            </a:extLst>
+          </p:cNvPr>
+          <p:cNvSpPr/>
+          <p:nvPr/>
+        </p:nvSpPr>
+        <p:spPr>
+          <a:xfrm>
+            <a:off x="1728798" y="4181938"/>
+            <a:ext cx="2340282" cy="51435"/>
+          </a:xfrm>
+          <a:prstGeom prst="rect">
+            <a:avLst/>
+          </a:prstGeom>
+          <a:solidFill>
+            <a:schemeClr val="bg2">
+              <a:lumMod val="75000"/>
+            </a:schemeClr>
+          </a:solidFill>
+          <a:ln>
+            <a:noFill/>
           </a:ln>
         </p:spPr>
         <p:style>
@@ -8434,7 +9533,7 @@
     </p:spTree>
     <p:extLst>
       <p:ext uri="{BB962C8B-B14F-4D97-AF65-F5344CB8AC3E}">
-        <p14:creationId xmlns:p14="http://schemas.microsoft.com/office/powerpoint/2010/main" val="1952997526"/>
+        <p14:creationId xmlns:p14="http://schemas.microsoft.com/office/powerpoint/2010/main" val="2784527771"/>
       </p:ext>
     </p:extLst>
   </p:cSld>
@@ -8950,61 +10049,6 @@
       </p:sp>
       <p:sp>
         <p:nvSpPr>
-          <p:cNvPr id="17" name="Rectangle 16">
-            <a:extLst>
-              <a:ext uri="{FF2B5EF4-FFF2-40B4-BE49-F238E27FC236}">
-                <a16:creationId xmlns:a16="http://schemas.microsoft.com/office/drawing/2014/main" id="{C5F3C501-1C4D-45EA-A0FC-5CFFB55BABAD}"/>
-              </a:ext>
-            </a:extLst>
-          </p:cNvPr>
-          <p:cNvSpPr/>
-          <p:nvPr/>
-        </p:nvSpPr>
-        <p:spPr>
-          <a:xfrm>
-            <a:off x="1728799" y="1965960"/>
-            <a:ext cx="4194810" cy="377190"/>
-          </a:xfrm>
-          <a:prstGeom prst="rect">
-            <a:avLst/>
-          </a:prstGeom>
-          <a:solidFill>
-            <a:schemeClr val="tx1">
-              <a:lumMod val="75000"/>
-              <a:lumOff val="25000"/>
-            </a:schemeClr>
-          </a:solidFill>
-          <a:ln>
-            <a:noFill/>
-          </a:ln>
-        </p:spPr>
-        <p:style>
-          <a:lnRef idx="2">
-            <a:schemeClr val="accent1">
-              <a:shade val="50000"/>
-            </a:schemeClr>
-          </a:lnRef>
-          <a:fillRef idx="1">
-            <a:schemeClr val="accent1"/>
-          </a:fillRef>
-          <a:effectRef idx="0">
-            <a:schemeClr val="accent1"/>
-          </a:effectRef>
-          <a:fontRef idx="minor">
-            <a:schemeClr val="lt1"/>
-          </a:fontRef>
-        </p:style>
-        <p:txBody>
-          <a:bodyPr rtlCol="0" anchor="ctr"/>
-          <a:lstStyle/>
-          <a:p>
-            <a:pPr algn="ctr"/>
-            <a:endParaRPr lang="en-GB"/>
-          </a:p>
-        </p:txBody>
-      </p:sp>
-      <p:sp>
-        <p:nvSpPr>
           <p:cNvPr id="26" name="Rectangle 25">
             <a:extLst>
               <a:ext uri="{FF2B5EF4-FFF2-40B4-BE49-F238E27FC236}">
@@ -9197,7 +10241,7 @@
           <a:p>
             <a:r>
               <a:rPr lang="en-GB" b="1" dirty="0"/>
-              <a:t>Question Page 8</a:t>
+              <a:t>Question Page 7</a:t>
             </a:r>
           </a:p>
           <a:p>
@@ -9206,7 +10250,7 @@
           <a:p>
             <a:r>
               <a:rPr lang="en-GB" dirty="0"/>
-              <a:t>Question and answer page including date field</a:t>
+              <a:t>Text fields question and answer page</a:t>
             </a:r>
           </a:p>
         </p:txBody>
@@ -9280,8 +10324,8 @@
         </p:nvSpPr>
         <p:spPr>
           <a:xfrm>
-            <a:off x="1728798" y="3771691"/>
-            <a:ext cx="334614" cy="310467"/>
+            <a:off x="1728797" y="3771691"/>
+            <a:ext cx="3309733" cy="310467"/>
           </a:xfrm>
           <a:prstGeom prst="rect">
             <a:avLst/>
@@ -9321,123 +10365,10 @@
           </a:p>
         </p:txBody>
       </p:sp>
-      <p:sp>
-        <p:nvSpPr>
-          <p:cNvPr id="6" name="Rectangle 5">
-            <a:extLst>
-              <a:ext uri="{FF2B5EF4-FFF2-40B4-BE49-F238E27FC236}">
-                <a16:creationId xmlns:a16="http://schemas.microsoft.com/office/drawing/2014/main" id="{DA6B1D4B-B794-4A6B-9EDB-FAB79D65EC13}"/>
-              </a:ext>
-            </a:extLst>
-          </p:cNvPr>
-          <p:cNvSpPr/>
-          <p:nvPr/>
-        </p:nvSpPr>
-        <p:spPr>
-          <a:xfrm>
-            <a:off x="2233138" y="3772766"/>
-            <a:ext cx="334614" cy="310467"/>
-          </a:xfrm>
-          <a:prstGeom prst="rect">
-            <a:avLst/>
-          </a:prstGeom>
-          <a:noFill/>
-          <a:ln w="38100">
-            <a:solidFill>
-              <a:schemeClr val="tx1">
-                <a:lumMod val="75000"/>
-                <a:lumOff val="25000"/>
-              </a:schemeClr>
-            </a:solidFill>
-          </a:ln>
-        </p:spPr>
-        <p:style>
-          <a:lnRef idx="2">
-            <a:schemeClr val="accent1">
-              <a:shade val="50000"/>
-            </a:schemeClr>
-          </a:lnRef>
-          <a:fillRef idx="1">
-            <a:schemeClr val="accent1"/>
-          </a:fillRef>
-          <a:effectRef idx="0">
-            <a:schemeClr val="accent1"/>
-          </a:effectRef>
-          <a:fontRef idx="minor">
-            <a:schemeClr val="lt1"/>
-          </a:fontRef>
-        </p:style>
-        <p:txBody>
-          <a:bodyPr rtlCol="0" anchor="ctr"/>
-          <a:lstStyle/>
-          <a:p>
-            <a:pPr algn="ctr"/>
-            <a:endParaRPr lang="en-GB"/>
-          </a:p>
-        </p:txBody>
-      </p:sp>
-      <p:sp>
-        <p:nvSpPr>
-          <p:cNvPr id="8" name="Rectangle 7">
-            <a:extLst>
-              <a:ext uri="{FF2B5EF4-FFF2-40B4-BE49-F238E27FC236}">
-                <a16:creationId xmlns:a16="http://schemas.microsoft.com/office/drawing/2014/main" id="{E7E003C9-4688-4245-9AA5-9AF045DECFC9}"/>
-              </a:ext>
-            </a:extLst>
-          </p:cNvPr>
-          <p:cNvSpPr/>
-          <p:nvPr/>
-        </p:nvSpPr>
-        <p:spPr>
-          <a:xfrm>
-            <a:off x="2732032" y="3771621"/>
-            <a:ext cx="651632" cy="310467"/>
-          </a:xfrm>
-          <a:prstGeom prst="rect">
-            <a:avLst/>
-          </a:prstGeom>
-          <a:noFill/>
-          <a:ln w="38100">
-            <a:solidFill>
-              <a:schemeClr val="tx1">
-                <a:lumMod val="75000"/>
-                <a:lumOff val="25000"/>
-              </a:schemeClr>
-            </a:solidFill>
-          </a:ln>
-        </p:spPr>
-        <p:style>
-          <a:lnRef idx="2">
-            <a:schemeClr val="accent1">
-              <a:shade val="50000"/>
-            </a:schemeClr>
-          </a:lnRef>
-          <a:fillRef idx="1">
-            <a:schemeClr val="accent1"/>
-          </a:fillRef>
-          <a:effectRef idx="0">
-            <a:schemeClr val="accent1"/>
-          </a:effectRef>
-          <a:fontRef idx="minor">
-            <a:schemeClr val="lt1"/>
-          </a:fontRef>
-        </p:style>
-        <p:txBody>
-          <a:bodyPr rtlCol="0" anchor="ctr"/>
-          <a:lstStyle/>
-          <a:p>
-            <a:pPr algn="ctr"/>
-            <a:r>
-              <a:rPr lang="en-GB" dirty="0"/>
-              <a:t> </a:t>
-            </a:r>
-          </a:p>
-        </p:txBody>
-      </p:sp>
     </p:spTree>
     <p:extLst>
       <p:ext uri="{BB962C8B-B14F-4D97-AF65-F5344CB8AC3E}">
-        <p14:creationId xmlns:p14="http://schemas.microsoft.com/office/powerpoint/2010/main" val="3657099548"/>
+        <p14:creationId xmlns:p14="http://schemas.microsoft.com/office/powerpoint/2010/main" val="1952997526"/>
       </p:ext>
     </p:extLst>
   </p:cSld>
@@ -9953,20 +10884,20 @@
       </p:sp>
       <p:sp>
         <p:nvSpPr>
-          <p:cNvPr id="17" name="Rectangle 16">
-            <a:extLst>
-              <a:ext uri="{FF2B5EF4-FFF2-40B4-BE49-F238E27FC236}">
-                <a16:creationId xmlns:a16="http://schemas.microsoft.com/office/drawing/2014/main" id="{C5F3C501-1C4D-45EA-A0FC-5CFFB55BABAD}"/>
-              </a:ext>
-            </a:extLst>
-          </p:cNvPr>
-          <p:cNvSpPr/>
-          <p:nvPr/>
-        </p:nvSpPr>
-        <p:spPr>
-          <a:xfrm>
-            <a:off x="1728799" y="1965960"/>
-            <a:ext cx="4194810" cy="377190"/>
+          <p:cNvPr id="26" name="Rectangle 25">
+            <a:extLst>
+              <a:ext uri="{FF2B5EF4-FFF2-40B4-BE49-F238E27FC236}">
+                <a16:creationId xmlns:a16="http://schemas.microsoft.com/office/drawing/2014/main" id="{B77DFA33-EFCF-4D60-B1B2-1DAF5DC71B61}"/>
+              </a:ext>
+            </a:extLst>
+          </p:cNvPr>
+          <p:cNvSpPr/>
+          <p:nvPr/>
+        </p:nvSpPr>
+        <p:spPr>
+          <a:xfrm>
+            <a:off x="1728799" y="2656026"/>
+            <a:ext cx="1739265" cy="174666"/>
           </a:xfrm>
           <a:prstGeom prst="rect">
             <a:avLst/>
@@ -10008,226 +10939,6 @@
       </p:sp>
       <p:sp>
         <p:nvSpPr>
-          <p:cNvPr id="18" name="Oval 17">
-            <a:extLst>
-              <a:ext uri="{FF2B5EF4-FFF2-40B4-BE49-F238E27FC236}">
-                <a16:creationId xmlns:a16="http://schemas.microsoft.com/office/drawing/2014/main" id="{321E4295-CA7E-4515-AE2F-8E89B4177768}"/>
-              </a:ext>
-            </a:extLst>
-          </p:cNvPr>
-          <p:cNvSpPr/>
-          <p:nvPr/>
-        </p:nvSpPr>
-        <p:spPr>
-          <a:xfrm>
-            <a:off x="1905964" y="2571751"/>
-            <a:ext cx="337185" cy="331470"/>
-          </a:xfrm>
-          <a:prstGeom prst="ellipse">
-            <a:avLst/>
-          </a:prstGeom>
-          <a:noFill/>
-          <a:ln w="63500">
-            <a:solidFill>
-              <a:schemeClr val="tx1">
-                <a:lumMod val="75000"/>
-                <a:lumOff val="25000"/>
-              </a:schemeClr>
-            </a:solidFill>
-          </a:ln>
-        </p:spPr>
-        <p:style>
-          <a:lnRef idx="2">
-            <a:schemeClr val="accent1">
-              <a:shade val="50000"/>
-            </a:schemeClr>
-          </a:lnRef>
-          <a:fillRef idx="1">
-            <a:schemeClr val="accent1"/>
-          </a:fillRef>
-          <a:effectRef idx="0">
-            <a:schemeClr val="accent1"/>
-          </a:effectRef>
-          <a:fontRef idx="minor">
-            <a:schemeClr val="lt1"/>
-          </a:fontRef>
-        </p:style>
-        <p:txBody>
-          <a:bodyPr rtlCol="0" anchor="ctr"/>
-          <a:lstStyle/>
-          <a:p>
-            <a:pPr algn="ctr"/>
-            <a:endParaRPr lang="en-GB"/>
-          </a:p>
-        </p:txBody>
-      </p:sp>
-      <p:sp>
-        <p:nvSpPr>
-          <p:cNvPr id="22" name="Oval 21">
-            <a:extLst>
-              <a:ext uri="{FF2B5EF4-FFF2-40B4-BE49-F238E27FC236}">
-                <a16:creationId xmlns:a16="http://schemas.microsoft.com/office/drawing/2014/main" id="{E2231B19-82C3-4161-AC47-48C75C8B37AF}"/>
-              </a:ext>
-            </a:extLst>
-          </p:cNvPr>
-          <p:cNvSpPr/>
-          <p:nvPr/>
-        </p:nvSpPr>
-        <p:spPr>
-          <a:xfrm>
-            <a:off x="1905964" y="3102803"/>
-            <a:ext cx="337185" cy="331470"/>
-          </a:xfrm>
-          <a:prstGeom prst="ellipse">
-            <a:avLst/>
-          </a:prstGeom>
-          <a:noFill/>
-          <a:ln w="63500">
-            <a:solidFill>
-              <a:schemeClr val="tx1">
-                <a:lumMod val="75000"/>
-                <a:lumOff val="25000"/>
-              </a:schemeClr>
-            </a:solidFill>
-          </a:ln>
-        </p:spPr>
-        <p:style>
-          <a:lnRef idx="2">
-            <a:schemeClr val="accent1">
-              <a:shade val="50000"/>
-            </a:schemeClr>
-          </a:lnRef>
-          <a:fillRef idx="1">
-            <a:schemeClr val="accent1"/>
-          </a:fillRef>
-          <a:effectRef idx="0">
-            <a:schemeClr val="accent1"/>
-          </a:effectRef>
-          <a:fontRef idx="minor">
-            <a:schemeClr val="lt1"/>
-          </a:fontRef>
-        </p:style>
-        <p:txBody>
-          <a:bodyPr rtlCol="0" anchor="ctr"/>
-          <a:lstStyle/>
-          <a:p>
-            <a:pPr algn="ctr"/>
-            <a:endParaRPr lang="en-GB"/>
-          </a:p>
-        </p:txBody>
-      </p:sp>
-      <p:sp>
-        <p:nvSpPr>
-          <p:cNvPr id="24" name="Oval 23">
-            <a:extLst>
-              <a:ext uri="{FF2B5EF4-FFF2-40B4-BE49-F238E27FC236}">
-                <a16:creationId xmlns:a16="http://schemas.microsoft.com/office/drawing/2014/main" id="{C427CA83-2317-4665-A592-4971776A9011}"/>
-              </a:ext>
-            </a:extLst>
-          </p:cNvPr>
-          <p:cNvSpPr/>
-          <p:nvPr/>
-        </p:nvSpPr>
-        <p:spPr>
-          <a:xfrm>
-            <a:off x="1905964" y="3633855"/>
-            <a:ext cx="337185" cy="331470"/>
-          </a:xfrm>
-          <a:prstGeom prst="ellipse">
-            <a:avLst/>
-          </a:prstGeom>
-          <a:noFill/>
-          <a:ln w="63500">
-            <a:solidFill>
-              <a:schemeClr val="tx1">
-                <a:lumMod val="75000"/>
-                <a:lumOff val="25000"/>
-              </a:schemeClr>
-            </a:solidFill>
-          </a:ln>
-        </p:spPr>
-        <p:style>
-          <a:lnRef idx="2">
-            <a:schemeClr val="accent1">
-              <a:shade val="50000"/>
-            </a:schemeClr>
-          </a:lnRef>
-          <a:fillRef idx="1">
-            <a:schemeClr val="accent1"/>
-          </a:fillRef>
-          <a:effectRef idx="0">
-            <a:schemeClr val="accent1"/>
-          </a:effectRef>
-          <a:fontRef idx="minor">
-            <a:schemeClr val="lt1"/>
-          </a:fontRef>
-        </p:style>
-        <p:txBody>
-          <a:bodyPr rtlCol="0" anchor="ctr"/>
-          <a:lstStyle/>
-          <a:p>
-            <a:pPr algn="ctr"/>
-            <a:endParaRPr lang="en-GB"/>
-          </a:p>
-        </p:txBody>
-      </p:sp>
-      <p:sp>
-        <p:nvSpPr>
-          <p:cNvPr id="26" name="Rectangle 25">
-            <a:extLst>
-              <a:ext uri="{FF2B5EF4-FFF2-40B4-BE49-F238E27FC236}">
-                <a16:creationId xmlns:a16="http://schemas.microsoft.com/office/drawing/2014/main" id="{B77DFA33-EFCF-4D60-B1B2-1DAF5DC71B61}"/>
-              </a:ext>
-            </a:extLst>
-          </p:cNvPr>
-          <p:cNvSpPr/>
-          <p:nvPr/>
-        </p:nvSpPr>
-        <p:spPr>
-          <a:xfrm>
-            <a:off x="2469844" y="2652531"/>
-            <a:ext cx="1739265" cy="174666"/>
-          </a:xfrm>
-          <a:prstGeom prst="rect">
-            <a:avLst/>
-          </a:prstGeom>
-          <a:solidFill>
-            <a:schemeClr val="tx1">
-              <a:lumMod val="75000"/>
-              <a:lumOff val="25000"/>
-            </a:schemeClr>
-          </a:solidFill>
-          <a:ln>
-            <a:noFill/>
-          </a:ln>
-        </p:spPr>
-        <p:style>
-          <a:lnRef idx="2">
-            <a:schemeClr val="accent1">
-              <a:shade val="50000"/>
-            </a:schemeClr>
-          </a:lnRef>
-          <a:fillRef idx="1">
-            <a:schemeClr val="accent1"/>
-          </a:fillRef>
-          <a:effectRef idx="0">
-            <a:schemeClr val="accent1"/>
-          </a:effectRef>
-          <a:fontRef idx="minor">
-            <a:schemeClr val="lt1"/>
-          </a:fontRef>
-        </p:style>
-        <p:txBody>
-          <a:bodyPr rtlCol="0" anchor="ctr"/>
-          <a:lstStyle/>
-          <a:p>
-            <a:pPr algn="ctr"/>
-            <a:endParaRPr lang="en-GB"/>
-          </a:p>
-        </p:txBody>
-      </p:sp>
-      <p:sp>
-        <p:nvSpPr>
           <p:cNvPr id="28" name="Rectangle 27">
             <a:extLst>
               <a:ext uri="{FF2B5EF4-FFF2-40B4-BE49-F238E27FC236}">
@@ -10240,62 +10951,7 @@
         </p:nvSpPr>
         <p:spPr>
           <a:xfrm>
-            <a:off x="2469844" y="3181205"/>
-            <a:ext cx="1739265" cy="174666"/>
-          </a:xfrm>
-          <a:prstGeom prst="rect">
-            <a:avLst/>
-          </a:prstGeom>
-          <a:solidFill>
-            <a:schemeClr val="tx1">
-              <a:lumMod val="75000"/>
-              <a:lumOff val="25000"/>
-            </a:schemeClr>
-          </a:solidFill>
-          <a:ln>
-            <a:noFill/>
-          </a:ln>
-        </p:spPr>
-        <p:style>
-          <a:lnRef idx="2">
-            <a:schemeClr val="accent1">
-              <a:shade val="50000"/>
-            </a:schemeClr>
-          </a:lnRef>
-          <a:fillRef idx="1">
-            <a:schemeClr val="accent1"/>
-          </a:fillRef>
-          <a:effectRef idx="0">
-            <a:schemeClr val="accent1"/>
-          </a:effectRef>
-          <a:fontRef idx="minor">
-            <a:schemeClr val="lt1"/>
-          </a:fontRef>
-        </p:style>
-        <p:txBody>
-          <a:bodyPr rtlCol="0" anchor="ctr"/>
-          <a:lstStyle/>
-          <a:p>
-            <a:pPr algn="ctr"/>
-            <a:endParaRPr lang="en-GB"/>
-          </a:p>
-        </p:txBody>
-      </p:sp>
-      <p:sp>
-        <p:nvSpPr>
-          <p:cNvPr id="30" name="Rectangle 29">
-            <a:extLst>
-              <a:ext uri="{FF2B5EF4-FFF2-40B4-BE49-F238E27FC236}">
-                <a16:creationId xmlns:a16="http://schemas.microsoft.com/office/drawing/2014/main" id="{4CAA8E4E-1B92-4107-9CB2-4E1984BCD262}"/>
-              </a:ext>
-            </a:extLst>
-          </p:cNvPr>
-          <p:cNvSpPr/>
-          <p:nvPr/>
-        </p:nvSpPr>
-        <p:spPr>
-          <a:xfrm>
-            <a:off x="2469844" y="3712257"/>
+            <a:off x="1728798" y="3442789"/>
             <a:ext cx="1739265" cy="174666"/>
           </a:xfrm>
           <a:prstGeom prst="rect">
@@ -10420,7 +11076,7 @@
           <a:p>
             <a:r>
               <a:rPr lang="en-GB" b="1" dirty="0"/>
-              <a:t>Question Page 9</a:t>
+              <a:t>Question Page 8</a:t>
             </a:r>
           </a:p>
           <a:p>
@@ -10429,7 +11085,230 @@
           <a:p>
             <a:r>
               <a:rPr lang="en-GB" dirty="0"/>
-              <a:t>Single multi-choice question and answer page</a:t>
+              <a:t>Question and answer page including date field</a:t>
+            </a:r>
+          </a:p>
+        </p:txBody>
+      </p:sp>
+      <p:sp>
+        <p:nvSpPr>
+          <p:cNvPr id="2" name="Rectangle 1">
+            <a:extLst>
+              <a:ext uri="{FF2B5EF4-FFF2-40B4-BE49-F238E27FC236}">
+                <a16:creationId xmlns:a16="http://schemas.microsoft.com/office/drawing/2014/main" id="{4B6D92B4-2BF3-4531-B6C6-F501526D0F76}"/>
+              </a:ext>
+            </a:extLst>
+          </p:cNvPr>
+          <p:cNvSpPr/>
+          <p:nvPr/>
+        </p:nvSpPr>
+        <p:spPr>
+          <a:xfrm>
+            <a:off x="1728798" y="2979804"/>
+            <a:ext cx="3309733" cy="310467"/>
+          </a:xfrm>
+          <a:prstGeom prst="rect">
+            <a:avLst/>
+          </a:prstGeom>
+          <a:noFill/>
+          <a:ln w="38100">
+            <a:solidFill>
+              <a:schemeClr val="tx1">
+                <a:lumMod val="75000"/>
+                <a:lumOff val="25000"/>
+              </a:schemeClr>
+            </a:solidFill>
+          </a:ln>
+        </p:spPr>
+        <p:style>
+          <a:lnRef idx="2">
+            <a:schemeClr val="accent1">
+              <a:shade val="50000"/>
+            </a:schemeClr>
+          </a:lnRef>
+          <a:fillRef idx="1">
+            <a:schemeClr val="accent1"/>
+          </a:fillRef>
+          <a:effectRef idx="0">
+            <a:schemeClr val="accent1"/>
+          </a:effectRef>
+          <a:fontRef idx="minor">
+            <a:schemeClr val="lt1"/>
+          </a:fontRef>
+        </p:style>
+        <p:txBody>
+          <a:bodyPr rtlCol="0" anchor="ctr"/>
+          <a:lstStyle/>
+          <a:p>
+            <a:pPr algn="ctr"/>
+            <a:endParaRPr lang="en-GB"/>
+          </a:p>
+        </p:txBody>
+      </p:sp>
+      <p:sp>
+        <p:nvSpPr>
+          <p:cNvPr id="3" name="Rectangle 2">
+            <a:extLst>
+              <a:ext uri="{FF2B5EF4-FFF2-40B4-BE49-F238E27FC236}">
+                <a16:creationId xmlns:a16="http://schemas.microsoft.com/office/drawing/2014/main" id="{82D852C6-0A43-467B-8F1E-B9BF8AAEE1FB}"/>
+              </a:ext>
+            </a:extLst>
+          </p:cNvPr>
+          <p:cNvSpPr/>
+          <p:nvPr/>
+        </p:nvSpPr>
+        <p:spPr>
+          <a:xfrm>
+            <a:off x="1728798" y="3771691"/>
+            <a:ext cx="334614" cy="310467"/>
+          </a:xfrm>
+          <a:prstGeom prst="rect">
+            <a:avLst/>
+          </a:prstGeom>
+          <a:noFill/>
+          <a:ln w="38100">
+            <a:solidFill>
+              <a:schemeClr val="tx1">
+                <a:lumMod val="75000"/>
+                <a:lumOff val="25000"/>
+              </a:schemeClr>
+            </a:solidFill>
+          </a:ln>
+        </p:spPr>
+        <p:style>
+          <a:lnRef idx="2">
+            <a:schemeClr val="accent1">
+              <a:shade val="50000"/>
+            </a:schemeClr>
+          </a:lnRef>
+          <a:fillRef idx="1">
+            <a:schemeClr val="accent1"/>
+          </a:fillRef>
+          <a:effectRef idx="0">
+            <a:schemeClr val="accent1"/>
+          </a:effectRef>
+          <a:fontRef idx="minor">
+            <a:schemeClr val="lt1"/>
+          </a:fontRef>
+        </p:style>
+        <p:txBody>
+          <a:bodyPr rtlCol="0" anchor="ctr"/>
+          <a:lstStyle/>
+          <a:p>
+            <a:pPr algn="ctr"/>
+            <a:endParaRPr lang="en-GB"/>
+          </a:p>
+        </p:txBody>
+      </p:sp>
+      <p:sp>
+        <p:nvSpPr>
+          <p:cNvPr id="6" name="Rectangle 5">
+            <a:extLst>
+              <a:ext uri="{FF2B5EF4-FFF2-40B4-BE49-F238E27FC236}">
+                <a16:creationId xmlns:a16="http://schemas.microsoft.com/office/drawing/2014/main" id="{DA6B1D4B-B794-4A6B-9EDB-FAB79D65EC13}"/>
+              </a:ext>
+            </a:extLst>
+          </p:cNvPr>
+          <p:cNvSpPr/>
+          <p:nvPr/>
+        </p:nvSpPr>
+        <p:spPr>
+          <a:xfrm>
+            <a:off x="2233138" y="3772766"/>
+            <a:ext cx="334614" cy="310467"/>
+          </a:xfrm>
+          <a:prstGeom prst="rect">
+            <a:avLst/>
+          </a:prstGeom>
+          <a:noFill/>
+          <a:ln w="38100">
+            <a:solidFill>
+              <a:schemeClr val="tx1">
+                <a:lumMod val="75000"/>
+                <a:lumOff val="25000"/>
+              </a:schemeClr>
+            </a:solidFill>
+          </a:ln>
+        </p:spPr>
+        <p:style>
+          <a:lnRef idx="2">
+            <a:schemeClr val="accent1">
+              <a:shade val="50000"/>
+            </a:schemeClr>
+          </a:lnRef>
+          <a:fillRef idx="1">
+            <a:schemeClr val="accent1"/>
+          </a:fillRef>
+          <a:effectRef idx="0">
+            <a:schemeClr val="accent1"/>
+          </a:effectRef>
+          <a:fontRef idx="minor">
+            <a:schemeClr val="lt1"/>
+          </a:fontRef>
+        </p:style>
+        <p:txBody>
+          <a:bodyPr rtlCol="0" anchor="ctr"/>
+          <a:lstStyle/>
+          <a:p>
+            <a:pPr algn="ctr"/>
+            <a:endParaRPr lang="en-GB"/>
+          </a:p>
+        </p:txBody>
+      </p:sp>
+      <p:sp>
+        <p:nvSpPr>
+          <p:cNvPr id="8" name="Rectangle 7">
+            <a:extLst>
+              <a:ext uri="{FF2B5EF4-FFF2-40B4-BE49-F238E27FC236}">
+                <a16:creationId xmlns:a16="http://schemas.microsoft.com/office/drawing/2014/main" id="{E7E003C9-4688-4245-9AA5-9AF045DECFC9}"/>
+              </a:ext>
+            </a:extLst>
+          </p:cNvPr>
+          <p:cNvSpPr/>
+          <p:nvPr/>
+        </p:nvSpPr>
+        <p:spPr>
+          <a:xfrm>
+            <a:off x="2732032" y="3771621"/>
+            <a:ext cx="651632" cy="310467"/>
+          </a:xfrm>
+          <a:prstGeom prst="rect">
+            <a:avLst/>
+          </a:prstGeom>
+          <a:noFill/>
+          <a:ln w="38100">
+            <a:solidFill>
+              <a:schemeClr val="tx1">
+                <a:lumMod val="75000"/>
+                <a:lumOff val="25000"/>
+              </a:schemeClr>
+            </a:solidFill>
+          </a:ln>
+        </p:spPr>
+        <p:style>
+          <a:lnRef idx="2">
+            <a:schemeClr val="accent1">
+              <a:shade val="50000"/>
+            </a:schemeClr>
+          </a:lnRef>
+          <a:fillRef idx="1">
+            <a:schemeClr val="accent1"/>
+          </a:fillRef>
+          <a:effectRef idx="0">
+            <a:schemeClr val="accent1"/>
+          </a:effectRef>
+          <a:fontRef idx="minor">
+            <a:schemeClr val="lt1"/>
+          </a:fontRef>
+        </p:style>
+        <p:txBody>
+          <a:bodyPr rtlCol="0" anchor="ctr"/>
+          <a:lstStyle/>
+          <a:p>
+            <a:pPr algn="ctr"/>
+            <a:r>
+              <a:rPr lang="en-GB" dirty="0"/>
+              <a:t> </a:t>
             </a:r>
           </a:p>
         </p:txBody>
@@ -10437,7 +11316,7 @@
     </p:spTree>
     <p:extLst>
       <p:ext uri="{BB962C8B-B14F-4D97-AF65-F5344CB8AC3E}">
-        <p14:creationId xmlns:p14="http://schemas.microsoft.com/office/powerpoint/2010/main" val="3289512586"/>
+        <p14:creationId xmlns:p14="http://schemas.microsoft.com/office/powerpoint/2010/main" val="3657099548"/>
       </p:ext>
     </p:extLst>
   </p:cSld>
@@ -10920,61 +11799,6 @@
             <a:schemeClr val="tx1">
               <a:lumMod val="65000"/>
               <a:lumOff val="35000"/>
-            </a:schemeClr>
-          </a:solidFill>
-          <a:ln>
-            <a:noFill/>
-          </a:ln>
-        </p:spPr>
-        <p:style>
-          <a:lnRef idx="2">
-            <a:schemeClr val="accent1">
-              <a:shade val="50000"/>
-            </a:schemeClr>
-          </a:lnRef>
-          <a:fillRef idx="1">
-            <a:schemeClr val="accent1"/>
-          </a:fillRef>
-          <a:effectRef idx="0">
-            <a:schemeClr val="accent1"/>
-          </a:effectRef>
-          <a:fontRef idx="minor">
-            <a:schemeClr val="lt1"/>
-          </a:fontRef>
-        </p:style>
-        <p:txBody>
-          <a:bodyPr rtlCol="0" anchor="ctr"/>
-          <a:lstStyle/>
-          <a:p>
-            <a:pPr algn="ctr"/>
-            <a:endParaRPr lang="en-GB"/>
-          </a:p>
-        </p:txBody>
-      </p:sp>
-      <p:sp>
-        <p:nvSpPr>
-          <p:cNvPr id="17" name="Rectangle 16">
-            <a:extLst>
-              <a:ext uri="{FF2B5EF4-FFF2-40B4-BE49-F238E27FC236}">
-                <a16:creationId xmlns:a16="http://schemas.microsoft.com/office/drawing/2014/main" id="{C5F3C501-1C4D-45EA-A0FC-5CFFB55BABAD}"/>
-              </a:ext>
-            </a:extLst>
-          </p:cNvPr>
-          <p:cNvSpPr/>
-          <p:nvPr/>
-        </p:nvSpPr>
-        <p:spPr>
-          <a:xfrm>
-            <a:off x="1728799" y="1965960"/>
-            <a:ext cx="4194810" cy="377190"/>
-          </a:xfrm>
-          <a:prstGeom prst="rect">
-            <a:avLst/>
-          </a:prstGeom>
-          <a:solidFill>
-            <a:schemeClr val="tx1">
-              <a:lumMod val="75000"/>
-              <a:lumOff val="25000"/>
             </a:schemeClr>
           </a:solidFill>
           <a:ln>
@@ -11758,61 +12582,6 @@
             <a:schemeClr val="tx1">
               <a:lumMod val="65000"/>
               <a:lumOff val="35000"/>
-            </a:schemeClr>
-          </a:solidFill>
-          <a:ln>
-            <a:noFill/>
-          </a:ln>
-        </p:spPr>
-        <p:style>
-          <a:lnRef idx="2">
-            <a:schemeClr val="accent1">
-              <a:shade val="50000"/>
-            </a:schemeClr>
-          </a:lnRef>
-          <a:fillRef idx="1">
-            <a:schemeClr val="accent1"/>
-          </a:fillRef>
-          <a:effectRef idx="0">
-            <a:schemeClr val="accent1"/>
-          </a:effectRef>
-          <a:fontRef idx="minor">
-            <a:schemeClr val="lt1"/>
-          </a:fontRef>
-        </p:style>
-        <p:txBody>
-          <a:bodyPr rtlCol="0" anchor="ctr"/>
-          <a:lstStyle/>
-          <a:p>
-            <a:pPr algn="ctr"/>
-            <a:endParaRPr lang="en-GB"/>
-          </a:p>
-        </p:txBody>
-      </p:sp>
-      <p:sp>
-        <p:nvSpPr>
-          <p:cNvPr id="17" name="Rectangle 16">
-            <a:extLst>
-              <a:ext uri="{FF2B5EF4-FFF2-40B4-BE49-F238E27FC236}">
-                <a16:creationId xmlns:a16="http://schemas.microsoft.com/office/drawing/2014/main" id="{C5F3C501-1C4D-45EA-A0FC-5CFFB55BABAD}"/>
-              </a:ext>
-            </a:extLst>
-          </p:cNvPr>
-          <p:cNvSpPr/>
-          <p:nvPr/>
-        </p:nvSpPr>
-        <p:spPr>
-          <a:xfrm>
-            <a:off x="1728799" y="1965960"/>
-            <a:ext cx="4194810" cy="377190"/>
-          </a:xfrm>
-          <a:prstGeom prst="rect">
-            <a:avLst/>
-          </a:prstGeom>
-          <a:solidFill>
-            <a:schemeClr val="tx1">
-              <a:lumMod val="75000"/>
-              <a:lumOff val="25000"/>
             </a:schemeClr>
           </a:solidFill>
           <a:ln>
@@ -13150,20 +13919,20 @@
       </p:sp>
       <p:sp>
         <p:nvSpPr>
-          <p:cNvPr id="17" name="Rectangle 16">
-            <a:extLst>
-              <a:ext uri="{FF2B5EF4-FFF2-40B4-BE49-F238E27FC236}">
-                <a16:creationId xmlns:a16="http://schemas.microsoft.com/office/drawing/2014/main" id="{C5F3C501-1C4D-45EA-A0FC-5CFFB55BABAD}"/>
-              </a:ext>
-            </a:extLst>
-          </p:cNvPr>
-          <p:cNvSpPr/>
-          <p:nvPr/>
-        </p:nvSpPr>
-        <p:spPr>
-          <a:xfrm>
-            <a:off x="1728799" y="1965960"/>
-            <a:ext cx="4194810" cy="377190"/>
+          <p:cNvPr id="26" name="Rectangle 25">
+            <a:extLst>
+              <a:ext uri="{FF2B5EF4-FFF2-40B4-BE49-F238E27FC236}">
+                <a16:creationId xmlns:a16="http://schemas.microsoft.com/office/drawing/2014/main" id="{B77DFA33-EFCF-4D60-B1B2-1DAF5DC71B61}"/>
+              </a:ext>
+            </a:extLst>
+          </p:cNvPr>
+          <p:cNvSpPr/>
+          <p:nvPr/>
+        </p:nvSpPr>
+        <p:spPr>
+          <a:xfrm>
+            <a:off x="1728799" y="2570853"/>
+            <a:ext cx="1739265" cy="174666"/>
           </a:xfrm>
           <a:prstGeom prst="rect">
             <a:avLst/>
@@ -13217,16 +13986,15 @@
         </p:nvSpPr>
         <p:spPr>
           <a:xfrm>
-            <a:off x="1728798" y="2597986"/>
+            <a:off x="1728798" y="2895166"/>
             <a:ext cx="902881" cy="78056"/>
           </a:xfrm>
           <a:prstGeom prst="rect">
             <a:avLst/>
           </a:prstGeom>
           <a:solidFill>
-            <a:schemeClr val="tx1">
+            <a:schemeClr val="accent1">
               <a:lumMod val="75000"/>
-              <a:lumOff val="25000"/>
             </a:schemeClr>
           </a:solidFill>
           <a:ln>
@@ -13342,7 +14110,7 @@
           <a:p>
             <a:r>
               <a:rPr lang="en-GB" b="1" dirty="0"/>
-              <a:t>File Upload</a:t>
+              <a:t>Table</a:t>
             </a:r>
           </a:p>
           <a:p>
@@ -13364,16 +14132,14 @@
         </p:nvSpPr>
         <p:spPr>
           <a:xfrm>
-            <a:off x="1728798" y="2898040"/>
-            <a:ext cx="1311346" cy="292698"/>
+            <a:off x="3468064" y="2895166"/>
+            <a:ext cx="1477698" cy="78056"/>
           </a:xfrm>
           <a:prstGeom prst="rect">
             <a:avLst/>
           </a:prstGeom>
           <a:solidFill>
-            <a:schemeClr val="bg2">
-              <a:lumMod val="75000"/>
-            </a:schemeClr>
+            <a:schemeClr val="tx1"/>
           </a:solidFill>
           <a:ln>
             <a:noFill/>
@@ -13400,14 +14166,7 @@
           <a:lstStyle/>
           <a:p>
             <a:pPr algn="ctr"/>
-            <a:r>
-              <a:rPr lang="en-GB" sz="1600" dirty="0">
-                <a:solidFill>
-                  <a:schemeClr val="tx1"/>
-                </a:solidFill>
-              </a:rPr>
-              <a:t>Choose File</a:t>
-            </a:r>
+            <a:endParaRPr lang="en-GB"/>
           </a:p>
         </p:txBody>
       </p:sp>
@@ -13463,30 +14222,72 @@
           </a:p>
         </p:txBody>
       </p:sp>
-      <p:sp>
-        <p:nvSpPr>
-          <p:cNvPr id="3" name="Rectangle 2">
-            <a:extLst>
-              <a:ext uri="{FF2B5EF4-FFF2-40B4-BE49-F238E27FC236}">
-                <a16:creationId xmlns:a16="http://schemas.microsoft.com/office/drawing/2014/main" id="{5BCFA2A8-600B-4B7F-9FE7-77795396A8A4}"/>
-              </a:ext>
-            </a:extLst>
-          </p:cNvPr>
-          <p:cNvSpPr/>
-          <p:nvPr/>
-        </p:nvSpPr>
-        <p:spPr>
-          <a:xfrm>
-            <a:off x="3374763" y="2999757"/>
+      <p:cxnSp>
+        <p:nvCxnSpPr>
+          <p:cNvPr id="6" name="Straight Connector 5">
+            <a:extLst>
+              <a:ext uri="{FF2B5EF4-FFF2-40B4-BE49-F238E27FC236}">
+                <a16:creationId xmlns:a16="http://schemas.microsoft.com/office/drawing/2014/main" id="{5DE92528-E1F0-4AB0-B6AF-870E91A28EB4}"/>
+              </a:ext>
+            </a:extLst>
+          </p:cNvPr>
+          <p:cNvCxnSpPr/>
+          <p:nvPr/>
+        </p:nvCxnSpPr>
+        <p:spPr>
+          <a:xfrm>
+            <a:off x="1728798" y="3108960"/>
+            <a:ext cx="4194810" cy="0"/>
+          </a:xfrm>
+          <a:prstGeom prst="line">
+            <a:avLst/>
+          </a:prstGeom>
+          <a:ln w="25400">
+            <a:solidFill>
+              <a:schemeClr val="bg1">
+                <a:lumMod val="75000"/>
+              </a:schemeClr>
+            </a:solidFill>
+          </a:ln>
+        </p:spPr>
+        <p:style>
+          <a:lnRef idx="1">
+            <a:schemeClr val="accent1"/>
+          </a:lnRef>
+          <a:fillRef idx="0">
+            <a:schemeClr val="accent1"/>
+          </a:fillRef>
+          <a:effectRef idx="0">
+            <a:schemeClr val="accent1"/>
+          </a:effectRef>
+          <a:fontRef idx="minor">
+            <a:schemeClr val="tx1"/>
+          </a:fontRef>
+        </p:style>
+      </p:cxnSp>
+      <p:sp>
+        <p:nvSpPr>
+          <p:cNvPr id="15" name="Rectangle 14">
+            <a:extLst>
+              <a:ext uri="{FF2B5EF4-FFF2-40B4-BE49-F238E27FC236}">
+                <a16:creationId xmlns:a16="http://schemas.microsoft.com/office/drawing/2014/main" id="{38BE9290-B274-4C57-9340-9C4A333B8CF8}"/>
+              </a:ext>
+            </a:extLst>
+          </p:cNvPr>
+          <p:cNvSpPr/>
+          <p:nvPr/>
+        </p:nvSpPr>
+        <p:spPr>
+          <a:xfrm>
+            <a:off x="1728798" y="3341817"/>
             <a:ext cx="902881" cy="78056"/>
           </a:xfrm>
           <a:prstGeom prst="rect">
             <a:avLst/>
           </a:prstGeom>
           <a:solidFill>
-            <a:schemeClr val="tx1">
+            <a:schemeClr val="accent1">
               <a:lumMod val="75000"/>
-              <a:lumOff val="25000"/>
             </a:schemeClr>
           </a:solidFill>
           <a:ln>
@@ -13518,10 +14319,258 @@
           </a:p>
         </p:txBody>
       </p:sp>
+      <p:sp>
+        <p:nvSpPr>
+          <p:cNvPr id="18" name="Rectangle 17">
+            <a:extLst>
+              <a:ext uri="{FF2B5EF4-FFF2-40B4-BE49-F238E27FC236}">
+                <a16:creationId xmlns:a16="http://schemas.microsoft.com/office/drawing/2014/main" id="{F86D0D09-E0B5-429F-83C6-F5EB09D2BB46}"/>
+              </a:ext>
+            </a:extLst>
+          </p:cNvPr>
+          <p:cNvSpPr/>
+          <p:nvPr/>
+        </p:nvSpPr>
+        <p:spPr>
+          <a:xfrm>
+            <a:off x="3468064" y="3341817"/>
+            <a:ext cx="1477698" cy="78056"/>
+          </a:xfrm>
+          <a:prstGeom prst="rect">
+            <a:avLst/>
+          </a:prstGeom>
+          <a:solidFill>
+            <a:schemeClr val="tx1"/>
+          </a:solidFill>
+          <a:ln>
+            <a:noFill/>
+          </a:ln>
+        </p:spPr>
+        <p:style>
+          <a:lnRef idx="2">
+            <a:schemeClr val="accent1">
+              <a:shade val="50000"/>
+            </a:schemeClr>
+          </a:lnRef>
+          <a:fillRef idx="1">
+            <a:schemeClr val="accent1"/>
+          </a:fillRef>
+          <a:effectRef idx="0">
+            <a:schemeClr val="accent1"/>
+          </a:effectRef>
+          <a:fontRef idx="minor">
+            <a:schemeClr val="lt1"/>
+          </a:fontRef>
+        </p:style>
+        <p:txBody>
+          <a:bodyPr rtlCol="0" anchor="ctr"/>
+          <a:lstStyle/>
+          <a:p>
+            <a:pPr algn="ctr"/>
+            <a:endParaRPr lang="en-GB"/>
+          </a:p>
+        </p:txBody>
+      </p:sp>
+      <p:cxnSp>
+        <p:nvCxnSpPr>
+          <p:cNvPr id="20" name="Straight Connector 19">
+            <a:extLst>
+              <a:ext uri="{FF2B5EF4-FFF2-40B4-BE49-F238E27FC236}">
+                <a16:creationId xmlns:a16="http://schemas.microsoft.com/office/drawing/2014/main" id="{81101CDF-F4E4-4B3B-9D1B-F0C3656ECA79}"/>
+              </a:ext>
+            </a:extLst>
+          </p:cNvPr>
+          <p:cNvCxnSpPr>
+            <a:cxnSpLocks/>
+          </p:cNvCxnSpPr>
+          <p:nvPr/>
+        </p:nvCxnSpPr>
+        <p:spPr>
+          <a:xfrm>
+            <a:off x="1728798" y="3555611"/>
+            <a:ext cx="4194810" cy="0"/>
+          </a:xfrm>
+          <a:prstGeom prst="line">
+            <a:avLst/>
+          </a:prstGeom>
+          <a:ln w="25400">
+            <a:solidFill>
+              <a:schemeClr val="bg1">
+                <a:lumMod val="75000"/>
+              </a:schemeClr>
+            </a:solidFill>
+          </a:ln>
+        </p:spPr>
+        <p:style>
+          <a:lnRef idx="1">
+            <a:schemeClr val="accent1"/>
+          </a:lnRef>
+          <a:fillRef idx="0">
+            <a:schemeClr val="accent1"/>
+          </a:fillRef>
+          <a:effectRef idx="0">
+            <a:schemeClr val="accent1"/>
+          </a:effectRef>
+          <a:fontRef idx="minor">
+            <a:schemeClr val="tx1"/>
+          </a:fontRef>
+        </p:style>
+      </p:cxnSp>
+      <p:sp>
+        <p:nvSpPr>
+          <p:cNvPr id="31" name="Rectangle 30">
+            <a:extLst>
+              <a:ext uri="{FF2B5EF4-FFF2-40B4-BE49-F238E27FC236}">
+                <a16:creationId xmlns:a16="http://schemas.microsoft.com/office/drawing/2014/main" id="{CE0D16DF-EA88-49BE-AC3C-441A166A06CE}"/>
+              </a:ext>
+            </a:extLst>
+          </p:cNvPr>
+          <p:cNvSpPr/>
+          <p:nvPr/>
+        </p:nvSpPr>
+        <p:spPr>
+          <a:xfrm>
+            <a:off x="1728798" y="3844051"/>
+            <a:ext cx="902881" cy="78056"/>
+          </a:xfrm>
+          <a:prstGeom prst="rect">
+            <a:avLst/>
+          </a:prstGeom>
+          <a:solidFill>
+            <a:schemeClr val="accent1">
+              <a:lumMod val="75000"/>
+            </a:schemeClr>
+          </a:solidFill>
+          <a:ln>
+            <a:noFill/>
+          </a:ln>
+        </p:spPr>
+        <p:style>
+          <a:lnRef idx="2">
+            <a:schemeClr val="accent1">
+              <a:shade val="50000"/>
+            </a:schemeClr>
+          </a:lnRef>
+          <a:fillRef idx="1">
+            <a:schemeClr val="accent1"/>
+          </a:fillRef>
+          <a:effectRef idx="0">
+            <a:schemeClr val="accent1"/>
+          </a:effectRef>
+          <a:fontRef idx="minor">
+            <a:schemeClr val="lt1"/>
+          </a:fontRef>
+        </p:style>
+        <p:txBody>
+          <a:bodyPr rtlCol="0" anchor="ctr"/>
+          <a:lstStyle/>
+          <a:p>
+            <a:pPr algn="ctr"/>
+            <a:endParaRPr lang="en-GB"/>
+          </a:p>
+        </p:txBody>
+      </p:sp>
+      <p:sp>
+        <p:nvSpPr>
+          <p:cNvPr id="34" name="Rectangle 33">
+            <a:extLst>
+              <a:ext uri="{FF2B5EF4-FFF2-40B4-BE49-F238E27FC236}">
+                <a16:creationId xmlns:a16="http://schemas.microsoft.com/office/drawing/2014/main" id="{BAC1B9C6-5E19-4831-AB64-203223E6E268}"/>
+              </a:ext>
+            </a:extLst>
+          </p:cNvPr>
+          <p:cNvSpPr/>
+          <p:nvPr/>
+        </p:nvSpPr>
+        <p:spPr>
+          <a:xfrm>
+            <a:off x="3468064" y="3844051"/>
+            <a:ext cx="1477698" cy="78056"/>
+          </a:xfrm>
+          <a:prstGeom prst="rect">
+            <a:avLst/>
+          </a:prstGeom>
+          <a:solidFill>
+            <a:schemeClr val="tx1"/>
+          </a:solidFill>
+          <a:ln>
+            <a:noFill/>
+          </a:ln>
+        </p:spPr>
+        <p:style>
+          <a:lnRef idx="2">
+            <a:schemeClr val="accent1">
+              <a:shade val="50000"/>
+            </a:schemeClr>
+          </a:lnRef>
+          <a:fillRef idx="1">
+            <a:schemeClr val="accent1"/>
+          </a:fillRef>
+          <a:effectRef idx="0">
+            <a:schemeClr val="accent1"/>
+          </a:effectRef>
+          <a:fontRef idx="minor">
+            <a:schemeClr val="lt1"/>
+          </a:fontRef>
+        </p:style>
+        <p:txBody>
+          <a:bodyPr rtlCol="0" anchor="ctr"/>
+          <a:lstStyle/>
+          <a:p>
+            <a:pPr algn="ctr"/>
+            <a:endParaRPr lang="en-GB"/>
+          </a:p>
+        </p:txBody>
+      </p:sp>
+      <p:cxnSp>
+        <p:nvCxnSpPr>
+          <p:cNvPr id="36" name="Straight Connector 35">
+            <a:extLst>
+              <a:ext uri="{FF2B5EF4-FFF2-40B4-BE49-F238E27FC236}">
+                <a16:creationId xmlns:a16="http://schemas.microsoft.com/office/drawing/2014/main" id="{AD3563D3-C988-4E00-9260-804535643C79}"/>
+              </a:ext>
+            </a:extLst>
+          </p:cNvPr>
+          <p:cNvCxnSpPr>
+            <a:cxnSpLocks/>
+          </p:cNvCxnSpPr>
+          <p:nvPr/>
+        </p:nvCxnSpPr>
+        <p:spPr>
+          <a:xfrm>
+            <a:off x="1728798" y="4057845"/>
+            <a:ext cx="4194810" cy="0"/>
+          </a:xfrm>
+          <a:prstGeom prst="line">
+            <a:avLst/>
+          </a:prstGeom>
+          <a:ln w="25400">
+            <a:solidFill>
+              <a:schemeClr val="bg1">
+                <a:lumMod val="75000"/>
+              </a:schemeClr>
+            </a:solidFill>
+          </a:ln>
+        </p:spPr>
+        <p:style>
+          <a:lnRef idx="1">
+            <a:schemeClr val="accent1"/>
+          </a:lnRef>
+          <a:fillRef idx="0">
+            <a:schemeClr val="accent1"/>
+          </a:fillRef>
+          <a:effectRef idx="0">
+            <a:schemeClr val="accent1"/>
+          </a:effectRef>
+          <a:fontRef idx="minor">
+            <a:schemeClr val="tx1"/>
+          </a:fontRef>
+        </p:style>
+      </p:cxnSp>
     </p:spTree>
     <p:extLst>
       <p:ext uri="{BB962C8B-B14F-4D97-AF65-F5344CB8AC3E}">
-        <p14:creationId xmlns:p14="http://schemas.microsoft.com/office/powerpoint/2010/main" val="913799999"/>
+        <p14:creationId xmlns:p14="http://schemas.microsoft.com/office/powerpoint/2010/main" val="1542608800"/>
       </p:ext>
     </p:extLst>
   </p:cSld>
@@ -13562,7 +14611,7 @@
         </p:nvSpPr>
         <p:spPr>
           <a:xfrm>
-            <a:off x="685494" y="480794"/>
+            <a:off x="687825" y="490237"/>
             <a:ext cx="6827520" cy="5003800"/>
           </a:xfrm>
           <a:prstGeom prst="rect">
@@ -13875,10 +14924,328 @@
       </p:pic>
       <p:sp>
         <p:nvSpPr>
-          <p:cNvPr id="13" name="Rectangle 12">
-            <a:extLst>
-              <a:ext uri="{FF2B5EF4-FFF2-40B4-BE49-F238E27FC236}">
-                <a16:creationId xmlns:a16="http://schemas.microsoft.com/office/drawing/2014/main" id="{B3EFCDE4-E455-4D65-8245-142A32208941}"/>
+          <p:cNvPr id="14" name="Rectangle 13">
+            <a:extLst>
+              <a:ext uri="{FF2B5EF4-FFF2-40B4-BE49-F238E27FC236}">
+                <a16:creationId xmlns:a16="http://schemas.microsoft.com/office/drawing/2014/main" id="{EB307F2E-7A3B-4AD0-9BDE-B6006CFEF544}"/>
+              </a:ext>
+            </a:extLst>
+          </p:cNvPr>
+          <p:cNvSpPr/>
+          <p:nvPr/>
+        </p:nvSpPr>
+        <p:spPr>
+          <a:xfrm>
+            <a:off x="1728799" y="1533348"/>
+            <a:ext cx="382905" cy="51435"/>
+          </a:xfrm>
+          <a:prstGeom prst="rect">
+            <a:avLst/>
+          </a:prstGeom>
+          <a:solidFill>
+            <a:schemeClr val="tx1">
+              <a:lumMod val="65000"/>
+              <a:lumOff val="35000"/>
+            </a:schemeClr>
+          </a:solidFill>
+          <a:ln>
+            <a:noFill/>
+          </a:ln>
+        </p:spPr>
+        <p:style>
+          <a:lnRef idx="2">
+            <a:schemeClr val="accent1">
+              <a:shade val="50000"/>
+            </a:schemeClr>
+          </a:lnRef>
+          <a:fillRef idx="1">
+            <a:schemeClr val="accent1"/>
+          </a:fillRef>
+          <a:effectRef idx="0">
+            <a:schemeClr val="accent1"/>
+          </a:effectRef>
+          <a:fontRef idx="minor">
+            <a:schemeClr val="lt1"/>
+          </a:fontRef>
+        </p:style>
+        <p:txBody>
+          <a:bodyPr rtlCol="0" anchor="ctr"/>
+          <a:lstStyle/>
+          <a:p>
+            <a:pPr algn="ctr"/>
+            <a:endParaRPr lang="en-GB"/>
+          </a:p>
+        </p:txBody>
+      </p:sp>
+      <p:sp>
+        <p:nvSpPr>
+          <p:cNvPr id="16" name="Rectangle 15">
+            <a:extLst>
+              <a:ext uri="{FF2B5EF4-FFF2-40B4-BE49-F238E27FC236}">
+                <a16:creationId xmlns:a16="http://schemas.microsoft.com/office/drawing/2014/main" id="{D8BCECBB-92AC-4431-944A-2CA54C9C1506}"/>
+              </a:ext>
+            </a:extLst>
+          </p:cNvPr>
+          <p:cNvSpPr/>
+          <p:nvPr/>
+        </p:nvSpPr>
+        <p:spPr>
+          <a:xfrm>
+            <a:off x="2198934" y="1529361"/>
+            <a:ext cx="382905" cy="51435"/>
+          </a:xfrm>
+          <a:prstGeom prst="rect">
+            <a:avLst/>
+          </a:prstGeom>
+          <a:solidFill>
+            <a:schemeClr val="tx1">
+              <a:lumMod val="65000"/>
+              <a:lumOff val="35000"/>
+            </a:schemeClr>
+          </a:solidFill>
+          <a:ln>
+            <a:noFill/>
+          </a:ln>
+        </p:spPr>
+        <p:style>
+          <a:lnRef idx="2">
+            <a:schemeClr val="accent1">
+              <a:shade val="50000"/>
+            </a:schemeClr>
+          </a:lnRef>
+          <a:fillRef idx="1">
+            <a:schemeClr val="accent1"/>
+          </a:fillRef>
+          <a:effectRef idx="0">
+            <a:schemeClr val="accent1"/>
+          </a:effectRef>
+          <a:fontRef idx="minor">
+            <a:schemeClr val="lt1"/>
+          </a:fontRef>
+        </p:style>
+        <p:txBody>
+          <a:bodyPr rtlCol="0" anchor="ctr"/>
+          <a:lstStyle/>
+          <a:p>
+            <a:pPr algn="ctr"/>
+            <a:endParaRPr lang="en-GB"/>
+          </a:p>
+        </p:txBody>
+      </p:sp>
+      <p:sp>
+        <p:nvSpPr>
+          <p:cNvPr id="30" name="Rectangle 29">
+            <a:extLst>
+              <a:ext uri="{FF2B5EF4-FFF2-40B4-BE49-F238E27FC236}">
+                <a16:creationId xmlns:a16="http://schemas.microsoft.com/office/drawing/2014/main" id="{4CAA8E4E-1B92-4107-9CB2-4E1984BCD262}"/>
+              </a:ext>
+            </a:extLst>
+          </p:cNvPr>
+          <p:cNvSpPr/>
+          <p:nvPr/>
+        </p:nvSpPr>
+        <p:spPr>
+          <a:xfrm>
+            <a:off x="1728798" y="2597986"/>
+            <a:ext cx="902881" cy="78056"/>
+          </a:xfrm>
+          <a:prstGeom prst="rect">
+            <a:avLst/>
+          </a:prstGeom>
+          <a:solidFill>
+            <a:schemeClr val="tx1">
+              <a:lumMod val="75000"/>
+              <a:lumOff val="25000"/>
+            </a:schemeClr>
+          </a:solidFill>
+          <a:ln>
+            <a:noFill/>
+          </a:ln>
+        </p:spPr>
+        <p:style>
+          <a:lnRef idx="2">
+            <a:schemeClr val="accent1">
+              <a:shade val="50000"/>
+            </a:schemeClr>
+          </a:lnRef>
+          <a:fillRef idx="1">
+            <a:schemeClr val="accent1"/>
+          </a:fillRef>
+          <a:effectRef idx="0">
+            <a:schemeClr val="accent1"/>
+          </a:effectRef>
+          <a:fontRef idx="minor">
+            <a:schemeClr val="lt1"/>
+          </a:fontRef>
+        </p:style>
+        <p:txBody>
+          <a:bodyPr rtlCol="0" anchor="ctr"/>
+          <a:lstStyle/>
+          <a:p>
+            <a:pPr algn="ctr"/>
+            <a:endParaRPr lang="en-GB"/>
+          </a:p>
+        </p:txBody>
+      </p:sp>
+      <p:sp>
+        <p:nvSpPr>
+          <p:cNvPr id="32" name="Rectangle 31">
+            <a:extLst>
+              <a:ext uri="{FF2B5EF4-FFF2-40B4-BE49-F238E27FC236}">
+                <a16:creationId xmlns:a16="http://schemas.microsoft.com/office/drawing/2014/main" id="{EE828F73-1150-4D4F-91B2-C50EC60E162D}"/>
+              </a:ext>
+            </a:extLst>
+          </p:cNvPr>
+          <p:cNvSpPr/>
+          <p:nvPr/>
+        </p:nvSpPr>
+        <p:spPr>
+          <a:xfrm>
+            <a:off x="1728799" y="4368758"/>
+            <a:ext cx="782955" cy="174666"/>
+          </a:xfrm>
+          <a:prstGeom prst="rect">
+            <a:avLst/>
+          </a:prstGeom>
+          <a:solidFill>
+            <a:srgbClr val="005A30">
+              <a:alpha val="86667"/>
+            </a:srgbClr>
+          </a:solidFill>
+          <a:ln>
+            <a:noFill/>
+          </a:ln>
+        </p:spPr>
+        <p:style>
+          <a:lnRef idx="2">
+            <a:schemeClr val="accent1">
+              <a:shade val="50000"/>
+            </a:schemeClr>
+          </a:lnRef>
+          <a:fillRef idx="1">
+            <a:schemeClr val="accent1"/>
+          </a:fillRef>
+          <a:effectRef idx="0">
+            <a:schemeClr val="accent1"/>
+          </a:effectRef>
+          <a:fontRef idx="minor">
+            <a:schemeClr val="lt1"/>
+          </a:fontRef>
+        </p:style>
+        <p:txBody>
+          <a:bodyPr rtlCol="0" anchor="ctr"/>
+          <a:lstStyle/>
+          <a:p>
+            <a:pPr algn="ctr"/>
+            <a:endParaRPr lang="en-GB"/>
+          </a:p>
+        </p:txBody>
+      </p:sp>
+      <p:sp>
+        <p:nvSpPr>
+          <p:cNvPr id="33" name="TextBox 32">
+            <a:extLst>
+              <a:ext uri="{FF2B5EF4-FFF2-40B4-BE49-F238E27FC236}">
+                <a16:creationId xmlns:a16="http://schemas.microsoft.com/office/drawing/2014/main" id="{672679EF-8D09-496C-BD43-D08A1A91D20B}"/>
+              </a:ext>
+            </a:extLst>
+          </p:cNvPr>
+          <p:cNvSpPr txBox="1"/>
+          <p:nvPr/>
+        </p:nvSpPr>
+        <p:spPr>
+          <a:xfrm>
+            <a:off x="8217744" y="480794"/>
+            <a:ext cx="3286431" cy="646331"/>
+          </a:xfrm>
+          <a:prstGeom prst="rect">
+            <a:avLst/>
+          </a:prstGeom>
+          <a:noFill/>
+        </p:spPr>
+        <p:txBody>
+          <a:bodyPr wrap="square" rtlCol="0">
+            <a:spAutoFit/>
+          </a:bodyPr>
+          <a:lstStyle/>
+          <a:p>
+            <a:r>
+              <a:rPr lang="en-GB" b="1" dirty="0"/>
+              <a:t>File Upload</a:t>
+            </a:r>
+          </a:p>
+          <a:p>
+            <a:endParaRPr lang="en-GB" dirty="0"/>
+          </a:p>
+        </p:txBody>
+      </p:sp>
+      <p:sp>
+        <p:nvSpPr>
+          <p:cNvPr id="8" name="Rectangle 7">
+            <a:extLst>
+              <a:ext uri="{FF2B5EF4-FFF2-40B4-BE49-F238E27FC236}">
+                <a16:creationId xmlns:a16="http://schemas.microsoft.com/office/drawing/2014/main" id="{DC5246D7-4530-4B6F-8250-05F51AE64E0E}"/>
+              </a:ext>
+            </a:extLst>
+          </p:cNvPr>
+          <p:cNvSpPr/>
+          <p:nvPr/>
+        </p:nvSpPr>
+        <p:spPr>
+          <a:xfrm>
+            <a:off x="1728798" y="2898040"/>
+            <a:ext cx="1311346" cy="292698"/>
+          </a:xfrm>
+          <a:prstGeom prst="rect">
+            <a:avLst/>
+          </a:prstGeom>
+          <a:solidFill>
+            <a:schemeClr val="bg2">
+              <a:lumMod val="75000"/>
+            </a:schemeClr>
+          </a:solidFill>
+          <a:ln>
+            <a:noFill/>
+          </a:ln>
+        </p:spPr>
+        <p:style>
+          <a:lnRef idx="2">
+            <a:schemeClr val="accent1">
+              <a:shade val="50000"/>
+            </a:schemeClr>
+          </a:lnRef>
+          <a:fillRef idx="1">
+            <a:schemeClr val="accent1"/>
+          </a:fillRef>
+          <a:effectRef idx="0">
+            <a:schemeClr val="accent1"/>
+          </a:effectRef>
+          <a:fontRef idx="minor">
+            <a:schemeClr val="lt1"/>
+          </a:fontRef>
+        </p:style>
+        <p:txBody>
+          <a:bodyPr rtlCol="0" anchor="ctr"/>
+          <a:lstStyle/>
+          <a:p>
+            <a:pPr algn="ctr"/>
+            <a:r>
+              <a:rPr lang="en-GB" sz="1600" dirty="0">
+                <a:solidFill>
+                  <a:schemeClr val="tx1"/>
+                </a:solidFill>
+              </a:rPr>
+              <a:t>Choose File</a:t>
+            </a:r>
+          </a:p>
+        </p:txBody>
+      </p:sp>
+      <p:sp>
+        <p:nvSpPr>
+          <p:cNvPr id="2" name="Rectangle 1">
+            <a:extLst>
+              <a:ext uri="{FF2B5EF4-FFF2-40B4-BE49-F238E27FC236}">
+                <a16:creationId xmlns:a16="http://schemas.microsoft.com/office/drawing/2014/main" id="{CA6FB77D-E7FB-4604-910A-2BC72403A46A}"/>
               </a:ext>
             </a:extLst>
           </p:cNvPr>
@@ -13927,28 +15294,28 @@
       </p:sp>
       <p:sp>
         <p:nvSpPr>
-          <p:cNvPr id="14" name="Rectangle 13">
-            <a:extLst>
-              <a:ext uri="{FF2B5EF4-FFF2-40B4-BE49-F238E27FC236}">
-                <a16:creationId xmlns:a16="http://schemas.microsoft.com/office/drawing/2014/main" id="{EB307F2E-7A3B-4AD0-9BDE-B6006CFEF544}"/>
-              </a:ext>
-            </a:extLst>
-          </p:cNvPr>
-          <p:cNvSpPr/>
-          <p:nvPr/>
-        </p:nvSpPr>
-        <p:spPr>
-          <a:xfrm>
-            <a:off x="1728799" y="1533348"/>
-            <a:ext cx="382905" cy="51435"/>
+          <p:cNvPr id="3" name="Rectangle 2">
+            <a:extLst>
+              <a:ext uri="{FF2B5EF4-FFF2-40B4-BE49-F238E27FC236}">
+                <a16:creationId xmlns:a16="http://schemas.microsoft.com/office/drawing/2014/main" id="{5BCFA2A8-600B-4B7F-9FE7-77795396A8A4}"/>
+              </a:ext>
+            </a:extLst>
+          </p:cNvPr>
+          <p:cNvSpPr/>
+          <p:nvPr/>
+        </p:nvSpPr>
+        <p:spPr>
+          <a:xfrm>
+            <a:off x="3374763" y="2999757"/>
+            <a:ext cx="902881" cy="78056"/>
           </a:xfrm>
           <a:prstGeom prst="rect">
             <a:avLst/>
           </a:prstGeom>
           <a:solidFill>
             <a:schemeClr val="tx1">
-              <a:lumMod val="65000"/>
-              <a:lumOff val="35000"/>
+              <a:lumMod val="75000"/>
+              <a:lumOff val="25000"/>
             </a:schemeClr>
           </a:solidFill>
           <a:ln>
@@ -13980,647 +15347,10 @@
           </a:p>
         </p:txBody>
       </p:sp>
-      <p:sp>
-        <p:nvSpPr>
-          <p:cNvPr id="16" name="Rectangle 15">
-            <a:extLst>
-              <a:ext uri="{FF2B5EF4-FFF2-40B4-BE49-F238E27FC236}">
-                <a16:creationId xmlns:a16="http://schemas.microsoft.com/office/drawing/2014/main" id="{D8BCECBB-92AC-4431-944A-2CA54C9C1506}"/>
-              </a:ext>
-            </a:extLst>
-          </p:cNvPr>
-          <p:cNvSpPr/>
-          <p:nvPr/>
-        </p:nvSpPr>
-        <p:spPr>
-          <a:xfrm>
-            <a:off x="2198934" y="1529361"/>
-            <a:ext cx="382905" cy="51435"/>
-          </a:xfrm>
-          <a:prstGeom prst="rect">
-            <a:avLst/>
-          </a:prstGeom>
-          <a:solidFill>
-            <a:schemeClr val="tx1">
-              <a:lumMod val="65000"/>
-              <a:lumOff val="35000"/>
-            </a:schemeClr>
-          </a:solidFill>
-          <a:ln>
-            <a:noFill/>
-          </a:ln>
-        </p:spPr>
-        <p:style>
-          <a:lnRef idx="2">
-            <a:schemeClr val="accent1">
-              <a:shade val="50000"/>
-            </a:schemeClr>
-          </a:lnRef>
-          <a:fillRef idx="1">
-            <a:schemeClr val="accent1"/>
-          </a:fillRef>
-          <a:effectRef idx="0">
-            <a:schemeClr val="accent1"/>
-          </a:effectRef>
-          <a:fontRef idx="minor">
-            <a:schemeClr val="lt1"/>
-          </a:fontRef>
-        </p:style>
-        <p:txBody>
-          <a:bodyPr rtlCol="0" anchor="ctr"/>
-          <a:lstStyle/>
-          <a:p>
-            <a:pPr algn="ctr"/>
-            <a:endParaRPr lang="en-GB"/>
-          </a:p>
-        </p:txBody>
-      </p:sp>
-      <p:sp>
-        <p:nvSpPr>
-          <p:cNvPr id="33" name="TextBox 32">
-            <a:extLst>
-              <a:ext uri="{FF2B5EF4-FFF2-40B4-BE49-F238E27FC236}">
-                <a16:creationId xmlns:a16="http://schemas.microsoft.com/office/drawing/2014/main" id="{672679EF-8D09-496C-BD43-D08A1A91D20B}"/>
-              </a:ext>
-            </a:extLst>
-          </p:cNvPr>
-          <p:cNvSpPr txBox="1"/>
-          <p:nvPr/>
-        </p:nvSpPr>
-        <p:spPr>
-          <a:xfrm>
-            <a:off x="8217744" y="480794"/>
-            <a:ext cx="3286431" cy="1200329"/>
-          </a:xfrm>
-          <a:prstGeom prst="rect">
-            <a:avLst/>
-          </a:prstGeom>
-          <a:noFill/>
-        </p:spPr>
-        <p:txBody>
-          <a:bodyPr wrap="square" rtlCol="0">
-            <a:spAutoFit/>
-          </a:bodyPr>
-          <a:lstStyle/>
-          <a:p>
-            <a:r>
-              <a:rPr lang="en-GB" b="1" dirty="0"/>
-              <a:t>Interruption Card</a:t>
-            </a:r>
-          </a:p>
-          <a:p>
-            <a:endParaRPr lang="en-GB" dirty="0"/>
-          </a:p>
-          <a:p>
-            <a:r>
-              <a:rPr lang="en-GB" dirty="0"/>
-              <a:t>Interruption card with no data input</a:t>
-            </a:r>
-          </a:p>
-        </p:txBody>
-      </p:sp>
-      <p:sp>
-        <p:nvSpPr>
-          <p:cNvPr id="2" name="Rectangle 1">
-            <a:extLst>
-              <a:ext uri="{FF2B5EF4-FFF2-40B4-BE49-F238E27FC236}">
-                <a16:creationId xmlns:a16="http://schemas.microsoft.com/office/drawing/2014/main" id="{6034B77A-8DAE-4933-9F3D-EBB131607722}"/>
-              </a:ext>
-            </a:extLst>
-          </p:cNvPr>
-          <p:cNvSpPr/>
-          <p:nvPr/>
-        </p:nvSpPr>
-        <p:spPr>
-          <a:xfrm>
-            <a:off x="1635989" y="1809685"/>
-            <a:ext cx="4988332" cy="2339865"/>
-          </a:xfrm>
-          <a:prstGeom prst="rect">
-            <a:avLst/>
-          </a:prstGeom>
-          <a:solidFill>
-            <a:srgbClr val="1D70B8"/>
-          </a:solidFill>
-          <a:ln>
-            <a:noFill/>
-          </a:ln>
-        </p:spPr>
-        <p:style>
-          <a:lnRef idx="2">
-            <a:schemeClr val="accent1">
-              <a:shade val="50000"/>
-            </a:schemeClr>
-          </a:lnRef>
-          <a:fillRef idx="1">
-            <a:schemeClr val="accent1"/>
-          </a:fillRef>
-          <a:effectRef idx="0">
-            <a:schemeClr val="accent1"/>
-          </a:effectRef>
-          <a:fontRef idx="minor">
-            <a:schemeClr val="lt1"/>
-          </a:fontRef>
-        </p:style>
-        <p:txBody>
-          <a:bodyPr rtlCol="0" anchor="ctr"/>
-          <a:lstStyle/>
-          <a:p>
-            <a:pPr algn="ctr"/>
-            <a:endParaRPr lang="en-GB"/>
-          </a:p>
-        </p:txBody>
-      </p:sp>
-      <p:sp>
-        <p:nvSpPr>
-          <p:cNvPr id="15" name="Rectangle 14">
-            <a:extLst>
-              <a:ext uri="{FF2B5EF4-FFF2-40B4-BE49-F238E27FC236}">
-                <a16:creationId xmlns:a16="http://schemas.microsoft.com/office/drawing/2014/main" id="{1CC18803-36A8-43A5-BF61-D72C47182B23}"/>
-              </a:ext>
-            </a:extLst>
-          </p:cNvPr>
-          <p:cNvSpPr/>
-          <p:nvPr/>
-        </p:nvSpPr>
-        <p:spPr>
-          <a:xfrm>
-            <a:off x="1808046" y="3803183"/>
-            <a:ext cx="782955" cy="174666"/>
-          </a:xfrm>
-          <a:prstGeom prst="rect">
-            <a:avLst/>
-          </a:prstGeom>
-          <a:solidFill>
-            <a:schemeClr val="bg1">
-              <a:lumMod val="95000"/>
-            </a:schemeClr>
-          </a:solidFill>
-          <a:ln>
-            <a:noFill/>
-          </a:ln>
-        </p:spPr>
-        <p:style>
-          <a:lnRef idx="2">
-            <a:schemeClr val="accent1">
-              <a:shade val="50000"/>
-            </a:schemeClr>
-          </a:lnRef>
-          <a:fillRef idx="1">
-            <a:schemeClr val="accent1"/>
-          </a:fillRef>
-          <a:effectRef idx="0">
-            <a:schemeClr val="accent1"/>
-          </a:effectRef>
-          <a:fontRef idx="minor">
-            <a:schemeClr val="lt1"/>
-          </a:fontRef>
-        </p:style>
-        <p:txBody>
-          <a:bodyPr rtlCol="0" anchor="ctr"/>
-          <a:lstStyle/>
-          <a:p>
-            <a:pPr algn="ctr"/>
-            <a:endParaRPr lang="en-GB"/>
-          </a:p>
-        </p:txBody>
-      </p:sp>
-      <p:sp>
-        <p:nvSpPr>
-          <p:cNvPr id="28" name="Rectangle 27">
-            <a:extLst>
-              <a:ext uri="{FF2B5EF4-FFF2-40B4-BE49-F238E27FC236}">
-                <a16:creationId xmlns:a16="http://schemas.microsoft.com/office/drawing/2014/main" id="{B65135E9-2D5C-4C01-9496-FA96BE97B45E}"/>
-              </a:ext>
-            </a:extLst>
-          </p:cNvPr>
-          <p:cNvSpPr/>
-          <p:nvPr/>
-        </p:nvSpPr>
-        <p:spPr>
-          <a:xfrm>
-            <a:off x="1808047" y="2034405"/>
-            <a:ext cx="1739265" cy="174666"/>
-          </a:xfrm>
-          <a:prstGeom prst="rect">
-            <a:avLst/>
-          </a:prstGeom>
-          <a:solidFill>
-            <a:schemeClr val="bg1">
-              <a:lumMod val="95000"/>
-            </a:schemeClr>
-          </a:solidFill>
-          <a:ln>
-            <a:noFill/>
-          </a:ln>
-        </p:spPr>
-        <p:style>
-          <a:lnRef idx="2">
-            <a:schemeClr val="accent1">
-              <a:shade val="50000"/>
-            </a:schemeClr>
-          </a:lnRef>
-          <a:fillRef idx="1">
-            <a:schemeClr val="accent1"/>
-          </a:fillRef>
-          <a:effectRef idx="0">
-            <a:schemeClr val="accent1"/>
-          </a:effectRef>
-          <a:fontRef idx="minor">
-            <a:schemeClr val="lt1"/>
-          </a:fontRef>
-        </p:style>
-        <p:txBody>
-          <a:bodyPr rtlCol="0" anchor="ctr"/>
-          <a:lstStyle/>
-          <a:p>
-            <a:pPr algn="ctr"/>
-            <a:endParaRPr lang="en-GB"/>
-          </a:p>
-        </p:txBody>
-      </p:sp>
-      <p:sp>
-        <p:nvSpPr>
-          <p:cNvPr id="29" name="Rectangle 28">
-            <a:extLst>
-              <a:ext uri="{FF2B5EF4-FFF2-40B4-BE49-F238E27FC236}">
-                <a16:creationId xmlns:a16="http://schemas.microsoft.com/office/drawing/2014/main" id="{96F10B76-7A17-41F0-99E3-014118130F47}"/>
-              </a:ext>
-            </a:extLst>
-          </p:cNvPr>
-          <p:cNvSpPr/>
-          <p:nvPr/>
-        </p:nvSpPr>
-        <p:spPr>
-          <a:xfrm>
-            <a:off x="1808046" y="2310788"/>
-            <a:ext cx="3886190" cy="93650"/>
-          </a:xfrm>
-          <a:prstGeom prst="rect">
-            <a:avLst/>
-          </a:prstGeom>
-          <a:solidFill>
-            <a:schemeClr val="bg1">
-              <a:lumMod val="95000"/>
-            </a:schemeClr>
-          </a:solidFill>
-          <a:ln>
-            <a:noFill/>
-          </a:ln>
-        </p:spPr>
-        <p:style>
-          <a:lnRef idx="2">
-            <a:schemeClr val="accent1">
-              <a:shade val="50000"/>
-            </a:schemeClr>
-          </a:lnRef>
-          <a:fillRef idx="1">
-            <a:schemeClr val="accent1"/>
-          </a:fillRef>
-          <a:effectRef idx="0">
-            <a:schemeClr val="accent1"/>
-          </a:effectRef>
-          <a:fontRef idx="minor">
-            <a:schemeClr val="lt1"/>
-          </a:fontRef>
-        </p:style>
-        <p:txBody>
-          <a:bodyPr rtlCol="0" anchor="ctr"/>
-          <a:lstStyle/>
-          <a:p>
-            <a:pPr algn="ctr"/>
-            <a:endParaRPr lang="en-GB"/>
-          </a:p>
-        </p:txBody>
-      </p:sp>
-      <p:sp>
-        <p:nvSpPr>
-          <p:cNvPr id="31" name="Rectangle 30">
-            <a:extLst>
-              <a:ext uri="{FF2B5EF4-FFF2-40B4-BE49-F238E27FC236}">
-                <a16:creationId xmlns:a16="http://schemas.microsoft.com/office/drawing/2014/main" id="{6EC6A495-0EED-4579-921F-75231622A796}"/>
-              </a:ext>
-            </a:extLst>
-          </p:cNvPr>
-          <p:cNvSpPr/>
-          <p:nvPr/>
-        </p:nvSpPr>
-        <p:spPr>
-          <a:xfrm>
-            <a:off x="1808046" y="2453713"/>
-            <a:ext cx="3886190" cy="93650"/>
-          </a:xfrm>
-          <a:prstGeom prst="rect">
-            <a:avLst/>
-          </a:prstGeom>
-          <a:solidFill>
-            <a:schemeClr val="bg1">
-              <a:lumMod val="95000"/>
-            </a:schemeClr>
-          </a:solidFill>
-          <a:ln>
-            <a:noFill/>
-          </a:ln>
-        </p:spPr>
-        <p:style>
-          <a:lnRef idx="2">
-            <a:schemeClr val="accent1">
-              <a:shade val="50000"/>
-            </a:schemeClr>
-          </a:lnRef>
-          <a:fillRef idx="1">
-            <a:schemeClr val="accent1"/>
-          </a:fillRef>
-          <a:effectRef idx="0">
-            <a:schemeClr val="accent1"/>
-          </a:effectRef>
-          <a:fontRef idx="minor">
-            <a:schemeClr val="lt1"/>
-          </a:fontRef>
-        </p:style>
-        <p:txBody>
-          <a:bodyPr rtlCol="0" anchor="ctr"/>
-          <a:lstStyle/>
-          <a:p>
-            <a:pPr algn="ctr"/>
-            <a:endParaRPr lang="en-GB"/>
-          </a:p>
-        </p:txBody>
-      </p:sp>
-      <p:sp>
-        <p:nvSpPr>
-          <p:cNvPr id="34" name="Rectangle 33">
-            <a:extLst>
-              <a:ext uri="{FF2B5EF4-FFF2-40B4-BE49-F238E27FC236}">
-                <a16:creationId xmlns:a16="http://schemas.microsoft.com/office/drawing/2014/main" id="{9BD28580-2F98-468E-8B03-AC89BA76F2EA}"/>
-              </a:ext>
-            </a:extLst>
-          </p:cNvPr>
-          <p:cNvSpPr/>
-          <p:nvPr/>
-        </p:nvSpPr>
-        <p:spPr>
-          <a:xfrm>
-            <a:off x="1808046" y="2595252"/>
-            <a:ext cx="2521257" cy="90416"/>
-          </a:xfrm>
-          <a:prstGeom prst="rect">
-            <a:avLst/>
-          </a:prstGeom>
-          <a:solidFill>
-            <a:schemeClr val="bg1">
-              <a:lumMod val="95000"/>
-            </a:schemeClr>
-          </a:solidFill>
-          <a:ln>
-            <a:noFill/>
-          </a:ln>
-        </p:spPr>
-        <p:style>
-          <a:lnRef idx="2">
-            <a:schemeClr val="accent1">
-              <a:shade val="50000"/>
-            </a:schemeClr>
-          </a:lnRef>
-          <a:fillRef idx="1">
-            <a:schemeClr val="accent1"/>
-          </a:fillRef>
-          <a:effectRef idx="0">
-            <a:schemeClr val="accent1"/>
-          </a:effectRef>
-          <a:fontRef idx="minor">
-            <a:schemeClr val="lt1"/>
-          </a:fontRef>
-        </p:style>
-        <p:txBody>
-          <a:bodyPr rtlCol="0" anchor="ctr"/>
-          <a:lstStyle/>
-          <a:p>
-            <a:pPr algn="ctr"/>
-            <a:endParaRPr lang="en-GB"/>
-          </a:p>
-        </p:txBody>
-      </p:sp>
-      <p:sp>
-        <p:nvSpPr>
-          <p:cNvPr id="35" name="Rectangle 34">
-            <a:extLst>
-              <a:ext uri="{FF2B5EF4-FFF2-40B4-BE49-F238E27FC236}">
-                <a16:creationId xmlns:a16="http://schemas.microsoft.com/office/drawing/2014/main" id="{8617D7B7-4358-4C1C-AC28-E1E190D4508E}"/>
-              </a:ext>
-            </a:extLst>
-          </p:cNvPr>
-          <p:cNvSpPr/>
-          <p:nvPr/>
-        </p:nvSpPr>
-        <p:spPr>
-          <a:xfrm>
-            <a:off x="1808047" y="2852065"/>
-            <a:ext cx="1739265" cy="174666"/>
-          </a:xfrm>
-          <a:prstGeom prst="rect">
-            <a:avLst/>
-          </a:prstGeom>
-          <a:solidFill>
-            <a:schemeClr val="bg1">
-              <a:lumMod val="95000"/>
-            </a:schemeClr>
-          </a:solidFill>
-          <a:ln>
-            <a:noFill/>
-          </a:ln>
-        </p:spPr>
-        <p:style>
-          <a:lnRef idx="2">
-            <a:schemeClr val="accent1">
-              <a:shade val="50000"/>
-            </a:schemeClr>
-          </a:lnRef>
-          <a:fillRef idx="1">
-            <a:schemeClr val="accent1"/>
-          </a:fillRef>
-          <a:effectRef idx="0">
-            <a:schemeClr val="accent1"/>
-          </a:effectRef>
-          <a:fontRef idx="minor">
-            <a:schemeClr val="lt1"/>
-          </a:fontRef>
-        </p:style>
-        <p:txBody>
-          <a:bodyPr rtlCol="0" anchor="ctr"/>
-          <a:lstStyle/>
-          <a:p>
-            <a:pPr algn="ctr"/>
-            <a:endParaRPr lang="en-GB"/>
-          </a:p>
-        </p:txBody>
-      </p:sp>
-      <p:sp>
-        <p:nvSpPr>
-          <p:cNvPr id="36" name="Rectangle 35">
-            <a:extLst>
-              <a:ext uri="{FF2B5EF4-FFF2-40B4-BE49-F238E27FC236}">
-                <a16:creationId xmlns:a16="http://schemas.microsoft.com/office/drawing/2014/main" id="{AE979719-4DA0-48B8-B634-1741B3B23FC6}"/>
-              </a:ext>
-            </a:extLst>
-          </p:cNvPr>
-          <p:cNvSpPr/>
-          <p:nvPr/>
-        </p:nvSpPr>
-        <p:spPr>
-          <a:xfrm>
-            <a:off x="1808046" y="3128448"/>
-            <a:ext cx="3886190" cy="93650"/>
-          </a:xfrm>
-          <a:prstGeom prst="rect">
-            <a:avLst/>
-          </a:prstGeom>
-          <a:solidFill>
-            <a:schemeClr val="bg1">
-              <a:lumMod val="95000"/>
-            </a:schemeClr>
-          </a:solidFill>
-          <a:ln>
-            <a:noFill/>
-          </a:ln>
-        </p:spPr>
-        <p:style>
-          <a:lnRef idx="2">
-            <a:schemeClr val="accent1">
-              <a:shade val="50000"/>
-            </a:schemeClr>
-          </a:lnRef>
-          <a:fillRef idx="1">
-            <a:schemeClr val="accent1"/>
-          </a:fillRef>
-          <a:effectRef idx="0">
-            <a:schemeClr val="accent1"/>
-          </a:effectRef>
-          <a:fontRef idx="minor">
-            <a:schemeClr val="lt1"/>
-          </a:fontRef>
-        </p:style>
-        <p:txBody>
-          <a:bodyPr rtlCol="0" anchor="ctr"/>
-          <a:lstStyle/>
-          <a:p>
-            <a:pPr algn="ctr"/>
-            <a:endParaRPr lang="en-GB"/>
-          </a:p>
-        </p:txBody>
-      </p:sp>
-      <p:sp>
-        <p:nvSpPr>
-          <p:cNvPr id="38" name="Rectangle 37">
-            <a:extLst>
-              <a:ext uri="{FF2B5EF4-FFF2-40B4-BE49-F238E27FC236}">
-                <a16:creationId xmlns:a16="http://schemas.microsoft.com/office/drawing/2014/main" id="{6B8B8C4D-6274-4498-A1BC-4C7C0F382035}"/>
-              </a:ext>
-            </a:extLst>
-          </p:cNvPr>
-          <p:cNvSpPr/>
-          <p:nvPr/>
-        </p:nvSpPr>
-        <p:spPr>
-          <a:xfrm>
-            <a:off x="1808046" y="3271373"/>
-            <a:ext cx="3886190" cy="93650"/>
-          </a:xfrm>
-          <a:prstGeom prst="rect">
-            <a:avLst/>
-          </a:prstGeom>
-          <a:solidFill>
-            <a:schemeClr val="bg1">
-              <a:lumMod val="95000"/>
-            </a:schemeClr>
-          </a:solidFill>
-          <a:ln>
-            <a:noFill/>
-          </a:ln>
-        </p:spPr>
-        <p:style>
-          <a:lnRef idx="2">
-            <a:schemeClr val="accent1">
-              <a:shade val="50000"/>
-            </a:schemeClr>
-          </a:lnRef>
-          <a:fillRef idx="1">
-            <a:schemeClr val="accent1"/>
-          </a:fillRef>
-          <a:effectRef idx="0">
-            <a:schemeClr val="accent1"/>
-          </a:effectRef>
-          <a:fontRef idx="minor">
-            <a:schemeClr val="lt1"/>
-          </a:fontRef>
-        </p:style>
-        <p:txBody>
-          <a:bodyPr rtlCol="0" anchor="ctr"/>
-          <a:lstStyle/>
-          <a:p>
-            <a:pPr algn="ctr"/>
-            <a:endParaRPr lang="en-GB"/>
-          </a:p>
-        </p:txBody>
-      </p:sp>
-      <p:sp>
-        <p:nvSpPr>
-          <p:cNvPr id="58" name="Rectangle 57">
-            <a:extLst>
-              <a:ext uri="{FF2B5EF4-FFF2-40B4-BE49-F238E27FC236}">
-                <a16:creationId xmlns:a16="http://schemas.microsoft.com/office/drawing/2014/main" id="{C95AE2E7-20DB-4F59-89DB-1C416AF340B1}"/>
-              </a:ext>
-            </a:extLst>
-          </p:cNvPr>
-          <p:cNvSpPr/>
-          <p:nvPr/>
-        </p:nvSpPr>
-        <p:spPr>
-          <a:xfrm>
-            <a:off x="1808046" y="3412912"/>
-            <a:ext cx="2521257" cy="90416"/>
-          </a:xfrm>
-          <a:prstGeom prst="rect">
-            <a:avLst/>
-          </a:prstGeom>
-          <a:solidFill>
-            <a:schemeClr val="bg1">
-              <a:lumMod val="95000"/>
-            </a:schemeClr>
-          </a:solidFill>
-          <a:ln>
-            <a:noFill/>
-          </a:ln>
-        </p:spPr>
-        <p:style>
-          <a:lnRef idx="2">
-            <a:schemeClr val="accent1">
-              <a:shade val="50000"/>
-            </a:schemeClr>
-          </a:lnRef>
-          <a:fillRef idx="1">
-            <a:schemeClr val="accent1"/>
-          </a:fillRef>
-          <a:effectRef idx="0">
-            <a:schemeClr val="accent1"/>
-          </a:effectRef>
-          <a:fontRef idx="minor">
-            <a:schemeClr val="lt1"/>
-          </a:fontRef>
-        </p:style>
-        <p:txBody>
-          <a:bodyPr rtlCol="0" anchor="ctr"/>
-          <a:lstStyle/>
-          <a:p>
-            <a:pPr algn="ctr"/>
-            <a:endParaRPr lang="en-GB"/>
-          </a:p>
-        </p:txBody>
-      </p:sp>
     </p:spTree>
     <p:extLst>
       <p:ext uri="{BB962C8B-B14F-4D97-AF65-F5344CB8AC3E}">
-        <p14:creationId xmlns:p14="http://schemas.microsoft.com/office/powerpoint/2010/main" val="245279502"/>
+        <p14:creationId xmlns:p14="http://schemas.microsoft.com/office/powerpoint/2010/main" val="913799999"/>
       </p:ext>
     </p:extLst>
   </p:cSld>
@@ -15164,7 +15894,7 @@
           <a:p>
             <a:r>
               <a:rPr lang="en-GB" b="1" dirty="0"/>
-              <a:t>Confirmation Page</a:t>
+              <a:t>Interruption Card</a:t>
             </a:r>
           </a:p>
           <a:p>
@@ -15192,14 +15922,14 @@
         </p:nvSpPr>
         <p:spPr>
           <a:xfrm>
-            <a:off x="1602548" y="1896669"/>
-            <a:ext cx="4988332" cy="1867611"/>
+            <a:off x="1635989" y="1809685"/>
+            <a:ext cx="4988332" cy="2339865"/>
           </a:xfrm>
           <a:prstGeom prst="rect">
             <a:avLst/>
           </a:prstGeom>
           <a:solidFill>
-            <a:srgbClr val="00703C"/>
+            <a:srgbClr val="1D70B8"/>
           </a:solidFill>
           <a:ln>
             <a:noFill/>
@@ -15232,20 +15962,20 @@
       </p:sp>
       <p:sp>
         <p:nvSpPr>
-          <p:cNvPr id="3" name="Rectangle 2">
-            <a:extLst>
-              <a:ext uri="{FF2B5EF4-FFF2-40B4-BE49-F238E27FC236}">
-                <a16:creationId xmlns:a16="http://schemas.microsoft.com/office/drawing/2014/main" id="{B0039893-FE8E-44EC-88B7-F1D4A0B27041}"/>
-              </a:ext>
-            </a:extLst>
-          </p:cNvPr>
-          <p:cNvSpPr/>
-          <p:nvPr/>
-        </p:nvSpPr>
-        <p:spPr>
-          <a:xfrm>
-            <a:off x="2773324" y="2160205"/>
-            <a:ext cx="2713661" cy="299415"/>
+          <p:cNvPr id="15" name="Rectangle 14">
+            <a:extLst>
+              <a:ext uri="{FF2B5EF4-FFF2-40B4-BE49-F238E27FC236}">
+                <a16:creationId xmlns:a16="http://schemas.microsoft.com/office/drawing/2014/main" id="{1CC18803-36A8-43A5-BF61-D72C47182B23}"/>
+              </a:ext>
+            </a:extLst>
+          </p:cNvPr>
+          <p:cNvSpPr/>
+          <p:nvPr/>
+        </p:nvSpPr>
+        <p:spPr>
+          <a:xfrm>
+            <a:off x="1808046" y="3803183"/>
+            <a:ext cx="782955" cy="174666"/>
           </a:xfrm>
           <a:prstGeom prst="rect">
             <a:avLst/>
@@ -15286,20 +16016,20 @@
       </p:sp>
       <p:sp>
         <p:nvSpPr>
-          <p:cNvPr id="27" name="Rectangle 26">
-            <a:extLst>
-              <a:ext uri="{FF2B5EF4-FFF2-40B4-BE49-F238E27FC236}">
-                <a16:creationId xmlns:a16="http://schemas.microsoft.com/office/drawing/2014/main" id="{E767A334-FBCA-4898-B80D-66CC9701819A}"/>
-              </a:ext>
-            </a:extLst>
-          </p:cNvPr>
-          <p:cNvSpPr/>
-          <p:nvPr/>
-        </p:nvSpPr>
-        <p:spPr>
-          <a:xfrm>
-            <a:off x="2416786" y="2813359"/>
-            <a:ext cx="3487092" cy="165840"/>
+          <p:cNvPr id="31" name="Rectangle 30">
+            <a:extLst>
+              <a:ext uri="{FF2B5EF4-FFF2-40B4-BE49-F238E27FC236}">
+                <a16:creationId xmlns:a16="http://schemas.microsoft.com/office/drawing/2014/main" id="{6EC6A495-0EED-4579-921F-75231622A796}"/>
+              </a:ext>
+            </a:extLst>
+          </p:cNvPr>
+          <p:cNvSpPr/>
+          <p:nvPr/>
+        </p:nvSpPr>
+        <p:spPr>
+          <a:xfrm>
+            <a:off x="1808046" y="2453713"/>
+            <a:ext cx="3886190" cy="93650"/>
           </a:xfrm>
           <a:prstGeom prst="rect">
             <a:avLst/>
@@ -15340,20 +16070,20 @@
       </p:sp>
       <p:sp>
         <p:nvSpPr>
-          <p:cNvPr id="8" name="Rectangle 7">
-            <a:extLst>
-              <a:ext uri="{FF2B5EF4-FFF2-40B4-BE49-F238E27FC236}">
-                <a16:creationId xmlns:a16="http://schemas.microsoft.com/office/drawing/2014/main" id="{3065B265-AD4C-4293-BAEA-7C3395DDE017}"/>
-              </a:ext>
-            </a:extLst>
-          </p:cNvPr>
-          <p:cNvSpPr/>
-          <p:nvPr/>
-        </p:nvSpPr>
-        <p:spPr>
-          <a:xfrm>
-            <a:off x="2416786" y="3177131"/>
-            <a:ext cx="3487092" cy="165840"/>
+          <p:cNvPr id="34" name="Rectangle 33">
+            <a:extLst>
+              <a:ext uri="{FF2B5EF4-FFF2-40B4-BE49-F238E27FC236}">
+                <a16:creationId xmlns:a16="http://schemas.microsoft.com/office/drawing/2014/main" id="{9BD28580-2F98-468E-8B03-AC89BA76F2EA}"/>
+              </a:ext>
+            </a:extLst>
+          </p:cNvPr>
+          <p:cNvSpPr/>
+          <p:nvPr/>
+        </p:nvSpPr>
+        <p:spPr>
+          <a:xfrm>
+            <a:off x="1808046" y="2595252"/>
+            <a:ext cx="2521257" cy="90416"/>
           </a:xfrm>
           <a:prstGeom prst="rect">
             <a:avLst/>
@@ -15394,28 +16124,27 @@
       </p:sp>
       <p:sp>
         <p:nvSpPr>
-          <p:cNvPr id="11" name="Rectangle 10">
-            <a:extLst>
-              <a:ext uri="{FF2B5EF4-FFF2-40B4-BE49-F238E27FC236}">
-                <a16:creationId xmlns:a16="http://schemas.microsoft.com/office/drawing/2014/main" id="{E8C9B28D-A900-4A9B-9A45-A47B5750784E}"/>
-              </a:ext>
-            </a:extLst>
-          </p:cNvPr>
-          <p:cNvSpPr/>
-          <p:nvPr/>
-        </p:nvSpPr>
-        <p:spPr>
-          <a:xfrm>
-            <a:off x="1600796" y="4158827"/>
+          <p:cNvPr id="35" name="Rectangle 34">
+            <a:extLst>
+              <a:ext uri="{FF2B5EF4-FFF2-40B4-BE49-F238E27FC236}">
+                <a16:creationId xmlns:a16="http://schemas.microsoft.com/office/drawing/2014/main" id="{8617D7B7-4358-4C1C-AC28-E1E190D4508E}"/>
+              </a:ext>
+            </a:extLst>
+          </p:cNvPr>
+          <p:cNvSpPr/>
+          <p:nvPr/>
+        </p:nvSpPr>
+        <p:spPr>
+          <a:xfrm>
+            <a:off x="1808047" y="2852065"/>
             <a:ext cx="1739265" cy="174666"/>
           </a:xfrm>
           <a:prstGeom prst="rect">
             <a:avLst/>
           </a:prstGeom>
           <a:solidFill>
-            <a:schemeClr val="tx1">
-              <a:lumMod val="75000"/>
-              <a:lumOff val="25000"/>
+            <a:schemeClr val="bg1">
+              <a:lumMod val="95000"/>
             </a:schemeClr>
           </a:solidFill>
           <a:ln>
@@ -15449,28 +16178,27 @@
       </p:sp>
       <p:sp>
         <p:nvSpPr>
-          <p:cNvPr id="17" name="Rectangle 16">
-            <a:extLst>
-              <a:ext uri="{FF2B5EF4-FFF2-40B4-BE49-F238E27FC236}">
-                <a16:creationId xmlns:a16="http://schemas.microsoft.com/office/drawing/2014/main" id="{E3062145-0C89-4D35-9760-55CDC9A0BEE5}"/>
-              </a:ext>
-            </a:extLst>
-          </p:cNvPr>
-          <p:cNvSpPr/>
-          <p:nvPr/>
-        </p:nvSpPr>
-        <p:spPr>
-          <a:xfrm>
-            <a:off x="1600795" y="4435210"/>
+          <p:cNvPr id="36" name="Rectangle 35">
+            <a:extLst>
+              <a:ext uri="{FF2B5EF4-FFF2-40B4-BE49-F238E27FC236}">
+                <a16:creationId xmlns:a16="http://schemas.microsoft.com/office/drawing/2014/main" id="{AE979719-4DA0-48B8-B634-1741B3B23FC6}"/>
+              </a:ext>
+            </a:extLst>
+          </p:cNvPr>
+          <p:cNvSpPr/>
+          <p:nvPr/>
+        </p:nvSpPr>
+        <p:spPr>
+          <a:xfrm>
+            <a:off x="1808046" y="3128448"/>
             <a:ext cx="3886190" cy="93650"/>
           </a:xfrm>
           <a:prstGeom prst="rect">
             <a:avLst/>
           </a:prstGeom>
           <a:solidFill>
-            <a:schemeClr val="tx1">
-              <a:lumMod val="75000"/>
-              <a:lumOff val="25000"/>
+            <a:schemeClr val="bg1">
+              <a:lumMod val="95000"/>
             </a:schemeClr>
           </a:solidFill>
           <a:ln>
@@ -15504,28 +16232,27 @@
       </p:sp>
       <p:sp>
         <p:nvSpPr>
-          <p:cNvPr id="22" name="Rectangle 21">
-            <a:extLst>
-              <a:ext uri="{FF2B5EF4-FFF2-40B4-BE49-F238E27FC236}">
-                <a16:creationId xmlns:a16="http://schemas.microsoft.com/office/drawing/2014/main" id="{D684B50F-71A3-4E42-910C-217FDA23FACE}"/>
-              </a:ext>
-            </a:extLst>
-          </p:cNvPr>
-          <p:cNvSpPr/>
-          <p:nvPr/>
-        </p:nvSpPr>
-        <p:spPr>
-          <a:xfrm>
-            <a:off x="1600795" y="4578135"/>
+          <p:cNvPr id="38" name="Rectangle 37">
+            <a:extLst>
+              <a:ext uri="{FF2B5EF4-FFF2-40B4-BE49-F238E27FC236}">
+                <a16:creationId xmlns:a16="http://schemas.microsoft.com/office/drawing/2014/main" id="{6B8B8C4D-6274-4498-A1BC-4C7C0F382035}"/>
+              </a:ext>
+            </a:extLst>
+          </p:cNvPr>
+          <p:cNvSpPr/>
+          <p:nvPr/>
+        </p:nvSpPr>
+        <p:spPr>
+          <a:xfrm>
+            <a:off x="1808046" y="3271373"/>
             <a:ext cx="3886190" cy="93650"/>
           </a:xfrm>
           <a:prstGeom prst="rect">
             <a:avLst/>
           </a:prstGeom>
           <a:solidFill>
-            <a:schemeClr val="tx1">
-              <a:lumMod val="75000"/>
-              <a:lumOff val="25000"/>
+            <a:schemeClr val="bg1">
+              <a:lumMod val="95000"/>
             </a:schemeClr>
           </a:solidFill>
           <a:ln>
@@ -15559,28 +16286,27 @@
       </p:sp>
       <p:sp>
         <p:nvSpPr>
-          <p:cNvPr id="26" name="Rectangle 25">
-            <a:extLst>
-              <a:ext uri="{FF2B5EF4-FFF2-40B4-BE49-F238E27FC236}">
-                <a16:creationId xmlns:a16="http://schemas.microsoft.com/office/drawing/2014/main" id="{C125D29A-D0A5-4887-A07B-0010B811B482}"/>
-              </a:ext>
-            </a:extLst>
-          </p:cNvPr>
-          <p:cNvSpPr/>
-          <p:nvPr/>
-        </p:nvSpPr>
-        <p:spPr>
-          <a:xfrm>
-            <a:off x="1600795" y="4719674"/>
+          <p:cNvPr id="58" name="Rectangle 57">
+            <a:extLst>
+              <a:ext uri="{FF2B5EF4-FFF2-40B4-BE49-F238E27FC236}">
+                <a16:creationId xmlns:a16="http://schemas.microsoft.com/office/drawing/2014/main" id="{C95AE2E7-20DB-4F59-89DB-1C416AF340B1}"/>
+              </a:ext>
+            </a:extLst>
+          </p:cNvPr>
+          <p:cNvSpPr/>
+          <p:nvPr/>
+        </p:nvSpPr>
+        <p:spPr>
+          <a:xfrm>
+            <a:off x="1808046" y="3412912"/>
             <a:ext cx="2521257" cy="90416"/>
           </a:xfrm>
           <a:prstGeom prst="rect">
             <a:avLst/>
           </a:prstGeom>
           <a:solidFill>
-            <a:schemeClr val="tx1">
-              <a:lumMod val="75000"/>
-              <a:lumOff val="25000"/>
+            <a:schemeClr val="bg1">
+              <a:lumMod val="95000"/>
             </a:schemeClr>
           </a:solidFill>
           <a:ln>
@@ -15615,7 +16341,7 @@
     </p:spTree>
     <p:extLst>
       <p:ext uri="{BB962C8B-B14F-4D97-AF65-F5344CB8AC3E}">
-        <p14:creationId xmlns:p14="http://schemas.microsoft.com/office/powerpoint/2010/main" val="1540377742"/>
+        <p14:creationId xmlns:p14="http://schemas.microsoft.com/office/powerpoint/2010/main" val="245279502"/>
       </p:ext>
     </p:extLst>
   </p:cSld>
@@ -16131,20 +16857,224 @@
       </p:sp>
       <p:sp>
         <p:nvSpPr>
-          <p:cNvPr id="17" name="Rectangle 16">
-            <a:extLst>
-              <a:ext uri="{FF2B5EF4-FFF2-40B4-BE49-F238E27FC236}">
-                <a16:creationId xmlns:a16="http://schemas.microsoft.com/office/drawing/2014/main" id="{C5F3C501-1C4D-45EA-A0FC-5CFFB55BABAD}"/>
-              </a:ext>
-            </a:extLst>
-          </p:cNvPr>
-          <p:cNvSpPr/>
-          <p:nvPr/>
-        </p:nvSpPr>
-        <p:spPr>
-          <a:xfrm>
-            <a:off x="1728799" y="2674620"/>
-            <a:ext cx="4194810" cy="377190"/>
+          <p:cNvPr id="33" name="TextBox 32">
+            <a:extLst>
+              <a:ext uri="{FF2B5EF4-FFF2-40B4-BE49-F238E27FC236}">
+                <a16:creationId xmlns:a16="http://schemas.microsoft.com/office/drawing/2014/main" id="{672679EF-8D09-496C-BD43-D08A1A91D20B}"/>
+              </a:ext>
+            </a:extLst>
+          </p:cNvPr>
+          <p:cNvSpPr txBox="1"/>
+          <p:nvPr/>
+        </p:nvSpPr>
+        <p:spPr>
+          <a:xfrm>
+            <a:off x="8217744" y="480794"/>
+            <a:ext cx="3286431" cy="1200329"/>
+          </a:xfrm>
+          <a:prstGeom prst="rect">
+            <a:avLst/>
+          </a:prstGeom>
+          <a:noFill/>
+        </p:spPr>
+        <p:txBody>
+          <a:bodyPr wrap="square" rtlCol="0">
+            <a:spAutoFit/>
+          </a:bodyPr>
+          <a:lstStyle/>
+          <a:p>
+            <a:r>
+              <a:rPr lang="en-GB" b="1" dirty="0"/>
+              <a:t>Confirmation Page</a:t>
+            </a:r>
+          </a:p>
+          <a:p>
+            <a:endParaRPr lang="en-GB" dirty="0"/>
+          </a:p>
+          <a:p>
+            <a:r>
+              <a:rPr lang="en-GB" dirty="0"/>
+              <a:t>Confirmation page with no data input</a:t>
+            </a:r>
+          </a:p>
+        </p:txBody>
+      </p:sp>
+      <p:sp>
+        <p:nvSpPr>
+          <p:cNvPr id="2" name="Rectangle 1">
+            <a:extLst>
+              <a:ext uri="{FF2B5EF4-FFF2-40B4-BE49-F238E27FC236}">
+                <a16:creationId xmlns:a16="http://schemas.microsoft.com/office/drawing/2014/main" id="{6034B77A-8DAE-4933-9F3D-EBB131607722}"/>
+              </a:ext>
+            </a:extLst>
+          </p:cNvPr>
+          <p:cNvSpPr/>
+          <p:nvPr/>
+        </p:nvSpPr>
+        <p:spPr>
+          <a:xfrm>
+            <a:off x="1602548" y="1896669"/>
+            <a:ext cx="4988332" cy="1867611"/>
+          </a:xfrm>
+          <a:prstGeom prst="rect">
+            <a:avLst/>
+          </a:prstGeom>
+          <a:solidFill>
+            <a:srgbClr val="00703C"/>
+          </a:solidFill>
+          <a:ln>
+            <a:noFill/>
+          </a:ln>
+        </p:spPr>
+        <p:style>
+          <a:lnRef idx="2">
+            <a:schemeClr val="accent1">
+              <a:shade val="50000"/>
+            </a:schemeClr>
+          </a:lnRef>
+          <a:fillRef idx="1">
+            <a:schemeClr val="accent1"/>
+          </a:fillRef>
+          <a:effectRef idx="0">
+            <a:schemeClr val="accent1"/>
+          </a:effectRef>
+          <a:fontRef idx="minor">
+            <a:schemeClr val="lt1"/>
+          </a:fontRef>
+        </p:style>
+        <p:txBody>
+          <a:bodyPr rtlCol="0" anchor="ctr"/>
+          <a:lstStyle/>
+          <a:p>
+            <a:pPr algn="ctr"/>
+            <a:endParaRPr lang="en-GB"/>
+          </a:p>
+        </p:txBody>
+      </p:sp>
+      <p:sp>
+        <p:nvSpPr>
+          <p:cNvPr id="27" name="Rectangle 26">
+            <a:extLst>
+              <a:ext uri="{FF2B5EF4-FFF2-40B4-BE49-F238E27FC236}">
+                <a16:creationId xmlns:a16="http://schemas.microsoft.com/office/drawing/2014/main" id="{E767A334-FBCA-4898-B80D-66CC9701819A}"/>
+              </a:ext>
+            </a:extLst>
+          </p:cNvPr>
+          <p:cNvSpPr/>
+          <p:nvPr/>
+        </p:nvSpPr>
+        <p:spPr>
+          <a:xfrm>
+            <a:off x="2416786" y="2813359"/>
+            <a:ext cx="3487092" cy="165840"/>
+          </a:xfrm>
+          <a:prstGeom prst="rect">
+            <a:avLst/>
+          </a:prstGeom>
+          <a:solidFill>
+            <a:schemeClr val="bg1">
+              <a:lumMod val="95000"/>
+            </a:schemeClr>
+          </a:solidFill>
+          <a:ln>
+            <a:noFill/>
+          </a:ln>
+        </p:spPr>
+        <p:style>
+          <a:lnRef idx="2">
+            <a:schemeClr val="accent1">
+              <a:shade val="50000"/>
+            </a:schemeClr>
+          </a:lnRef>
+          <a:fillRef idx="1">
+            <a:schemeClr val="accent1"/>
+          </a:fillRef>
+          <a:effectRef idx="0">
+            <a:schemeClr val="accent1"/>
+          </a:effectRef>
+          <a:fontRef idx="minor">
+            <a:schemeClr val="lt1"/>
+          </a:fontRef>
+        </p:style>
+        <p:txBody>
+          <a:bodyPr rtlCol="0" anchor="ctr"/>
+          <a:lstStyle/>
+          <a:p>
+            <a:pPr algn="ctr"/>
+            <a:endParaRPr lang="en-GB"/>
+          </a:p>
+        </p:txBody>
+      </p:sp>
+      <p:sp>
+        <p:nvSpPr>
+          <p:cNvPr id="8" name="Rectangle 7">
+            <a:extLst>
+              <a:ext uri="{FF2B5EF4-FFF2-40B4-BE49-F238E27FC236}">
+                <a16:creationId xmlns:a16="http://schemas.microsoft.com/office/drawing/2014/main" id="{3065B265-AD4C-4293-BAEA-7C3395DDE017}"/>
+              </a:ext>
+            </a:extLst>
+          </p:cNvPr>
+          <p:cNvSpPr/>
+          <p:nvPr/>
+        </p:nvSpPr>
+        <p:spPr>
+          <a:xfrm>
+            <a:off x="2416786" y="3177131"/>
+            <a:ext cx="3487092" cy="165840"/>
+          </a:xfrm>
+          <a:prstGeom prst="rect">
+            <a:avLst/>
+          </a:prstGeom>
+          <a:solidFill>
+            <a:schemeClr val="bg1">
+              <a:lumMod val="95000"/>
+            </a:schemeClr>
+          </a:solidFill>
+          <a:ln>
+            <a:noFill/>
+          </a:ln>
+        </p:spPr>
+        <p:style>
+          <a:lnRef idx="2">
+            <a:schemeClr val="accent1">
+              <a:shade val="50000"/>
+            </a:schemeClr>
+          </a:lnRef>
+          <a:fillRef idx="1">
+            <a:schemeClr val="accent1"/>
+          </a:fillRef>
+          <a:effectRef idx="0">
+            <a:schemeClr val="accent1"/>
+          </a:effectRef>
+          <a:fontRef idx="minor">
+            <a:schemeClr val="lt1"/>
+          </a:fontRef>
+        </p:style>
+        <p:txBody>
+          <a:bodyPr rtlCol="0" anchor="ctr"/>
+          <a:lstStyle/>
+          <a:p>
+            <a:pPr algn="ctr"/>
+            <a:endParaRPr lang="en-GB"/>
+          </a:p>
+        </p:txBody>
+      </p:sp>
+      <p:sp>
+        <p:nvSpPr>
+          <p:cNvPr id="11" name="Rectangle 10">
+            <a:extLst>
+              <a:ext uri="{FF2B5EF4-FFF2-40B4-BE49-F238E27FC236}">
+                <a16:creationId xmlns:a16="http://schemas.microsoft.com/office/drawing/2014/main" id="{E8C9B28D-A900-4A9B-9A45-A47B5750784E}"/>
+              </a:ext>
+            </a:extLst>
+          </p:cNvPr>
+          <p:cNvSpPr/>
+          <p:nvPr/>
+        </p:nvSpPr>
+        <p:spPr>
+          <a:xfrm>
+            <a:off x="1600796" y="4158827"/>
+            <a:ext cx="1739265" cy="174666"/>
           </a:xfrm>
           <a:prstGeom prst="rect">
             <a:avLst/>
@@ -16186,20 +17116,20 @@
       </p:sp>
       <p:sp>
         <p:nvSpPr>
-          <p:cNvPr id="26" name="Rectangle 25">
-            <a:extLst>
-              <a:ext uri="{FF2B5EF4-FFF2-40B4-BE49-F238E27FC236}">
-                <a16:creationId xmlns:a16="http://schemas.microsoft.com/office/drawing/2014/main" id="{B77DFA33-EFCF-4D60-B1B2-1DAF5DC71B61}"/>
-              </a:ext>
-            </a:extLst>
-          </p:cNvPr>
-          <p:cNvSpPr/>
-          <p:nvPr/>
-        </p:nvSpPr>
-        <p:spPr>
-          <a:xfrm>
-            <a:off x="1728799" y="3364686"/>
-            <a:ext cx="1739265" cy="174666"/>
+          <p:cNvPr id="17" name="Rectangle 16">
+            <a:extLst>
+              <a:ext uri="{FF2B5EF4-FFF2-40B4-BE49-F238E27FC236}">
+                <a16:creationId xmlns:a16="http://schemas.microsoft.com/office/drawing/2014/main" id="{E3062145-0C89-4D35-9760-55CDC9A0BEE5}"/>
+              </a:ext>
+            </a:extLst>
+          </p:cNvPr>
+          <p:cNvSpPr/>
+          <p:nvPr/>
+        </p:nvSpPr>
+        <p:spPr>
+          <a:xfrm>
+            <a:off x="1600795" y="4435210"/>
+            <a:ext cx="3886190" cy="93650"/>
           </a:xfrm>
           <a:prstGeom prst="rect">
             <a:avLst/>
@@ -16241,317 +17171,20 @@
       </p:sp>
       <p:sp>
         <p:nvSpPr>
-          <p:cNvPr id="32" name="Rectangle 31">
-            <a:extLst>
-              <a:ext uri="{FF2B5EF4-FFF2-40B4-BE49-F238E27FC236}">
-                <a16:creationId xmlns:a16="http://schemas.microsoft.com/office/drawing/2014/main" id="{EE828F73-1150-4D4F-91B2-C50EC60E162D}"/>
-              </a:ext>
-            </a:extLst>
-          </p:cNvPr>
-          <p:cNvSpPr/>
-          <p:nvPr/>
-        </p:nvSpPr>
-        <p:spPr>
-          <a:xfrm>
-            <a:off x="1728799" y="4368758"/>
-            <a:ext cx="782955" cy="174666"/>
-          </a:xfrm>
-          <a:prstGeom prst="rect">
-            <a:avLst/>
-          </a:prstGeom>
-          <a:solidFill>
-            <a:srgbClr val="005A30">
-              <a:alpha val="86667"/>
-            </a:srgbClr>
-          </a:solidFill>
-          <a:ln>
-            <a:noFill/>
-          </a:ln>
-        </p:spPr>
-        <p:style>
-          <a:lnRef idx="2">
-            <a:schemeClr val="accent1">
-              <a:shade val="50000"/>
-            </a:schemeClr>
-          </a:lnRef>
-          <a:fillRef idx="1">
-            <a:schemeClr val="accent1"/>
-          </a:fillRef>
-          <a:effectRef idx="0">
-            <a:schemeClr val="accent1"/>
-          </a:effectRef>
-          <a:fontRef idx="minor">
-            <a:schemeClr val="lt1"/>
-          </a:fontRef>
-        </p:style>
-        <p:txBody>
-          <a:bodyPr rtlCol="0" anchor="ctr"/>
-          <a:lstStyle/>
-          <a:p>
-            <a:pPr algn="ctr"/>
-            <a:endParaRPr lang="en-GB"/>
-          </a:p>
-        </p:txBody>
-      </p:sp>
-      <p:sp>
-        <p:nvSpPr>
-          <p:cNvPr id="33" name="TextBox 32">
-            <a:extLst>
-              <a:ext uri="{FF2B5EF4-FFF2-40B4-BE49-F238E27FC236}">
-                <a16:creationId xmlns:a16="http://schemas.microsoft.com/office/drawing/2014/main" id="{672679EF-8D09-496C-BD43-D08A1A91D20B}"/>
-              </a:ext>
-            </a:extLst>
-          </p:cNvPr>
-          <p:cNvSpPr txBox="1"/>
-          <p:nvPr/>
-        </p:nvSpPr>
-        <p:spPr>
-          <a:xfrm>
-            <a:off x="8217744" y="480794"/>
-            <a:ext cx="3286431" cy="1200329"/>
-          </a:xfrm>
-          <a:prstGeom prst="rect">
-            <a:avLst/>
-          </a:prstGeom>
-          <a:noFill/>
-        </p:spPr>
-        <p:txBody>
-          <a:bodyPr wrap="square" rtlCol="0">
-            <a:spAutoFit/>
-          </a:bodyPr>
-          <a:lstStyle/>
-          <a:p>
-            <a:r>
-              <a:rPr lang="en-GB" b="1" dirty="0"/>
-              <a:t>Question Page with Errors</a:t>
-            </a:r>
-          </a:p>
-          <a:p>
-            <a:endParaRPr lang="en-GB" dirty="0"/>
-          </a:p>
-          <a:p>
-            <a:r>
-              <a:rPr lang="en-GB" dirty="0"/>
-              <a:t>Text fields question and answer page</a:t>
-            </a:r>
-          </a:p>
-        </p:txBody>
-      </p:sp>
-      <p:sp>
-        <p:nvSpPr>
-          <p:cNvPr id="2" name="Rectangle 1">
-            <a:extLst>
-              <a:ext uri="{FF2B5EF4-FFF2-40B4-BE49-F238E27FC236}">
-                <a16:creationId xmlns:a16="http://schemas.microsoft.com/office/drawing/2014/main" id="{4B6D92B4-2BF3-4531-B6C6-F501526D0F76}"/>
-              </a:ext>
-            </a:extLst>
-          </p:cNvPr>
-          <p:cNvSpPr/>
-          <p:nvPr/>
-        </p:nvSpPr>
-        <p:spPr>
-          <a:xfrm>
-            <a:off x="1728799" y="3889391"/>
-            <a:ext cx="3309733" cy="310467"/>
-          </a:xfrm>
-          <a:prstGeom prst="rect">
-            <a:avLst/>
-          </a:prstGeom>
-          <a:noFill/>
-          <a:ln w="38100">
-            <a:solidFill>
-              <a:srgbClr val="CC0000"/>
-            </a:solidFill>
-          </a:ln>
-        </p:spPr>
-        <p:style>
-          <a:lnRef idx="2">
-            <a:schemeClr val="accent1">
-              <a:shade val="50000"/>
-            </a:schemeClr>
-          </a:lnRef>
-          <a:fillRef idx="1">
-            <a:schemeClr val="accent1"/>
-          </a:fillRef>
-          <a:effectRef idx="0">
-            <a:schemeClr val="accent1"/>
-          </a:effectRef>
-          <a:fontRef idx="minor">
-            <a:schemeClr val="lt1"/>
-          </a:fontRef>
-        </p:style>
-        <p:txBody>
-          <a:bodyPr rtlCol="0" anchor="ctr"/>
-          <a:lstStyle/>
-          <a:p>
-            <a:pPr algn="ctr"/>
-            <a:endParaRPr lang="en-GB"/>
-          </a:p>
-        </p:txBody>
-      </p:sp>
-      <p:cxnSp>
-        <p:nvCxnSpPr>
-          <p:cNvPr id="8" name="Straight Connector 7">
-            <a:extLst>
-              <a:ext uri="{FF2B5EF4-FFF2-40B4-BE49-F238E27FC236}">
-                <a16:creationId xmlns:a16="http://schemas.microsoft.com/office/drawing/2014/main" id="{1AFF13A1-7F00-424E-96D9-87DB6164A8F5}"/>
-              </a:ext>
-            </a:extLst>
-          </p:cNvPr>
-          <p:cNvCxnSpPr>
-            <a:cxnSpLocks/>
-          </p:cNvCxnSpPr>
-          <p:nvPr/>
-        </p:nvCxnSpPr>
-        <p:spPr>
-          <a:xfrm>
-            <a:off x="1585913" y="3364686"/>
-            <a:ext cx="0" cy="859155"/>
-          </a:xfrm>
-          <a:prstGeom prst="line">
-            <a:avLst/>
-          </a:prstGeom>
-          <a:ln w="38100">
-            <a:solidFill>
-              <a:srgbClr val="CC0000"/>
-            </a:solidFill>
-          </a:ln>
-        </p:spPr>
-        <p:style>
-          <a:lnRef idx="1">
-            <a:schemeClr val="accent1"/>
-          </a:lnRef>
-          <a:fillRef idx="0">
-            <a:schemeClr val="accent1"/>
-          </a:fillRef>
-          <a:effectRef idx="0">
-            <a:schemeClr val="accent1"/>
-          </a:effectRef>
-          <a:fontRef idx="minor">
-            <a:schemeClr val="tx1"/>
-          </a:fontRef>
-        </p:style>
-      </p:cxnSp>
-      <p:sp>
-        <p:nvSpPr>
-          <p:cNvPr id="11" name="Rectangle 10">
-            <a:extLst>
-              <a:ext uri="{FF2B5EF4-FFF2-40B4-BE49-F238E27FC236}">
-                <a16:creationId xmlns:a16="http://schemas.microsoft.com/office/drawing/2014/main" id="{4516096B-3485-46A5-8051-9BC938E89AF5}"/>
-              </a:ext>
-            </a:extLst>
-          </p:cNvPr>
-          <p:cNvSpPr/>
-          <p:nvPr/>
-        </p:nvSpPr>
-        <p:spPr>
-          <a:xfrm>
-            <a:off x="1728799" y="3619644"/>
-            <a:ext cx="1739265" cy="174666"/>
-          </a:xfrm>
-          <a:prstGeom prst="rect">
-            <a:avLst/>
-          </a:prstGeom>
-          <a:solidFill>
-            <a:srgbClr val="CC0000"/>
-          </a:solidFill>
-          <a:ln>
-            <a:noFill/>
-          </a:ln>
-        </p:spPr>
-        <p:style>
-          <a:lnRef idx="2">
-            <a:schemeClr val="accent1">
-              <a:shade val="50000"/>
-            </a:schemeClr>
-          </a:lnRef>
-          <a:fillRef idx="1">
-            <a:schemeClr val="accent1"/>
-          </a:fillRef>
-          <a:effectRef idx="0">
-            <a:schemeClr val="accent1"/>
-          </a:effectRef>
-          <a:fontRef idx="minor">
-            <a:schemeClr val="lt1"/>
-          </a:fontRef>
-        </p:style>
-        <p:txBody>
-          <a:bodyPr rtlCol="0" anchor="ctr"/>
-          <a:lstStyle/>
-          <a:p>
-            <a:pPr algn="ctr"/>
-            <a:endParaRPr lang="en-GB"/>
-          </a:p>
-        </p:txBody>
-      </p:sp>
-      <p:sp>
-        <p:nvSpPr>
           <p:cNvPr id="22" name="Rectangle 21">
             <a:extLst>
               <a:ext uri="{FF2B5EF4-FFF2-40B4-BE49-F238E27FC236}">
-                <a16:creationId xmlns:a16="http://schemas.microsoft.com/office/drawing/2014/main" id="{8EC4A70A-FF2B-4C62-9919-B37BF632206F}"/>
-              </a:ext>
-            </a:extLst>
-          </p:cNvPr>
-          <p:cNvSpPr/>
-          <p:nvPr/>
-        </p:nvSpPr>
-        <p:spPr>
-          <a:xfrm>
-            <a:off x="1728799" y="1780169"/>
-            <a:ext cx="4194810" cy="713300"/>
-          </a:xfrm>
-          <a:prstGeom prst="rect">
-            <a:avLst/>
-          </a:prstGeom>
-          <a:noFill/>
-          <a:ln w="38100">
-            <a:solidFill>
-              <a:srgbClr val="CC0000"/>
-            </a:solidFill>
-          </a:ln>
-        </p:spPr>
-        <p:style>
-          <a:lnRef idx="2">
-            <a:schemeClr val="accent1">
-              <a:shade val="50000"/>
-            </a:schemeClr>
-          </a:lnRef>
-          <a:fillRef idx="1">
-            <a:schemeClr val="accent1"/>
-          </a:fillRef>
-          <a:effectRef idx="0">
-            <a:schemeClr val="accent1"/>
-          </a:effectRef>
-          <a:fontRef idx="minor">
-            <a:schemeClr val="lt1"/>
-          </a:fontRef>
-        </p:style>
-        <p:txBody>
-          <a:bodyPr rtlCol="0" anchor="ctr"/>
-          <a:lstStyle/>
-          <a:p>
-            <a:pPr algn="ctr"/>
-            <a:endParaRPr lang="en-GB"/>
-          </a:p>
-        </p:txBody>
-      </p:sp>
-      <p:sp>
-        <p:nvSpPr>
-          <p:cNvPr id="23" name="Rectangle 22">
-            <a:extLst>
-              <a:ext uri="{FF2B5EF4-FFF2-40B4-BE49-F238E27FC236}">
-                <a16:creationId xmlns:a16="http://schemas.microsoft.com/office/drawing/2014/main" id="{B269DB84-6882-4B96-B7BF-3A75CF166F1B}"/>
-              </a:ext>
-            </a:extLst>
-          </p:cNvPr>
-          <p:cNvSpPr/>
-          <p:nvPr/>
-        </p:nvSpPr>
-        <p:spPr>
-          <a:xfrm>
-            <a:off x="1828903" y="1923520"/>
-            <a:ext cx="1477698" cy="89887"/>
+                <a16:creationId xmlns:a16="http://schemas.microsoft.com/office/drawing/2014/main" id="{D684B50F-71A3-4E42-910C-217FDA23FACE}"/>
+              </a:ext>
+            </a:extLst>
+          </p:cNvPr>
+          <p:cNvSpPr/>
+          <p:nvPr/>
+        </p:nvSpPr>
+        <p:spPr>
+          <a:xfrm>
+            <a:off x="1600795" y="4578135"/>
+            <a:ext cx="3886190" cy="93650"/>
           </a:xfrm>
           <a:prstGeom prst="rect">
             <a:avLst/>
@@ -16593,26 +17226,29 @@
       </p:sp>
       <p:sp>
         <p:nvSpPr>
-          <p:cNvPr id="24" name="Rectangle 23">
-            <a:extLst>
-              <a:ext uri="{FF2B5EF4-FFF2-40B4-BE49-F238E27FC236}">
-                <a16:creationId xmlns:a16="http://schemas.microsoft.com/office/drawing/2014/main" id="{961C44BF-A861-4663-94FE-2F18450CFD42}"/>
-              </a:ext>
-            </a:extLst>
-          </p:cNvPr>
-          <p:cNvSpPr/>
-          <p:nvPr/>
-        </p:nvSpPr>
-        <p:spPr>
-          <a:xfrm>
-            <a:off x="1828902" y="2086809"/>
-            <a:ext cx="2457347" cy="89887"/>
+          <p:cNvPr id="26" name="Rectangle 25">
+            <a:extLst>
+              <a:ext uri="{FF2B5EF4-FFF2-40B4-BE49-F238E27FC236}">
+                <a16:creationId xmlns:a16="http://schemas.microsoft.com/office/drawing/2014/main" id="{C125D29A-D0A5-4887-A07B-0010B811B482}"/>
+              </a:ext>
+            </a:extLst>
+          </p:cNvPr>
+          <p:cNvSpPr/>
+          <p:nvPr/>
+        </p:nvSpPr>
+        <p:spPr>
+          <a:xfrm>
+            <a:off x="1600795" y="4719674"/>
+            <a:ext cx="2521257" cy="90416"/>
           </a:xfrm>
           <a:prstGeom prst="rect">
             <a:avLst/>
           </a:prstGeom>
           <a:solidFill>
-            <a:srgbClr val="CC0000"/>
+            <a:schemeClr val="tx1">
+              <a:lumMod val="75000"/>
+              <a:lumOff val="25000"/>
+            </a:schemeClr>
           </a:solidFill>
           <a:ln>
             <a:noFill/>
@@ -16643,62 +17279,10 @@
           </a:p>
         </p:txBody>
       </p:sp>
-      <p:sp>
-        <p:nvSpPr>
-          <p:cNvPr id="30" name="Rectangle 29">
-            <a:extLst>
-              <a:ext uri="{FF2B5EF4-FFF2-40B4-BE49-F238E27FC236}">
-                <a16:creationId xmlns:a16="http://schemas.microsoft.com/office/drawing/2014/main" id="{B7F9BEBB-90BF-4398-8E46-8A2D230AA567}"/>
-              </a:ext>
-            </a:extLst>
-          </p:cNvPr>
-          <p:cNvSpPr/>
-          <p:nvPr/>
-        </p:nvSpPr>
-        <p:spPr>
-          <a:xfrm>
-            <a:off x="1828901" y="2243246"/>
-            <a:ext cx="2457347" cy="89887"/>
-          </a:xfrm>
-          <a:prstGeom prst="rect">
-            <a:avLst/>
-          </a:prstGeom>
-          <a:solidFill>
-            <a:srgbClr val="CC0000"/>
-          </a:solidFill>
-          <a:ln>
-            <a:noFill/>
-          </a:ln>
-        </p:spPr>
-        <p:style>
-          <a:lnRef idx="2">
-            <a:schemeClr val="accent1">
-              <a:shade val="50000"/>
-            </a:schemeClr>
-          </a:lnRef>
-          <a:fillRef idx="1">
-            <a:schemeClr val="accent1"/>
-          </a:fillRef>
-          <a:effectRef idx="0">
-            <a:schemeClr val="accent1"/>
-          </a:effectRef>
-          <a:fontRef idx="minor">
-            <a:schemeClr val="lt1"/>
-          </a:fontRef>
-        </p:style>
-        <p:txBody>
-          <a:bodyPr rtlCol="0" anchor="ctr"/>
-          <a:lstStyle/>
-          <a:p>
-            <a:pPr algn="ctr"/>
-            <a:endParaRPr lang="en-GB"/>
-          </a:p>
-        </p:txBody>
-      </p:sp>
     </p:spTree>
     <p:extLst>
       <p:ext uri="{BB962C8B-B14F-4D97-AF65-F5344CB8AC3E}">
-        <p14:creationId xmlns:p14="http://schemas.microsoft.com/office/powerpoint/2010/main" val="3401488753"/>
+        <p14:creationId xmlns:p14="http://schemas.microsoft.com/office/powerpoint/2010/main" val="1540377742"/>
       </p:ext>
     </p:extLst>
   </p:cSld>
@@ -17214,61 +17798,6 @@
       </p:sp>
       <p:sp>
         <p:nvSpPr>
-          <p:cNvPr id="17" name="Rectangle 16">
-            <a:extLst>
-              <a:ext uri="{FF2B5EF4-FFF2-40B4-BE49-F238E27FC236}">
-                <a16:creationId xmlns:a16="http://schemas.microsoft.com/office/drawing/2014/main" id="{C5F3C501-1C4D-45EA-A0FC-5CFFB55BABAD}"/>
-              </a:ext>
-            </a:extLst>
-          </p:cNvPr>
-          <p:cNvSpPr/>
-          <p:nvPr/>
-        </p:nvSpPr>
-        <p:spPr>
-          <a:xfrm>
-            <a:off x="1728799" y="2674620"/>
-            <a:ext cx="4194810" cy="377190"/>
-          </a:xfrm>
-          <a:prstGeom prst="rect">
-            <a:avLst/>
-          </a:prstGeom>
-          <a:solidFill>
-            <a:schemeClr val="tx1">
-              <a:lumMod val="75000"/>
-              <a:lumOff val="25000"/>
-            </a:schemeClr>
-          </a:solidFill>
-          <a:ln>
-            <a:noFill/>
-          </a:ln>
-        </p:spPr>
-        <p:style>
-          <a:lnRef idx="2">
-            <a:schemeClr val="accent1">
-              <a:shade val="50000"/>
-            </a:schemeClr>
-          </a:lnRef>
-          <a:fillRef idx="1">
-            <a:schemeClr val="accent1"/>
-          </a:fillRef>
-          <a:effectRef idx="0">
-            <a:schemeClr val="accent1"/>
-          </a:effectRef>
-          <a:fontRef idx="minor">
-            <a:schemeClr val="lt1"/>
-          </a:fontRef>
-        </p:style>
-        <p:txBody>
-          <a:bodyPr rtlCol="0" anchor="ctr"/>
-          <a:lstStyle/>
-          <a:p>
-            <a:pPr algn="ctr"/>
-            <a:endParaRPr lang="en-GB"/>
-          </a:p>
-        </p:txBody>
-      </p:sp>
-      <p:sp>
-        <p:nvSpPr>
           <p:cNvPr id="26" name="Rectangle 25">
             <a:extLst>
               <a:ext uri="{FF2B5EF4-FFF2-40B4-BE49-F238E27FC236}">
@@ -17281,8 +17810,8 @@
         </p:nvSpPr>
         <p:spPr>
           <a:xfrm>
-            <a:off x="1728800" y="3364686"/>
-            <a:ext cx="1707820" cy="174666"/>
+            <a:off x="1728799" y="3364686"/>
+            <a:ext cx="1739265" cy="174666"/>
           </a:xfrm>
           <a:prstGeom prst="rect">
             <a:avLst/>
@@ -17420,28 +17949,27 @@
           </a:p>
         </p:txBody>
       </p:sp>
-      <p:cxnSp>
-        <p:nvCxnSpPr>
-          <p:cNvPr id="8" name="Straight Connector 7">
-            <a:extLst>
-              <a:ext uri="{FF2B5EF4-FFF2-40B4-BE49-F238E27FC236}">
-                <a16:creationId xmlns:a16="http://schemas.microsoft.com/office/drawing/2014/main" id="{1AFF13A1-7F00-424E-96D9-87DB6164A8F5}"/>
-              </a:ext>
-            </a:extLst>
-          </p:cNvPr>
-          <p:cNvCxnSpPr>
-            <a:cxnSpLocks/>
-          </p:cNvCxnSpPr>
-          <p:nvPr/>
-        </p:nvCxnSpPr>
-        <p:spPr>
-          <a:xfrm>
-            <a:off x="1585913" y="3364686"/>
-            <a:ext cx="0" cy="859155"/>
-          </a:xfrm>
-          <a:prstGeom prst="line">
-            <a:avLst/>
-          </a:prstGeom>
+      <p:sp>
+        <p:nvSpPr>
+          <p:cNvPr id="2" name="Rectangle 1">
+            <a:extLst>
+              <a:ext uri="{FF2B5EF4-FFF2-40B4-BE49-F238E27FC236}">
+                <a16:creationId xmlns:a16="http://schemas.microsoft.com/office/drawing/2014/main" id="{4B6D92B4-2BF3-4531-B6C6-F501526D0F76}"/>
+              </a:ext>
+            </a:extLst>
+          </p:cNvPr>
+          <p:cNvSpPr/>
+          <p:nvPr/>
+        </p:nvSpPr>
+        <p:spPr>
+          <a:xfrm>
+            <a:off x="1728799" y="3889391"/>
+            <a:ext cx="3309733" cy="310467"/>
+          </a:xfrm>
+          <a:prstGeom prst="rect">
+            <a:avLst/>
+          </a:prstGeom>
+          <a:noFill/>
           <a:ln w="38100">
             <a:solidFill>
               <a:srgbClr val="CC0000"/>
@@ -17449,6 +17977,59 @@
           </a:ln>
         </p:spPr>
         <p:style>
+          <a:lnRef idx="2">
+            <a:schemeClr val="accent1">
+              <a:shade val="50000"/>
+            </a:schemeClr>
+          </a:lnRef>
+          <a:fillRef idx="1">
+            <a:schemeClr val="accent1"/>
+          </a:fillRef>
+          <a:effectRef idx="0">
+            <a:schemeClr val="accent1"/>
+          </a:effectRef>
+          <a:fontRef idx="minor">
+            <a:schemeClr val="lt1"/>
+          </a:fontRef>
+        </p:style>
+        <p:txBody>
+          <a:bodyPr rtlCol="0" anchor="ctr"/>
+          <a:lstStyle/>
+          <a:p>
+            <a:pPr algn="ctr"/>
+            <a:endParaRPr lang="en-GB"/>
+          </a:p>
+        </p:txBody>
+      </p:sp>
+      <p:cxnSp>
+        <p:nvCxnSpPr>
+          <p:cNvPr id="8" name="Straight Connector 7">
+            <a:extLst>
+              <a:ext uri="{FF2B5EF4-FFF2-40B4-BE49-F238E27FC236}">
+                <a16:creationId xmlns:a16="http://schemas.microsoft.com/office/drawing/2014/main" id="{1AFF13A1-7F00-424E-96D9-87DB6164A8F5}"/>
+              </a:ext>
+            </a:extLst>
+          </p:cNvPr>
+          <p:cNvCxnSpPr>
+            <a:cxnSpLocks/>
+          </p:cNvCxnSpPr>
+          <p:nvPr/>
+        </p:nvCxnSpPr>
+        <p:spPr>
+          <a:xfrm>
+            <a:off x="1585913" y="3364686"/>
+            <a:ext cx="0" cy="859155"/>
+          </a:xfrm>
+          <a:prstGeom prst="line">
+            <a:avLst/>
+          </a:prstGeom>
+          <a:ln w="38100">
+            <a:solidFill>
+              <a:srgbClr val="CC0000"/>
+            </a:solidFill>
+          </a:ln>
+        </p:spPr>
+        <p:style>
           <a:lnRef idx="1">
             <a:schemeClr val="accent1"/>
           </a:lnRef>
@@ -17477,8 +18058,8 @@
         </p:nvSpPr>
         <p:spPr>
           <a:xfrm>
-            <a:off x="1728800" y="3619644"/>
-            <a:ext cx="1707820" cy="174666"/>
+            <a:off x="1728799" y="3619644"/>
+            <a:ext cx="1739265" cy="174666"/>
           </a:xfrm>
           <a:prstGeom prst="rect">
             <a:avLst/>
@@ -17726,169 +18307,10 @@
           </a:p>
         </p:txBody>
       </p:sp>
-      <p:sp>
-        <p:nvSpPr>
-          <p:cNvPr id="3" name="Rectangle 2">
-            <a:extLst>
-              <a:ext uri="{FF2B5EF4-FFF2-40B4-BE49-F238E27FC236}">
-                <a16:creationId xmlns:a16="http://schemas.microsoft.com/office/drawing/2014/main" id="{517C924C-E39D-470D-BED6-D34B7D4F82F2}"/>
-              </a:ext>
-            </a:extLst>
-          </p:cNvPr>
-          <p:cNvSpPr/>
-          <p:nvPr/>
-        </p:nvSpPr>
-        <p:spPr>
-          <a:xfrm>
-            <a:off x="1751659" y="3896026"/>
-            <a:ext cx="334614" cy="310467"/>
-          </a:xfrm>
-          <a:prstGeom prst="rect">
-            <a:avLst/>
-          </a:prstGeom>
-          <a:noFill/>
-          <a:ln w="38100">
-            <a:solidFill>
-              <a:srgbClr val="CC0000"/>
-            </a:solidFill>
-          </a:ln>
-        </p:spPr>
-        <p:style>
-          <a:lnRef idx="2">
-            <a:schemeClr val="accent1">
-              <a:shade val="50000"/>
-            </a:schemeClr>
-          </a:lnRef>
-          <a:fillRef idx="1">
-            <a:schemeClr val="accent1"/>
-          </a:fillRef>
-          <a:effectRef idx="0">
-            <a:schemeClr val="accent1"/>
-          </a:effectRef>
-          <a:fontRef idx="minor">
-            <a:schemeClr val="lt1"/>
-          </a:fontRef>
-        </p:style>
-        <p:txBody>
-          <a:bodyPr rtlCol="0" anchor="ctr"/>
-          <a:lstStyle/>
-          <a:p>
-            <a:pPr algn="ctr"/>
-            <a:endParaRPr lang="en-GB"/>
-          </a:p>
-        </p:txBody>
-      </p:sp>
-      <p:sp>
-        <p:nvSpPr>
-          <p:cNvPr id="6" name="Rectangle 5">
-            <a:extLst>
-              <a:ext uri="{FF2B5EF4-FFF2-40B4-BE49-F238E27FC236}">
-                <a16:creationId xmlns:a16="http://schemas.microsoft.com/office/drawing/2014/main" id="{D1F2B89C-2DF8-4587-8936-A26902A525DC}"/>
-              </a:ext>
-            </a:extLst>
-          </p:cNvPr>
-          <p:cNvSpPr/>
-          <p:nvPr/>
-        </p:nvSpPr>
-        <p:spPr>
-          <a:xfrm>
-            <a:off x="2255999" y="3897101"/>
-            <a:ext cx="334614" cy="310467"/>
-          </a:xfrm>
-          <a:prstGeom prst="rect">
-            <a:avLst/>
-          </a:prstGeom>
-          <a:noFill/>
-          <a:ln w="38100">
-            <a:solidFill>
-              <a:srgbClr val="CC0000"/>
-            </a:solidFill>
-          </a:ln>
-        </p:spPr>
-        <p:style>
-          <a:lnRef idx="2">
-            <a:schemeClr val="accent1">
-              <a:shade val="50000"/>
-            </a:schemeClr>
-          </a:lnRef>
-          <a:fillRef idx="1">
-            <a:schemeClr val="accent1"/>
-          </a:fillRef>
-          <a:effectRef idx="0">
-            <a:schemeClr val="accent1"/>
-          </a:effectRef>
-          <a:fontRef idx="minor">
-            <a:schemeClr val="lt1"/>
-          </a:fontRef>
-        </p:style>
-        <p:txBody>
-          <a:bodyPr rtlCol="0" anchor="ctr"/>
-          <a:lstStyle/>
-          <a:p>
-            <a:pPr algn="ctr"/>
-            <a:endParaRPr lang="en-GB"/>
-          </a:p>
-        </p:txBody>
-      </p:sp>
-      <p:sp>
-        <p:nvSpPr>
-          <p:cNvPr id="15" name="Rectangle 14">
-            <a:extLst>
-              <a:ext uri="{FF2B5EF4-FFF2-40B4-BE49-F238E27FC236}">
-                <a16:creationId xmlns:a16="http://schemas.microsoft.com/office/drawing/2014/main" id="{24382EFD-5BA1-4EFB-8A17-930F99CF7829}"/>
-              </a:ext>
-            </a:extLst>
-          </p:cNvPr>
-          <p:cNvSpPr/>
-          <p:nvPr/>
-        </p:nvSpPr>
-        <p:spPr>
-          <a:xfrm>
-            <a:off x="2754893" y="3895956"/>
-            <a:ext cx="651632" cy="310467"/>
-          </a:xfrm>
-          <a:prstGeom prst="rect">
-            <a:avLst/>
-          </a:prstGeom>
-          <a:noFill/>
-          <a:ln w="38100">
-            <a:solidFill>
-              <a:srgbClr val="CC0000"/>
-            </a:solidFill>
-          </a:ln>
-        </p:spPr>
-        <p:style>
-          <a:lnRef idx="2">
-            <a:schemeClr val="accent1">
-              <a:shade val="50000"/>
-            </a:schemeClr>
-          </a:lnRef>
-          <a:fillRef idx="1">
-            <a:schemeClr val="accent1"/>
-          </a:fillRef>
-          <a:effectRef idx="0">
-            <a:schemeClr val="accent1"/>
-          </a:effectRef>
-          <a:fontRef idx="minor">
-            <a:schemeClr val="lt1"/>
-          </a:fontRef>
-        </p:style>
-        <p:txBody>
-          <a:bodyPr rtlCol="0" anchor="ctr"/>
-          <a:lstStyle/>
-          <a:p>
-            <a:pPr algn="ctr"/>
-            <a:r>
-              <a:rPr lang="en-GB" dirty="0"/>
-              <a:t> </a:t>
-            </a:r>
-          </a:p>
-        </p:txBody>
-      </p:sp>
     </p:spTree>
     <p:extLst>
       <p:ext uri="{BB962C8B-B14F-4D97-AF65-F5344CB8AC3E}">
-        <p14:creationId xmlns:p14="http://schemas.microsoft.com/office/powerpoint/2010/main" val="1080831914"/>
+        <p14:creationId xmlns:p14="http://schemas.microsoft.com/office/powerpoint/2010/main" val="3401488753"/>
       </p:ext>
     </p:extLst>
   </p:cSld>
@@ -18319,61 +18741,6 @@
             <a:schemeClr val="tx1">
               <a:lumMod val="65000"/>
               <a:lumOff val="35000"/>
-            </a:schemeClr>
-          </a:solidFill>
-          <a:ln>
-            <a:noFill/>
-          </a:ln>
-        </p:spPr>
-        <p:style>
-          <a:lnRef idx="2">
-            <a:schemeClr val="accent1">
-              <a:shade val="50000"/>
-            </a:schemeClr>
-          </a:lnRef>
-          <a:fillRef idx="1">
-            <a:schemeClr val="accent1"/>
-          </a:fillRef>
-          <a:effectRef idx="0">
-            <a:schemeClr val="accent1"/>
-          </a:effectRef>
-          <a:fontRef idx="minor">
-            <a:schemeClr val="lt1"/>
-          </a:fontRef>
-        </p:style>
-        <p:txBody>
-          <a:bodyPr rtlCol="0" anchor="ctr"/>
-          <a:lstStyle/>
-          <a:p>
-            <a:pPr algn="ctr"/>
-            <a:endParaRPr lang="en-GB"/>
-          </a:p>
-        </p:txBody>
-      </p:sp>
-      <p:sp>
-        <p:nvSpPr>
-          <p:cNvPr id="17" name="Rectangle 16">
-            <a:extLst>
-              <a:ext uri="{FF2B5EF4-FFF2-40B4-BE49-F238E27FC236}">
-                <a16:creationId xmlns:a16="http://schemas.microsoft.com/office/drawing/2014/main" id="{C5F3C501-1C4D-45EA-A0FC-5CFFB55BABAD}"/>
-              </a:ext>
-            </a:extLst>
-          </p:cNvPr>
-          <p:cNvSpPr/>
-          <p:nvPr/>
-        </p:nvSpPr>
-        <p:spPr>
-          <a:xfrm>
-            <a:off x="1728799" y="1965960"/>
-            <a:ext cx="4194810" cy="377190"/>
-          </a:xfrm>
-          <a:prstGeom prst="rect">
-            <a:avLst/>
-          </a:prstGeom>
-          <a:solidFill>
-            <a:schemeClr val="tx1">
-              <a:lumMod val="75000"/>
-              <a:lumOff val="25000"/>
             </a:schemeClr>
           </a:solidFill>
           <a:ln>
@@ -19523,6 +19890,58 @@
       </p:pic>
       <p:sp>
         <p:nvSpPr>
+          <p:cNvPr id="13" name="Rectangle 12">
+            <a:extLst>
+              <a:ext uri="{FF2B5EF4-FFF2-40B4-BE49-F238E27FC236}">
+                <a16:creationId xmlns:a16="http://schemas.microsoft.com/office/drawing/2014/main" id="{B3EFCDE4-E455-4D65-8245-142A32208941}"/>
+              </a:ext>
+            </a:extLst>
+          </p:cNvPr>
+          <p:cNvSpPr/>
+          <p:nvPr/>
+        </p:nvSpPr>
+        <p:spPr>
+          <a:xfrm>
+            <a:off x="1635989" y="1365577"/>
+            <a:ext cx="4988332" cy="101716"/>
+          </a:xfrm>
+          <a:prstGeom prst="rect">
+            <a:avLst/>
+          </a:prstGeom>
+          <a:solidFill>
+            <a:srgbClr val="1D70B8"/>
+          </a:solidFill>
+          <a:ln>
+            <a:noFill/>
+          </a:ln>
+        </p:spPr>
+        <p:style>
+          <a:lnRef idx="2">
+            <a:schemeClr val="accent1">
+              <a:shade val="50000"/>
+            </a:schemeClr>
+          </a:lnRef>
+          <a:fillRef idx="1">
+            <a:schemeClr val="accent1"/>
+          </a:fillRef>
+          <a:effectRef idx="0">
+            <a:schemeClr val="accent1"/>
+          </a:effectRef>
+          <a:fontRef idx="minor">
+            <a:schemeClr val="lt1"/>
+          </a:fontRef>
+        </p:style>
+        <p:txBody>
+          <a:bodyPr rtlCol="0" anchor="ctr"/>
+          <a:lstStyle/>
+          <a:p>
+            <a:pPr algn="ctr"/>
+            <a:endParaRPr lang="en-GB"/>
+          </a:p>
+        </p:txBody>
+      </p:sp>
+      <p:sp>
+        <p:nvSpPr>
           <p:cNvPr id="14" name="Rectangle 13">
             <a:extLst>
               <a:ext uri="{FF2B5EF4-FFF2-40B4-BE49-F238E27FC236}">
@@ -19633,20 +20052,20 @@
       </p:sp>
       <p:sp>
         <p:nvSpPr>
-          <p:cNvPr id="17" name="Rectangle 16">
-            <a:extLst>
-              <a:ext uri="{FF2B5EF4-FFF2-40B4-BE49-F238E27FC236}">
-                <a16:creationId xmlns:a16="http://schemas.microsoft.com/office/drawing/2014/main" id="{C5F3C501-1C4D-45EA-A0FC-5CFFB55BABAD}"/>
-              </a:ext>
-            </a:extLst>
-          </p:cNvPr>
-          <p:cNvSpPr/>
-          <p:nvPr/>
-        </p:nvSpPr>
-        <p:spPr>
-          <a:xfrm>
-            <a:off x="1728799" y="1965960"/>
-            <a:ext cx="4194810" cy="377190"/>
+          <p:cNvPr id="26" name="Rectangle 25">
+            <a:extLst>
+              <a:ext uri="{FF2B5EF4-FFF2-40B4-BE49-F238E27FC236}">
+                <a16:creationId xmlns:a16="http://schemas.microsoft.com/office/drawing/2014/main" id="{B77DFA33-EFCF-4D60-B1B2-1DAF5DC71B61}"/>
+              </a:ext>
+            </a:extLst>
+          </p:cNvPr>
+          <p:cNvSpPr/>
+          <p:nvPr/>
+        </p:nvSpPr>
+        <p:spPr>
+          <a:xfrm>
+            <a:off x="1728800" y="3364686"/>
+            <a:ext cx="1707820" cy="174666"/>
           </a:xfrm>
           <a:prstGeom prst="rect">
             <a:avLst/>
@@ -19655,6 +20074,1034 @@
             <a:schemeClr val="tx1">
               <a:lumMod val="75000"/>
               <a:lumOff val="25000"/>
+            </a:schemeClr>
+          </a:solidFill>
+          <a:ln>
+            <a:noFill/>
+          </a:ln>
+        </p:spPr>
+        <p:style>
+          <a:lnRef idx="2">
+            <a:schemeClr val="accent1">
+              <a:shade val="50000"/>
+            </a:schemeClr>
+          </a:lnRef>
+          <a:fillRef idx="1">
+            <a:schemeClr val="accent1"/>
+          </a:fillRef>
+          <a:effectRef idx="0">
+            <a:schemeClr val="accent1"/>
+          </a:effectRef>
+          <a:fontRef idx="minor">
+            <a:schemeClr val="lt1"/>
+          </a:fontRef>
+        </p:style>
+        <p:txBody>
+          <a:bodyPr rtlCol="0" anchor="ctr"/>
+          <a:lstStyle/>
+          <a:p>
+            <a:pPr algn="ctr"/>
+            <a:endParaRPr lang="en-GB"/>
+          </a:p>
+        </p:txBody>
+      </p:sp>
+      <p:sp>
+        <p:nvSpPr>
+          <p:cNvPr id="32" name="Rectangle 31">
+            <a:extLst>
+              <a:ext uri="{FF2B5EF4-FFF2-40B4-BE49-F238E27FC236}">
+                <a16:creationId xmlns:a16="http://schemas.microsoft.com/office/drawing/2014/main" id="{EE828F73-1150-4D4F-91B2-C50EC60E162D}"/>
+              </a:ext>
+            </a:extLst>
+          </p:cNvPr>
+          <p:cNvSpPr/>
+          <p:nvPr/>
+        </p:nvSpPr>
+        <p:spPr>
+          <a:xfrm>
+            <a:off x="1728799" y="4368758"/>
+            <a:ext cx="782955" cy="174666"/>
+          </a:xfrm>
+          <a:prstGeom prst="rect">
+            <a:avLst/>
+          </a:prstGeom>
+          <a:solidFill>
+            <a:srgbClr val="005A30">
+              <a:alpha val="86667"/>
+            </a:srgbClr>
+          </a:solidFill>
+          <a:ln>
+            <a:noFill/>
+          </a:ln>
+        </p:spPr>
+        <p:style>
+          <a:lnRef idx="2">
+            <a:schemeClr val="accent1">
+              <a:shade val="50000"/>
+            </a:schemeClr>
+          </a:lnRef>
+          <a:fillRef idx="1">
+            <a:schemeClr val="accent1"/>
+          </a:fillRef>
+          <a:effectRef idx="0">
+            <a:schemeClr val="accent1"/>
+          </a:effectRef>
+          <a:fontRef idx="minor">
+            <a:schemeClr val="lt1"/>
+          </a:fontRef>
+        </p:style>
+        <p:txBody>
+          <a:bodyPr rtlCol="0" anchor="ctr"/>
+          <a:lstStyle/>
+          <a:p>
+            <a:pPr algn="ctr"/>
+            <a:endParaRPr lang="en-GB"/>
+          </a:p>
+        </p:txBody>
+      </p:sp>
+      <p:sp>
+        <p:nvSpPr>
+          <p:cNvPr id="33" name="TextBox 32">
+            <a:extLst>
+              <a:ext uri="{FF2B5EF4-FFF2-40B4-BE49-F238E27FC236}">
+                <a16:creationId xmlns:a16="http://schemas.microsoft.com/office/drawing/2014/main" id="{672679EF-8D09-496C-BD43-D08A1A91D20B}"/>
+              </a:ext>
+            </a:extLst>
+          </p:cNvPr>
+          <p:cNvSpPr txBox="1"/>
+          <p:nvPr/>
+        </p:nvSpPr>
+        <p:spPr>
+          <a:xfrm>
+            <a:off x="8217744" y="480794"/>
+            <a:ext cx="3286431" cy="1200329"/>
+          </a:xfrm>
+          <a:prstGeom prst="rect">
+            <a:avLst/>
+          </a:prstGeom>
+          <a:noFill/>
+        </p:spPr>
+        <p:txBody>
+          <a:bodyPr wrap="square" rtlCol="0">
+            <a:spAutoFit/>
+          </a:bodyPr>
+          <a:lstStyle/>
+          <a:p>
+            <a:r>
+              <a:rPr lang="en-GB" b="1" dirty="0"/>
+              <a:t>Question Page with Errors</a:t>
+            </a:r>
+          </a:p>
+          <a:p>
+            <a:endParaRPr lang="en-GB" dirty="0"/>
+          </a:p>
+          <a:p>
+            <a:r>
+              <a:rPr lang="en-GB" dirty="0"/>
+              <a:t>Text fields question and answer page</a:t>
+            </a:r>
+          </a:p>
+        </p:txBody>
+      </p:sp>
+      <p:cxnSp>
+        <p:nvCxnSpPr>
+          <p:cNvPr id="8" name="Straight Connector 7">
+            <a:extLst>
+              <a:ext uri="{FF2B5EF4-FFF2-40B4-BE49-F238E27FC236}">
+                <a16:creationId xmlns:a16="http://schemas.microsoft.com/office/drawing/2014/main" id="{1AFF13A1-7F00-424E-96D9-87DB6164A8F5}"/>
+              </a:ext>
+            </a:extLst>
+          </p:cNvPr>
+          <p:cNvCxnSpPr>
+            <a:cxnSpLocks/>
+          </p:cNvCxnSpPr>
+          <p:nvPr/>
+        </p:nvCxnSpPr>
+        <p:spPr>
+          <a:xfrm>
+            <a:off x="1585913" y="3364686"/>
+            <a:ext cx="0" cy="859155"/>
+          </a:xfrm>
+          <a:prstGeom prst="line">
+            <a:avLst/>
+          </a:prstGeom>
+          <a:ln w="38100">
+            <a:solidFill>
+              <a:srgbClr val="CC0000"/>
+            </a:solidFill>
+          </a:ln>
+        </p:spPr>
+        <p:style>
+          <a:lnRef idx="1">
+            <a:schemeClr val="accent1"/>
+          </a:lnRef>
+          <a:fillRef idx="0">
+            <a:schemeClr val="accent1"/>
+          </a:fillRef>
+          <a:effectRef idx="0">
+            <a:schemeClr val="accent1"/>
+          </a:effectRef>
+          <a:fontRef idx="minor">
+            <a:schemeClr val="tx1"/>
+          </a:fontRef>
+        </p:style>
+      </p:cxnSp>
+      <p:sp>
+        <p:nvSpPr>
+          <p:cNvPr id="11" name="Rectangle 10">
+            <a:extLst>
+              <a:ext uri="{FF2B5EF4-FFF2-40B4-BE49-F238E27FC236}">
+                <a16:creationId xmlns:a16="http://schemas.microsoft.com/office/drawing/2014/main" id="{4516096B-3485-46A5-8051-9BC938E89AF5}"/>
+              </a:ext>
+            </a:extLst>
+          </p:cNvPr>
+          <p:cNvSpPr/>
+          <p:nvPr/>
+        </p:nvSpPr>
+        <p:spPr>
+          <a:xfrm>
+            <a:off x="1728800" y="3619644"/>
+            <a:ext cx="1707820" cy="174666"/>
+          </a:xfrm>
+          <a:prstGeom prst="rect">
+            <a:avLst/>
+          </a:prstGeom>
+          <a:solidFill>
+            <a:srgbClr val="CC0000"/>
+          </a:solidFill>
+          <a:ln>
+            <a:noFill/>
+          </a:ln>
+        </p:spPr>
+        <p:style>
+          <a:lnRef idx="2">
+            <a:schemeClr val="accent1">
+              <a:shade val="50000"/>
+            </a:schemeClr>
+          </a:lnRef>
+          <a:fillRef idx="1">
+            <a:schemeClr val="accent1"/>
+          </a:fillRef>
+          <a:effectRef idx="0">
+            <a:schemeClr val="accent1"/>
+          </a:effectRef>
+          <a:fontRef idx="minor">
+            <a:schemeClr val="lt1"/>
+          </a:fontRef>
+        </p:style>
+        <p:txBody>
+          <a:bodyPr rtlCol="0" anchor="ctr"/>
+          <a:lstStyle/>
+          <a:p>
+            <a:pPr algn="ctr"/>
+            <a:endParaRPr lang="en-GB"/>
+          </a:p>
+        </p:txBody>
+      </p:sp>
+      <p:sp>
+        <p:nvSpPr>
+          <p:cNvPr id="22" name="Rectangle 21">
+            <a:extLst>
+              <a:ext uri="{FF2B5EF4-FFF2-40B4-BE49-F238E27FC236}">
+                <a16:creationId xmlns:a16="http://schemas.microsoft.com/office/drawing/2014/main" id="{8EC4A70A-FF2B-4C62-9919-B37BF632206F}"/>
+              </a:ext>
+            </a:extLst>
+          </p:cNvPr>
+          <p:cNvSpPr/>
+          <p:nvPr/>
+        </p:nvSpPr>
+        <p:spPr>
+          <a:xfrm>
+            <a:off x="1728799" y="1780169"/>
+            <a:ext cx="4194810" cy="713300"/>
+          </a:xfrm>
+          <a:prstGeom prst="rect">
+            <a:avLst/>
+          </a:prstGeom>
+          <a:noFill/>
+          <a:ln w="38100">
+            <a:solidFill>
+              <a:srgbClr val="CC0000"/>
+            </a:solidFill>
+          </a:ln>
+        </p:spPr>
+        <p:style>
+          <a:lnRef idx="2">
+            <a:schemeClr val="accent1">
+              <a:shade val="50000"/>
+            </a:schemeClr>
+          </a:lnRef>
+          <a:fillRef idx="1">
+            <a:schemeClr val="accent1"/>
+          </a:fillRef>
+          <a:effectRef idx="0">
+            <a:schemeClr val="accent1"/>
+          </a:effectRef>
+          <a:fontRef idx="minor">
+            <a:schemeClr val="lt1"/>
+          </a:fontRef>
+        </p:style>
+        <p:txBody>
+          <a:bodyPr rtlCol="0" anchor="ctr"/>
+          <a:lstStyle/>
+          <a:p>
+            <a:pPr algn="ctr"/>
+            <a:endParaRPr lang="en-GB"/>
+          </a:p>
+        </p:txBody>
+      </p:sp>
+      <p:sp>
+        <p:nvSpPr>
+          <p:cNvPr id="23" name="Rectangle 22">
+            <a:extLst>
+              <a:ext uri="{FF2B5EF4-FFF2-40B4-BE49-F238E27FC236}">
+                <a16:creationId xmlns:a16="http://schemas.microsoft.com/office/drawing/2014/main" id="{B269DB84-6882-4B96-B7BF-3A75CF166F1B}"/>
+              </a:ext>
+            </a:extLst>
+          </p:cNvPr>
+          <p:cNvSpPr/>
+          <p:nvPr/>
+        </p:nvSpPr>
+        <p:spPr>
+          <a:xfrm>
+            <a:off x="1828903" y="1923520"/>
+            <a:ext cx="1477698" cy="89887"/>
+          </a:xfrm>
+          <a:prstGeom prst="rect">
+            <a:avLst/>
+          </a:prstGeom>
+          <a:solidFill>
+            <a:schemeClr val="tx1">
+              <a:lumMod val="75000"/>
+              <a:lumOff val="25000"/>
+            </a:schemeClr>
+          </a:solidFill>
+          <a:ln>
+            <a:noFill/>
+          </a:ln>
+        </p:spPr>
+        <p:style>
+          <a:lnRef idx="2">
+            <a:schemeClr val="accent1">
+              <a:shade val="50000"/>
+            </a:schemeClr>
+          </a:lnRef>
+          <a:fillRef idx="1">
+            <a:schemeClr val="accent1"/>
+          </a:fillRef>
+          <a:effectRef idx="0">
+            <a:schemeClr val="accent1"/>
+          </a:effectRef>
+          <a:fontRef idx="minor">
+            <a:schemeClr val="lt1"/>
+          </a:fontRef>
+        </p:style>
+        <p:txBody>
+          <a:bodyPr rtlCol="0" anchor="ctr"/>
+          <a:lstStyle/>
+          <a:p>
+            <a:pPr algn="ctr"/>
+            <a:endParaRPr lang="en-GB"/>
+          </a:p>
+        </p:txBody>
+      </p:sp>
+      <p:sp>
+        <p:nvSpPr>
+          <p:cNvPr id="24" name="Rectangle 23">
+            <a:extLst>
+              <a:ext uri="{FF2B5EF4-FFF2-40B4-BE49-F238E27FC236}">
+                <a16:creationId xmlns:a16="http://schemas.microsoft.com/office/drawing/2014/main" id="{961C44BF-A861-4663-94FE-2F18450CFD42}"/>
+              </a:ext>
+            </a:extLst>
+          </p:cNvPr>
+          <p:cNvSpPr/>
+          <p:nvPr/>
+        </p:nvSpPr>
+        <p:spPr>
+          <a:xfrm>
+            <a:off x="1828902" y="2086809"/>
+            <a:ext cx="2457347" cy="89887"/>
+          </a:xfrm>
+          <a:prstGeom prst="rect">
+            <a:avLst/>
+          </a:prstGeom>
+          <a:solidFill>
+            <a:srgbClr val="CC0000"/>
+          </a:solidFill>
+          <a:ln>
+            <a:noFill/>
+          </a:ln>
+        </p:spPr>
+        <p:style>
+          <a:lnRef idx="2">
+            <a:schemeClr val="accent1">
+              <a:shade val="50000"/>
+            </a:schemeClr>
+          </a:lnRef>
+          <a:fillRef idx="1">
+            <a:schemeClr val="accent1"/>
+          </a:fillRef>
+          <a:effectRef idx="0">
+            <a:schemeClr val="accent1"/>
+          </a:effectRef>
+          <a:fontRef idx="minor">
+            <a:schemeClr val="lt1"/>
+          </a:fontRef>
+        </p:style>
+        <p:txBody>
+          <a:bodyPr rtlCol="0" anchor="ctr"/>
+          <a:lstStyle/>
+          <a:p>
+            <a:pPr algn="ctr"/>
+            <a:endParaRPr lang="en-GB"/>
+          </a:p>
+        </p:txBody>
+      </p:sp>
+      <p:sp>
+        <p:nvSpPr>
+          <p:cNvPr id="30" name="Rectangle 29">
+            <a:extLst>
+              <a:ext uri="{FF2B5EF4-FFF2-40B4-BE49-F238E27FC236}">
+                <a16:creationId xmlns:a16="http://schemas.microsoft.com/office/drawing/2014/main" id="{B7F9BEBB-90BF-4398-8E46-8A2D230AA567}"/>
+              </a:ext>
+            </a:extLst>
+          </p:cNvPr>
+          <p:cNvSpPr/>
+          <p:nvPr/>
+        </p:nvSpPr>
+        <p:spPr>
+          <a:xfrm>
+            <a:off x="1828901" y="2243246"/>
+            <a:ext cx="2457347" cy="89887"/>
+          </a:xfrm>
+          <a:prstGeom prst="rect">
+            <a:avLst/>
+          </a:prstGeom>
+          <a:solidFill>
+            <a:srgbClr val="CC0000"/>
+          </a:solidFill>
+          <a:ln>
+            <a:noFill/>
+          </a:ln>
+        </p:spPr>
+        <p:style>
+          <a:lnRef idx="2">
+            <a:schemeClr val="accent1">
+              <a:shade val="50000"/>
+            </a:schemeClr>
+          </a:lnRef>
+          <a:fillRef idx="1">
+            <a:schemeClr val="accent1"/>
+          </a:fillRef>
+          <a:effectRef idx="0">
+            <a:schemeClr val="accent1"/>
+          </a:effectRef>
+          <a:fontRef idx="minor">
+            <a:schemeClr val="lt1"/>
+          </a:fontRef>
+        </p:style>
+        <p:txBody>
+          <a:bodyPr rtlCol="0" anchor="ctr"/>
+          <a:lstStyle/>
+          <a:p>
+            <a:pPr algn="ctr"/>
+            <a:endParaRPr lang="en-GB"/>
+          </a:p>
+        </p:txBody>
+      </p:sp>
+      <p:sp>
+        <p:nvSpPr>
+          <p:cNvPr id="3" name="Rectangle 2">
+            <a:extLst>
+              <a:ext uri="{FF2B5EF4-FFF2-40B4-BE49-F238E27FC236}">
+                <a16:creationId xmlns:a16="http://schemas.microsoft.com/office/drawing/2014/main" id="{517C924C-E39D-470D-BED6-D34B7D4F82F2}"/>
+              </a:ext>
+            </a:extLst>
+          </p:cNvPr>
+          <p:cNvSpPr/>
+          <p:nvPr/>
+        </p:nvSpPr>
+        <p:spPr>
+          <a:xfrm>
+            <a:off x="1751659" y="3896026"/>
+            <a:ext cx="334614" cy="310467"/>
+          </a:xfrm>
+          <a:prstGeom prst="rect">
+            <a:avLst/>
+          </a:prstGeom>
+          <a:noFill/>
+          <a:ln w="38100">
+            <a:solidFill>
+              <a:srgbClr val="CC0000"/>
+            </a:solidFill>
+          </a:ln>
+        </p:spPr>
+        <p:style>
+          <a:lnRef idx="2">
+            <a:schemeClr val="accent1">
+              <a:shade val="50000"/>
+            </a:schemeClr>
+          </a:lnRef>
+          <a:fillRef idx="1">
+            <a:schemeClr val="accent1"/>
+          </a:fillRef>
+          <a:effectRef idx="0">
+            <a:schemeClr val="accent1"/>
+          </a:effectRef>
+          <a:fontRef idx="minor">
+            <a:schemeClr val="lt1"/>
+          </a:fontRef>
+        </p:style>
+        <p:txBody>
+          <a:bodyPr rtlCol="0" anchor="ctr"/>
+          <a:lstStyle/>
+          <a:p>
+            <a:pPr algn="ctr"/>
+            <a:endParaRPr lang="en-GB"/>
+          </a:p>
+        </p:txBody>
+      </p:sp>
+      <p:sp>
+        <p:nvSpPr>
+          <p:cNvPr id="6" name="Rectangle 5">
+            <a:extLst>
+              <a:ext uri="{FF2B5EF4-FFF2-40B4-BE49-F238E27FC236}">
+                <a16:creationId xmlns:a16="http://schemas.microsoft.com/office/drawing/2014/main" id="{D1F2B89C-2DF8-4587-8936-A26902A525DC}"/>
+              </a:ext>
+            </a:extLst>
+          </p:cNvPr>
+          <p:cNvSpPr/>
+          <p:nvPr/>
+        </p:nvSpPr>
+        <p:spPr>
+          <a:xfrm>
+            <a:off x="2255999" y="3897101"/>
+            <a:ext cx="334614" cy="310467"/>
+          </a:xfrm>
+          <a:prstGeom prst="rect">
+            <a:avLst/>
+          </a:prstGeom>
+          <a:noFill/>
+          <a:ln w="38100">
+            <a:solidFill>
+              <a:srgbClr val="CC0000"/>
+            </a:solidFill>
+          </a:ln>
+        </p:spPr>
+        <p:style>
+          <a:lnRef idx="2">
+            <a:schemeClr val="accent1">
+              <a:shade val="50000"/>
+            </a:schemeClr>
+          </a:lnRef>
+          <a:fillRef idx="1">
+            <a:schemeClr val="accent1"/>
+          </a:fillRef>
+          <a:effectRef idx="0">
+            <a:schemeClr val="accent1"/>
+          </a:effectRef>
+          <a:fontRef idx="minor">
+            <a:schemeClr val="lt1"/>
+          </a:fontRef>
+        </p:style>
+        <p:txBody>
+          <a:bodyPr rtlCol="0" anchor="ctr"/>
+          <a:lstStyle/>
+          <a:p>
+            <a:pPr algn="ctr"/>
+            <a:endParaRPr lang="en-GB"/>
+          </a:p>
+        </p:txBody>
+      </p:sp>
+      <p:sp>
+        <p:nvSpPr>
+          <p:cNvPr id="15" name="Rectangle 14">
+            <a:extLst>
+              <a:ext uri="{FF2B5EF4-FFF2-40B4-BE49-F238E27FC236}">
+                <a16:creationId xmlns:a16="http://schemas.microsoft.com/office/drawing/2014/main" id="{24382EFD-5BA1-4EFB-8A17-930F99CF7829}"/>
+              </a:ext>
+            </a:extLst>
+          </p:cNvPr>
+          <p:cNvSpPr/>
+          <p:nvPr/>
+        </p:nvSpPr>
+        <p:spPr>
+          <a:xfrm>
+            <a:off x="2754893" y="3895956"/>
+            <a:ext cx="651632" cy="310467"/>
+          </a:xfrm>
+          <a:prstGeom prst="rect">
+            <a:avLst/>
+          </a:prstGeom>
+          <a:noFill/>
+          <a:ln w="38100">
+            <a:solidFill>
+              <a:srgbClr val="CC0000"/>
+            </a:solidFill>
+          </a:ln>
+        </p:spPr>
+        <p:style>
+          <a:lnRef idx="2">
+            <a:schemeClr val="accent1">
+              <a:shade val="50000"/>
+            </a:schemeClr>
+          </a:lnRef>
+          <a:fillRef idx="1">
+            <a:schemeClr val="accent1"/>
+          </a:fillRef>
+          <a:effectRef idx="0">
+            <a:schemeClr val="accent1"/>
+          </a:effectRef>
+          <a:fontRef idx="minor">
+            <a:schemeClr val="lt1"/>
+          </a:fontRef>
+        </p:style>
+        <p:txBody>
+          <a:bodyPr rtlCol="0" anchor="ctr"/>
+          <a:lstStyle/>
+          <a:p>
+            <a:pPr algn="ctr"/>
+            <a:r>
+              <a:rPr lang="en-GB" dirty="0"/>
+              <a:t> </a:t>
+            </a:r>
+          </a:p>
+        </p:txBody>
+      </p:sp>
+    </p:spTree>
+    <p:extLst>
+      <p:ext uri="{BB962C8B-B14F-4D97-AF65-F5344CB8AC3E}">
+        <p14:creationId xmlns:p14="http://schemas.microsoft.com/office/powerpoint/2010/main" val="1080831914"/>
+      </p:ext>
+    </p:extLst>
+  </p:cSld>
+  <p:clrMapOvr>
+    <a:masterClrMapping/>
+  </p:clrMapOvr>
+</p:sld>
+</file>
+
+<file path=ppt/slides/slide21.xml><?xml version="1.0" encoding="utf-8"?>
+<p:sld xmlns:a="http://schemas.openxmlformats.org/drawingml/2006/main" xmlns:r="http://schemas.openxmlformats.org/officeDocument/2006/relationships" xmlns:p="http://schemas.openxmlformats.org/presentationml/2006/main">
+  <p:cSld>
+    <p:spTree>
+      <p:nvGrpSpPr>
+        <p:cNvPr id="1" name=""/>
+        <p:cNvGrpSpPr/>
+        <p:nvPr/>
+      </p:nvGrpSpPr>
+      <p:grpSpPr>
+        <a:xfrm>
+          <a:off x="0" y="0"/>
+          <a:ext cx="0" cy="0"/>
+          <a:chOff x="0" y="0"/>
+          <a:chExt cx="0" cy="0"/>
+        </a:xfrm>
+      </p:grpSpPr>
+      <p:sp>
+        <p:nvSpPr>
+          <p:cNvPr id="4" name="Rectangle 3">
+            <a:extLst>
+              <a:ext uri="{FF2B5EF4-FFF2-40B4-BE49-F238E27FC236}">
+                <a16:creationId xmlns:a16="http://schemas.microsoft.com/office/drawing/2014/main" id="{3639CD19-8C68-42B7-9F9E-A45E0350A2FC}"/>
+              </a:ext>
+            </a:extLst>
+          </p:cNvPr>
+          <p:cNvSpPr/>
+          <p:nvPr/>
+        </p:nvSpPr>
+        <p:spPr>
+          <a:xfrm>
+            <a:off x="685494" y="480794"/>
+            <a:ext cx="6827520" cy="5003800"/>
+          </a:xfrm>
+          <a:prstGeom prst="rect">
+            <a:avLst/>
+          </a:prstGeom>
+          <a:ln w="25400">
+            <a:solidFill>
+              <a:schemeClr val="tx1"/>
+            </a:solidFill>
+          </a:ln>
+          <a:effectLst>
+            <a:outerShdw blurRad="50800" dist="38100" dir="2700000" algn="tl" rotWithShape="0">
+              <a:prstClr val="black">
+                <a:alpha val="40000"/>
+              </a:prstClr>
+            </a:outerShdw>
+          </a:effectLst>
+        </p:spPr>
+        <p:style>
+          <a:lnRef idx="2">
+            <a:schemeClr val="accent6"/>
+          </a:lnRef>
+          <a:fillRef idx="1">
+            <a:schemeClr val="lt1"/>
+          </a:fillRef>
+          <a:effectRef idx="0">
+            <a:schemeClr val="accent6"/>
+          </a:effectRef>
+          <a:fontRef idx="minor">
+            <a:schemeClr val="dk1"/>
+          </a:fontRef>
+        </p:style>
+        <p:txBody>
+          <a:bodyPr rtlCol="0" anchor="ctr"/>
+          <a:lstStyle/>
+          <a:p>
+            <a:pPr algn="ctr"/>
+            <a:endParaRPr lang="en-GB" sz="2200" dirty="0"/>
+          </a:p>
+        </p:txBody>
+      </p:sp>
+      <p:sp>
+        <p:nvSpPr>
+          <p:cNvPr id="5" name="Rectangle 4">
+            <a:extLst>
+              <a:ext uri="{FF2B5EF4-FFF2-40B4-BE49-F238E27FC236}">
+                <a16:creationId xmlns:a16="http://schemas.microsoft.com/office/drawing/2014/main" id="{3680645D-13E8-46FC-8089-2A9E505044A4}"/>
+              </a:ext>
+            </a:extLst>
+          </p:cNvPr>
+          <p:cNvSpPr/>
+          <p:nvPr/>
+        </p:nvSpPr>
+        <p:spPr>
+          <a:xfrm>
+            <a:off x="741374" y="530890"/>
+            <a:ext cx="6710680" cy="328786"/>
+          </a:xfrm>
+          <a:prstGeom prst="rect">
+            <a:avLst/>
+          </a:prstGeom>
+          <a:solidFill>
+            <a:schemeClr val="bg1">
+              <a:lumMod val="95000"/>
+            </a:schemeClr>
+          </a:solidFill>
+          <a:ln>
+            <a:noFill/>
+          </a:ln>
+          <a:effectLst>
+            <a:outerShdw blurRad="50800" dist="50800" dir="5400000" algn="ctr" rotWithShape="0">
+              <a:schemeClr val="bg1">
+                <a:lumMod val="75000"/>
+                <a:alpha val="37000"/>
+              </a:schemeClr>
+            </a:outerShdw>
+          </a:effectLst>
+        </p:spPr>
+        <p:style>
+          <a:lnRef idx="2">
+            <a:schemeClr val="accent1">
+              <a:shade val="50000"/>
+            </a:schemeClr>
+          </a:lnRef>
+          <a:fillRef idx="1">
+            <a:schemeClr val="accent1"/>
+          </a:fillRef>
+          <a:effectRef idx="0">
+            <a:schemeClr val="accent1"/>
+          </a:effectRef>
+          <a:fontRef idx="minor">
+            <a:schemeClr val="lt1"/>
+          </a:fontRef>
+        </p:style>
+        <p:txBody>
+          <a:bodyPr rtlCol="0" anchor="ctr"/>
+          <a:lstStyle/>
+          <a:p>
+            <a:pPr algn="ctr"/>
+            <a:endParaRPr lang="en-GB" sz="2200"/>
+          </a:p>
+        </p:txBody>
+      </p:sp>
+      <p:sp>
+        <p:nvSpPr>
+          <p:cNvPr id="9" name="Rectangle 8">
+            <a:extLst>
+              <a:ext uri="{FF2B5EF4-FFF2-40B4-BE49-F238E27FC236}">
+                <a16:creationId xmlns:a16="http://schemas.microsoft.com/office/drawing/2014/main" id="{D8D6D332-061A-4835-A77F-43B1A31CB0B9}"/>
+              </a:ext>
+            </a:extLst>
+          </p:cNvPr>
+          <p:cNvSpPr/>
+          <p:nvPr/>
+        </p:nvSpPr>
+        <p:spPr>
+          <a:xfrm>
+            <a:off x="741374" y="913456"/>
+            <a:ext cx="6710680" cy="452120"/>
+          </a:xfrm>
+          <a:prstGeom prst="rect">
+            <a:avLst/>
+          </a:prstGeom>
+          <a:solidFill>
+            <a:schemeClr val="tx1">
+              <a:alpha val="75000"/>
+            </a:schemeClr>
+          </a:solidFill>
+          <a:ln>
+            <a:noFill/>
+          </a:ln>
+          <a:effectLst>
+            <a:outerShdw blurRad="50800" dist="50800" dir="5400000" algn="ctr" rotWithShape="0">
+              <a:schemeClr val="bg1">
+                <a:lumMod val="75000"/>
+                <a:alpha val="37000"/>
+              </a:schemeClr>
+            </a:outerShdw>
+          </a:effectLst>
+        </p:spPr>
+        <p:style>
+          <a:lnRef idx="2">
+            <a:schemeClr val="accent1">
+              <a:shade val="50000"/>
+            </a:schemeClr>
+          </a:lnRef>
+          <a:fillRef idx="1">
+            <a:schemeClr val="accent1"/>
+          </a:fillRef>
+          <a:effectRef idx="0">
+            <a:schemeClr val="accent1"/>
+          </a:effectRef>
+          <a:fontRef idx="minor">
+            <a:schemeClr val="lt1"/>
+          </a:fontRef>
+        </p:style>
+        <p:txBody>
+          <a:bodyPr rtlCol="0" anchor="ctr"/>
+          <a:lstStyle/>
+          <a:p>
+            <a:pPr algn="ctr"/>
+            <a:endParaRPr lang="en-GB" sz="2200"/>
+          </a:p>
+        </p:txBody>
+      </p:sp>
+      <p:sp>
+        <p:nvSpPr>
+          <p:cNvPr id="7" name="Rectangle 6">
+            <a:extLst>
+              <a:ext uri="{FF2B5EF4-FFF2-40B4-BE49-F238E27FC236}">
+                <a16:creationId xmlns:a16="http://schemas.microsoft.com/office/drawing/2014/main" id="{0E846DDD-58EC-425D-B641-BBDFF42BDE06}"/>
+              </a:ext>
+            </a:extLst>
+          </p:cNvPr>
+          <p:cNvSpPr/>
+          <p:nvPr/>
+        </p:nvSpPr>
+        <p:spPr>
+          <a:xfrm>
+            <a:off x="2026732" y="964256"/>
+            <a:ext cx="1082040" cy="350520"/>
+          </a:xfrm>
+          <a:prstGeom prst="rect">
+            <a:avLst/>
+          </a:prstGeom>
+          <a:noFill/>
+          <a:ln>
+            <a:noFill/>
+          </a:ln>
+        </p:spPr>
+        <p:style>
+          <a:lnRef idx="2">
+            <a:schemeClr val="dk1"/>
+          </a:lnRef>
+          <a:fillRef idx="1">
+            <a:schemeClr val="lt1"/>
+          </a:fillRef>
+          <a:effectRef idx="0">
+            <a:schemeClr val="dk1"/>
+          </a:effectRef>
+          <a:fontRef idx="minor">
+            <a:schemeClr val="dk1"/>
+          </a:fontRef>
+        </p:style>
+        <p:txBody>
+          <a:bodyPr rtlCol="0" anchor="ctr"/>
+          <a:lstStyle/>
+          <a:p>
+            <a:pPr algn="ctr"/>
+            <a:r>
+              <a:rPr lang="en-GB" sz="2200" dirty="0">
+                <a:solidFill>
+                  <a:schemeClr val="bg1">
+                    <a:lumMod val="95000"/>
+                  </a:schemeClr>
+                </a:solidFill>
+              </a:rPr>
+              <a:t>GOV.UK</a:t>
+            </a:r>
+          </a:p>
+        </p:txBody>
+      </p:sp>
+      <p:sp>
+        <p:nvSpPr>
+          <p:cNvPr id="10" name="Rectangle 9">
+            <a:extLst>
+              <a:ext uri="{FF2B5EF4-FFF2-40B4-BE49-F238E27FC236}">
+                <a16:creationId xmlns:a16="http://schemas.microsoft.com/office/drawing/2014/main" id="{2191CF9D-0B60-48D5-9A6D-D231D2EEEE77}"/>
+              </a:ext>
+            </a:extLst>
+          </p:cNvPr>
+          <p:cNvSpPr/>
+          <p:nvPr/>
+        </p:nvSpPr>
+        <p:spPr>
+          <a:xfrm>
+            <a:off x="1560672" y="1467293"/>
+            <a:ext cx="5199321" cy="3737344"/>
+          </a:xfrm>
+          <a:prstGeom prst="rect">
+            <a:avLst/>
+          </a:prstGeom>
+          <a:noFill/>
+          <a:ln>
+            <a:noFill/>
+          </a:ln>
+        </p:spPr>
+        <p:style>
+          <a:lnRef idx="2">
+            <a:schemeClr val="accent1">
+              <a:shade val="50000"/>
+            </a:schemeClr>
+          </a:lnRef>
+          <a:fillRef idx="1">
+            <a:schemeClr val="accent1"/>
+          </a:fillRef>
+          <a:effectRef idx="0">
+            <a:schemeClr val="accent1"/>
+          </a:effectRef>
+          <a:fontRef idx="minor">
+            <a:schemeClr val="lt1"/>
+          </a:fontRef>
+        </p:style>
+        <p:txBody>
+          <a:bodyPr rtlCol="0" anchor="ctr"/>
+          <a:lstStyle/>
+          <a:p>
+            <a:pPr algn="ctr"/>
+            <a:endParaRPr lang="en-GB"/>
+          </a:p>
+        </p:txBody>
+      </p:sp>
+      <p:pic>
+        <p:nvPicPr>
+          <p:cNvPr id="12" name="Picture 11" descr="A close up of a logo&#10;&#10;Description automatically generated">
+            <a:extLst>
+              <a:ext uri="{FF2B5EF4-FFF2-40B4-BE49-F238E27FC236}">
+                <a16:creationId xmlns:a16="http://schemas.microsoft.com/office/drawing/2014/main" id="{57DC09C2-A539-42B9-A69A-C0783B30422E}"/>
+              </a:ext>
+            </a:extLst>
+          </p:cNvPr>
+          <p:cNvPicPr>
+            <a:picLocks noChangeAspect="1"/>
+          </p:cNvPicPr>
+          <p:nvPr/>
+        </p:nvPicPr>
+        <p:blipFill>
+          <a:blip r:embed="rId2">
+            <a:lum bright="70000" contrast="-70000"/>
+            <a:alphaModFix/>
+            <a:extLst>
+              <a:ext uri="{28A0092B-C50C-407E-A947-70E740481C1C}">
+                <a14:useLocalDpi xmlns:a14="http://schemas.microsoft.com/office/drawing/2010/main" val="0"/>
+              </a:ext>
+            </a:extLst>
+          </a:blip>
+          <a:stretch>
+            <a:fillRect/>
+          </a:stretch>
+        </p:blipFill>
+        <p:spPr>
+          <a:xfrm>
+            <a:off x="1635988" y="955088"/>
+            <a:ext cx="410461" cy="364854"/>
+          </a:xfrm>
+          <a:prstGeom prst="rect">
+            <a:avLst/>
+          </a:prstGeom>
+        </p:spPr>
+      </p:pic>
+      <p:sp>
+        <p:nvSpPr>
+          <p:cNvPr id="14" name="Rectangle 13">
+            <a:extLst>
+              <a:ext uri="{FF2B5EF4-FFF2-40B4-BE49-F238E27FC236}">
+                <a16:creationId xmlns:a16="http://schemas.microsoft.com/office/drawing/2014/main" id="{EB307F2E-7A3B-4AD0-9BDE-B6006CFEF544}"/>
+              </a:ext>
+            </a:extLst>
+          </p:cNvPr>
+          <p:cNvSpPr/>
+          <p:nvPr/>
+        </p:nvSpPr>
+        <p:spPr>
+          <a:xfrm>
+            <a:off x="1728799" y="1533348"/>
+            <a:ext cx="382905" cy="51435"/>
+          </a:xfrm>
+          <a:prstGeom prst="rect">
+            <a:avLst/>
+          </a:prstGeom>
+          <a:solidFill>
+            <a:schemeClr val="tx1">
+              <a:lumMod val="65000"/>
+              <a:lumOff val="35000"/>
+            </a:schemeClr>
+          </a:solidFill>
+          <a:ln>
+            <a:noFill/>
+          </a:ln>
+        </p:spPr>
+        <p:style>
+          <a:lnRef idx="2">
+            <a:schemeClr val="accent1">
+              <a:shade val="50000"/>
+            </a:schemeClr>
+          </a:lnRef>
+          <a:fillRef idx="1">
+            <a:schemeClr val="accent1"/>
+          </a:fillRef>
+          <a:effectRef idx="0">
+            <a:schemeClr val="accent1"/>
+          </a:effectRef>
+          <a:fontRef idx="minor">
+            <a:schemeClr val="lt1"/>
+          </a:fontRef>
+        </p:style>
+        <p:txBody>
+          <a:bodyPr rtlCol="0" anchor="ctr"/>
+          <a:lstStyle/>
+          <a:p>
+            <a:pPr algn="ctr"/>
+            <a:endParaRPr lang="en-GB"/>
+          </a:p>
+        </p:txBody>
+      </p:sp>
+      <p:sp>
+        <p:nvSpPr>
+          <p:cNvPr id="16" name="Rectangle 15">
+            <a:extLst>
+              <a:ext uri="{FF2B5EF4-FFF2-40B4-BE49-F238E27FC236}">
+                <a16:creationId xmlns:a16="http://schemas.microsoft.com/office/drawing/2014/main" id="{D8BCECBB-92AC-4431-944A-2CA54C9C1506}"/>
+              </a:ext>
+            </a:extLst>
+          </p:cNvPr>
+          <p:cNvSpPr/>
+          <p:nvPr/>
+        </p:nvSpPr>
+        <p:spPr>
+          <a:xfrm>
+            <a:off x="2198934" y="1529361"/>
+            <a:ext cx="382905" cy="51435"/>
+          </a:xfrm>
+          <a:prstGeom prst="rect">
+            <a:avLst/>
+          </a:prstGeom>
+          <a:solidFill>
+            <a:schemeClr val="tx1">
+              <a:lumMod val="65000"/>
+              <a:lumOff val="35000"/>
             </a:schemeClr>
           </a:solidFill>
           <a:ln>
@@ -20615,61 +22062,6 @@
       </p:sp>
       <p:sp>
         <p:nvSpPr>
-          <p:cNvPr id="17" name="Rectangle 16">
-            <a:extLst>
-              <a:ext uri="{FF2B5EF4-FFF2-40B4-BE49-F238E27FC236}">
-                <a16:creationId xmlns:a16="http://schemas.microsoft.com/office/drawing/2014/main" id="{C5F3C501-1C4D-45EA-A0FC-5CFFB55BABAD}"/>
-              </a:ext>
-            </a:extLst>
-          </p:cNvPr>
-          <p:cNvSpPr/>
-          <p:nvPr/>
-        </p:nvSpPr>
-        <p:spPr>
-          <a:xfrm>
-            <a:off x="1728799" y="1965960"/>
-            <a:ext cx="4194810" cy="377190"/>
-          </a:xfrm>
-          <a:prstGeom prst="rect">
-            <a:avLst/>
-          </a:prstGeom>
-          <a:solidFill>
-            <a:schemeClr val="tx1">
-              <a:lumMod val="75000"/>
-              <a:lumOff val="25000"/>
-            </a:schemeClr>
-          </a:solidFill>
-          <a:ln>
-            <a:noFill/>
-          </a:ln>
-        </p:spPr>
-        <p:style>
-          <a:lnRef idx="2">
-            <a:schemeClr val="accent1">
-              <a:shade val="50000"/>
-            </a:schemeClr>
-          </a:lnRef>
-          <a:fillRef idx="1">
-            <a:schemeClr val="accent1"/>
-          </a:fillRef>
-          <a:effectRef idx="0">
-            <a:schemeClr val="accent1"/>
-          </a:effectRef>
-          <a:fontRef idx="minor">
-            <a:schemeClr val="lt1"/>
-          </a:fontRef>
-        </p:style>
-        <p:txBody>
-          <a:bodyPr rtlCol="0" anchor="ctr"/>
-          <a:lstStyle/>
-          <a:p>
-            <a:pPr algn="ctr"/>
-            <a:endParaRPr lang="en-GB"/>
-          </a:p>
-        </p:txBody>
-      </p:sp>
-      <p:sp>
-        <p:nvSpPr>
           <p:cNvPr id="26" name="Rectangle 25">
             <a:extLst>
               <a:ext uri="{FF2B5EF4-FFF2-40B4-BE49-F238E27FC236}">
@@ -22020,61 +23412,6 @@
       </p:sp>
       <p:sp>
         <p:nvSpPr>
-          <p:cNvPr id="17" name="Rectangle 16">
-            <a:extLst>
-              <a:ext uri="{FF2B5EF4-FFF2-40B4-BE49-F238E27FC236}">
-                <a16:creationId xmlns:a16="http://schemas.microsoft.com/office/drawing/2014/main" id="{C5F3C501-1C4D-45EA-A0FC-5CFFB55BABAD}"/>
-              </a:ext>
-            </a:extLst>
-          </p:cNvPr>
-          <p:cNvSpPr/>
-          <p:nvPr/>
-        </p:nvSpPr>
-        <p:spPr>
-          <a:xfrm>
-            <a:off x="1728799" y="1965960"/>
-            <a:ext cx="4194810" cy="377190"/>
-          </a:xfrm>
-          <a:prstGeom prst="rect">
-            <a:avLst/>
-          </a:prstGeom>
-          <a:solidFill>
-            <a:schemeClr val="tx1">
-              <a:lumMod val="75000"/>
-              <a:lumOff val="25000"/>
-            </a:schemeClr>
-          </a:solidFill>
-          <a:ln>
-            <a:noFill/>
-          </a:ln>
-        </p:spPr>
-        <p:style>
-          <a:lnRef idx="2">
-            <a:schemeClr val="accent1">
-              <a:shade val="50000"/>
-            </a:schemeClr>
-          </a:lnRef>
-          <a:fillRef idx="1">
-            <a:schemeClr val="accent1"/>
-          </a:fillRef>
-          <a:effectRef idx="0">
-            <a:schemeClr val="accent1"/>
-          </a:effectRef>
-          <a:fontRef idx="minor">
-            <a:schemeClr val="lt1"/>
-          </a:fontRef>
-        </p:style>
-        <p:txBody>
-          <a:bodyPr rtlCol="0" anchor="ctr"/>
-          <a:lstStyle/>
-          <a:p>
-            <a:pPr algn="ctr"/>
-            <a:endParaRPr lang="en-GB"/>
-          </a:p>
-        </p:txBody>
-      </p:sp>
-      <p:sp>
-        <p:nvSpPr>
           <p:cNvPr id="18" name="Oval 17">
             <a:extLst>
               <a:ext uri="{FF2B5EF4-FFF2-40B4-BE49-F238E27FC236}">
@@ -22087,7 +23424,7 @@
         </p:nvSpPr>
         <p:spPr>
           <a:xfrm>
-            <a:off x="1905964" y="2571751"/>
+            <a:off x="1728799" y="2610841"/>
             <a:ext cx="337185" cy="331470"/>
           </a:xfrm>
           <a:prstGeom prst="ellipse">
@@ -22142,7 +23479,7 @@
         </p:nvSpPr>
         <p:spPr>
           <a:xfrm>
-            <a:off x="1905964" y="3102803"/>
+            <a:off x="1728798" y="3140903"/>
             <a:ext cx="337185" cy="331470"/>
           </a:xfrm>
           <a:prstGeom prst="ellipse">
@@ -22197,7 +23534,7 @@
         </p:nvSpPr>
         <p:spPr>
           <a:xfrm>
-            <a:off x="2469844" y="2652531"/>
+            <a:off x="2390890" y="2686608"/>
             <a:ext cx="1739265" cy="174666"/>
           </a:xfrm>
           <a:prstGeom prst="rect">
@@ -22252,7 +23589,7 @@
         </p:nvSpPr>
         <p:spPr>
           <a:xfrm>
-            <a:off x="2469844" y="3181205"/>
+            <a:off x="2390386" y="3219305"/>
             <a:ext cx="1739265" cy="174666"/>
           </a:xfrm>
           <a:prstGeom prst="rect">
@@ -22289,7 +23626,7 @@
           <a:lstStyle/>
           <a:p>
             <a:pPr algn="ctr"/>
-            <a:endParaRPr lang="en-GB"/>
+            <a:endParaRPr lang="en-GB" dirty="0"/>
           </a:p>
         </p:txBody>
       </p:sp>
@@ -22910,61 +24247,6 @@
       </p:sp>
       <p:sp>
         <p:nvSpPr>
-          <p:cNvPr id="17" name="Rectangle 16">
-            <a:extLst>
-              <a:ext uri="{FF2B5EF4-FFF2-40B4-BE49-F238E27FC236}">
-                <a16:creationId xmlns:a16="http://schemas.microsoft.com/office/drawing/2014/main" id="{C5F3C501-1C4D-45EA-A0FC-5CFFB55BABAD}"/>
-              </a:ext>
-            </a:extLst>
-          </p:cNvPr>
-          <p:cNvSpPr/>
-          <p:nvPr/>
-        </p:nvSpPr>
-        <p:spPr>
-          <a:xfrm>
-            <a:off x="1728799" y="1965960"/>
-            <a:ext cx="4194810" cy="377190"/>
-          </a:xfrm>
-          <a:prstGeom prst="rect">
-            <a:avLst/>
-          </a:prstGeom>
-          <a:solidFill>
-            <a:schemeClr val="tx1">
-              <a:lumMod val="75000"/>
-              <a:lumOff val="25000"/>
-            </a:schemeClr>
-          </a:solidFill>
-          <a:ln>
-            <a:noFill/>
-          </a:ln>
-        </p:spPr>
-        <p:style>
-          <a:lnRef idx="2">
-            <a:schemeClr val="accent1">
-              <a:shade val="50000"/>
-            </a:schemeClr>
-          </a:lnRef>
-          <a:fillRef idx="1">
-            <a:schemeClr val="accent1"/>
-          </a:fillRef>
-          <a:effectRef idx="0">
-            <a:schemeClr val="accent1"/>
-          </a:effectRef>
-          <a:fontRef idx="minor">
-            <a:schemeClr val="lt1"/>
-          </a:fontRef>
-        </p:style>
-        <p:txBody>
-          <a:bodyPr rtlCol="0" anchor="ctr"/>
-          <a:lstStyle/>
-          <a:p>
-            <a:pPr algn="ctr"/>
-            <a:endParaRPr lang="en-GB"/>
-          </a:p>
-        </p:txBody>
-      </p:sp>
-      <p:sp>
-        <p:nvSpPr>
           <p:cNvPr id="26" name="Rectangle 25">
             <a:extLst>
               <a:ext uri="{FF2B5EF4-FFF2-40B4-BE49-F238E27FC236}">
@@ -23690,61 +24972,6 @@
       </p:sp>
       <p:sp>
         <p:nvSpPr>
-          <p:cNvPr id="17" name="Rectangle 16">
-            <a:extLst>
-              <a:ext uri="{FF2B5EF4-FFF2-40B4-BE49-F238E27FC236}">
-                <a16:creationId xmlns:a16="http://schemas.microsoft.com/office/drawing/2014/main" id="{C5F3C501-1C4D-45EA-A0FC-5CFFB55BABAD}"/>
-              </a:ext>
-            </a:extLst>
-          </p:cNvPr>
-          <p:cNvSpPr/>
-          <p:nvPr/>
-        </p:nvSpPr>
-        <p:spPr>
-          <a:xfrm>
-            <a:off x="1728799" y="1965960"/>
-            <a:ext cx="4194810" cy="377190"/>
-          </a:xfrm>
-          <a:prstGeom prst="rect">
-            <a:avLst/>
-          </a:prstGeom>
-          <a:solidFill>
-            <a:schemeClr val="tx1">
-              <a:lumMod val="75000"/>
-              <a:lumOff val="25000"/>
-            </a:schemeClr>
-          </a:solidFill>
-          <a:ln>
-            <a:noFill/>
-          </a:ln>
-        </p:spPr>
-        <p:style>
-          <a:lnRef idx="2">
-            <a:schemeClr val="accent1">
-              <a:shade val="50000"/>
-            </a:schemeClr>
-          </a:lnRef>
-          <a:fillRef idx="1">
-            <a:schemeClr val="accent1"/>
-          </a:fillRef>
-          <a:effectRef idx="0">
-            <a:schemeClr val="accent1"/>
-          </a:effectRef>
-          <a:fontRef idx="minor">
-            <a:schemeClr val="lt1"/>
-          </a:fontRef>
-        </p:style>
-        <p:txBody>
-          <a:bodyPr rtlCol="0" anchor="ctr"/>
-          <a:lstStyle/>
-          <a:p>
-            <a:pPr algn="ctr"/>
-            <a:endParaRPr lang="en-GB"/>
-          </a:p>
-        </p:txBody>
-      </p:sp>
-      <p:sp>
-        <p:nvSpPr>
           <p:cNvPr id="28" name="Rectangle 27">
             <a:extLst>
               <a:ext uri="{FF2B5EF4-FFF2-40B4-BE49-F238E27FC236}">
@@ -24583,61 +25810,6 @@
       </p:sp>
       <p:sp>
         <p:nvSpPr>
-          <p:cNvPr id="17" name="Rectangle 16">
-            <a:extLst>
-              <a:ext uri="{FF2B5EF4-FFF2-40B4-BE49-F238E27FC236}">
-                <a16:creationId xmlns:a16="http://schemas.microsoft.com/office/drawing/2014/main" id="{C5F3C501-1C4D-45EA-A0FC-5CFFB55BABAD}"/>
-              </a:ext>
-            </a:extLst>
-          </p:cNvPr>
-          <p:cNvSpPr/>
-          <p:nvPr/>
-        </p:nvSpPr>
-        <p:spPr>
-          <a:xfrm>
-            <a:off x="1728799" y="1965960"/>
-            <a:ext cx="4194810" cy="377190"/>
-          </a:xfrm>
-          <a:prstGeom prst="rect">
-            <a:avLst/>
-          </a:prstGeom>
-          <a:solidFill>
-            <a:schemeClr val="tx1">
-              <a:lumMod val="75000"/>
-              <a:lumOff val="25000"/>
-            </a:schemeClr>
-          </a:solidFill>
-          <a:ln>
-            <a:noFill/>
-          </a:ln>
-        </p:spPr>
-        <p:style>
-          <a:lnRef idx="2">
-            <a:schemeClr val="accent1">
-              <a:shade val="50000"/>
-            </a:schemeClr>
-          </a:lnRef>
-          <a:fillRef idx="1">
-            <a:schemeClr val="accent1"/>
-          </a:fillRef>
-          <a:effectRef idx="0">
-            <a:schemeClr val="accent1"/>
-          </a:effectRef>
-          <a:fontRef idx="minor">
-            <a:schemeClr val="lt1"/>
-          </a:fontRef>
-        </p:style>
-        <p:txBody>
-          <a:bodyPr rtlCol="0" anchor="ctr"/>
-          <a:lstStyle/>
-          <a:p>
-            <a:pPr algn="ctr"/>
-            <a:endParaRPr lang="en-GB"/>
-          </a:p>
-        </p:txBody>
-      </p:sp>
-      <p:sp>
-        <p:nvSpPr>
           <p:cNvPr id="28" name="Rectangle 27">
             <a:extLst>
               <a:ext uri="{FF2B5EF4-FFF2-40B4-BE49-F238E27FC236}">
@@ -25586,116 +26758,6 @@
       </p:sp>
       <p:sp>
         <p:nvSpPr>
-          <p:cNvPr id="17" name="Rectangle 16">
-            <a:extLst>
-              <a:ext uri="{FF2B5EF4-FFF2-40B4-BE49-F238E27FC236}">
-                <a16:creationId xmlns:a16="http://schemas.microsoft.com/office/drawing/2014/main" id="{C5F3C501-1C4D-45EA-A0FC-5CFFB55BABAD}"/>
-              </a:ext>
-            </a:extLst>
-          </p:cNvPr>
-          <p:cNvSpPr/>
-          <p:nvPr/>
-        </p:nvSpPr>
-        <p:spPr>
-          <a:xfrm>
-            <a:off x="1728799" y="1965960"/>
-            <a:ext cx="4194810" cy="377190"/>
-          </a:xfrm>
-          <a:prstGeom prst="rect">
-            <a:avLst/>
-          </a:prstGeom>
-          <a:solidFill>
-            <a:schemeClr val="tx1">
-              <a:lumMod val="75000"/>
-              <a:lumOff val="25000"/>
-            </a:schemeClr>
-          </a:solidFill>
-          <a:ln>
-            <a:noFill/>
-          </a:ln>
-        </p:spPr>
-        <p:style>
-          <a:lnRef idx="2">
-            <a:schemeClr val="accent1">
-              <a:shade val="50000"/>
-            </a:schemeClr>
-          </a:lnRef>
-          <a:fillRef idx="1">
-            <a:schemeClr val="accent1"/>
-          </a:fillRef>
-          <a:effectRef idx="0">
-            <a:schemeClr val="accent1"/>
-          </a:effectRef>
-          <a:fontRef idx="minor">
-            <a:schemeClr val="lt1"/>
-          </a:fontRef>
-        </p:style>
-        <p:txBody>
-          <a:bodyPr rtlCol="0" anchor="ctr"/>
-          <a:lstStyle/>
-          <a:p>
-            <a:pPr algn="ctr"/>
-            <a:endParaRPr lang="en-GB"/>
-          </a:p>
-        </p:txBody>
-      </p:sp>
-      <p:sp>
-        <p:nvSpPr>
-          <p:cNvPr id="26" name="Rectangle 25">
-            <a:extLst>
-              <a:ext uri="{FF2B5EF4-FFF2-40B4-BE49-F238E27FC236}">
-                <a16:creationId xmlns:a16="http://schemas.microsoft.com/office/drawing/2014/main" id="{B77DFA33-EFCF-4D60-B1B2-1DAF5DC71B61}"/>
-              </a:ext>
-            </a:extLst>
-          </p:cNvPr>
-          <p:cNvSpPr/>
-          <p:nvPr/>
-        </p:nvSpPr>
-        <p:spPr>
-          <a:xfrm>
-            <a:off x="1728799" y="2656026"/>
-            <a:ext cx="1739265" cy="174666"/>
-          </a:xfrm>
-          <a:prstGeom prst="rect">
-            <a:avLst/>
-          </a:prstGeom>
-          <a:solidFill>
-            <a:schemeClr val="tx1">
-              <a:lumMod val="75000"/>
-              <a:lumOff val="25000"/>
-            </a:schemeClr>
-          </a:solidFill>
-          <a:ln>
-            <a:noFill/>
-          </a:ln>
-        </p:spPr>
-        <p:style>
-          <a:lnRef idx="2">
-            <a:schemeClr val="accent1">
-              <a:shade val="50000"/>
-            </a:schemeClr>
-          </a:lnRef>
-          <a:fillRef idx="1">
-            <a:schemeClr val="accent1"/>
-          </a:fillRef>
-          <a:effectRef idx="0">
-            <a:schemeClr val="accent1"/>
-          </a:effectRef>
-          <a:fontRef idx="minor">
-            <a:schemeClr val="lt1"/>
-          </a:fontRef>
-        </p:style>
-        <p:txBody>
-          <a:bodyPr rtlCol="0" anchor="ctr"/>
-          <a:lstStyle/>
-          <a:p>
-            <a:pPr algn="ctr"/>
-            <a:endParaRPr lang="en-GB"/>
-          </a:p>
-        </p:txBody>
-      </p:sp>
-      <p:sp>
-        <p:nvSpPr>
           <p:cNvPr id="32" name="Rectangle 31">
             <a:extLst>
               <a:ext uri="{FF2B5EF4-FFF2-40B4-BE49-F238E27FC236}">
@@ -25778,7 +26840,7 @@
           <a:p>
             <a:r>
               <a:rPr lang="en-GB" b="1" dirty="0"/>
-              <a:t>Question Page 5</a:t>
+              <a:t>Question Page 9</a:t>
             </a:r>
           </a:p>
           <a:p>
@@ -25787,33 +26849,33 @@
           <a:p>
             <a:r>
               <a:rPr lang="en-GB" dirty="0"/>
-              <a:t>Text fields question and answer page</a:t>
+              <a:t>Single multi-choice question and answer page</a:t>
             </a:r>
           </a:p>
         </p:txBody>
       </p:sp>
       <p:sp>
         <p:nvSpPr>
-          <p:cNvPr id="2" name="Rectangle 1">
-            <a:extLst>
-              <a:ext uri="{FF2B5EF4-FFF2-40B4-BE49-F238E27FC236}">
-                <a16:creationId xmlns:a16="http://schemas.microsoft.com/office/drawing/2014/main" id="{4B6D92B4-2BF3-4531-B6C6-F501526D0F76}"/>
-              </a:ext>
-            </a:extLst>
-          </p:cNvPr>
-          <p:cNvSpPr/>
-          <p:nvPr/>
-        </p:nvSpPr>
-        <p:spPr>
-          <a:xfrm>
-            <a:off x="1728798" y="3330324"/>
-            <a:ext cx="3309733" cy="310467"/>
-          </a:xfrm>
-          <a:prstGeom prst="rect">
+          <p:cNvPr id="19" name="Oval 18">
+            <a:extLst>
+              <a:ext uri="{FF2B5EF4-FFF2-40B4-BE49-F238E27FC236}">
+                <a16:creationId xmlns:a16="http://schemas.microsoft.com/office/drawing/2014/main" id="{0338A186-A624-4E8B-B4ED-43BB39BD6804}"/>
+              </a:ext>
+            </a:extLst>
+          </p:cNvPr>
+          <p:cNvSpPr/>
+          <p:nvPr/>
+        </p:nvSpPr>
+        <p:spPr>
+          <a:xfrm>
+            <a:off x="1728799" y="2610841"/>
+            <a:ext cx="337185" cy="331470"/>
+          </a:xfrm>
+          <a:prstGeom prst="ellipse">
             <a:avLst/>
           </a:prstGeom>
           <a:noFill/>
-          <a:ln w="38100">
+          <a:ln w="63500">
             <a:solidFill>
               <a:schemeClr val="tx1">
                 <a:lumMod val="75000"/>
@@ -25849,27 +26911,83 @@
       </p:sp>
       <p:sp>
         <p:nvSpPr>
-          <p:cNvPr id="6" name="Rectangle 5">
-            <a:extLst>
-              <a:ext uri="{FF2B5EF4-FFF2-40B4-BE49-F238E27FC236}">
-                <a16:creationId xmlns:a16="http://schemas.microsoft.com/office/drawing/2014/main" id="{4D99B975-6D5D-4564-B454-42DEC93A4AF1}"/>
-              </a:ext>
-            </a:extLst>
-          </p:cNvPr>
-          <p:cNvSpPr/>
-          <p:nvPr/>
-        </p:nvSpPr>
-        <p:spPr>
-          <a:xfrm>
-            <a:off x="1728798" y="2933483"/>
-            <a:ext cx="2340282" cy="51435"/>
+          <p:cNvPr id="20" name="Oval 19">
+            <a:extLst>
+              <a:ext uri="{FF2B5EF4-FFF2-40B4-BE49-F238E27FC236}">
+                <a16:creationId xmlns:a16="http://schemas.microsoft.com/office/drawing/2014/main" id="{A0B9CF8A-F2B4-41AB-8CD4-9833B4A1AC01}"/>
+              </a:ext>
+            </a:extLst>
+          </p:cNvPr>
+          <p:cNvSpPr/>
+          <p:nvPr/>
+        </p:nvSpPr>
+        <p:spPr>
+          <a:xfrm>
+            <a:off x="1728798" y="3140903"/>
+            <a:ext cx="337185" cy="331470"/>
+          </a:xfrm>
+          <a:prstGeom prst="ellipse">
+            <a:avLst/>
+          </a:prstGeom>
+          <a:noFill/>
+          <a:ln w="63500">
+            <a:solidFill>
+              <a:schemeClr val="tx1">
+                <a:lumMod val="75000"/>
+                <a:lumOff val="25000"/>
+              </a:schemeClr>
+            </a:solidFill>
+          </a:ln>
+        </p:spPr>
+        <p:style>
+          <a:lnRef idx="2">
+            <a:schemeClr val="accent1">
+              <a:shade val="50000"/>
+            </a:schemeClr>
+          </a:lnRef>
+          <a:fillRef idx="1">
+            <a:schemeClr val="accent1"/>
+          </a:fillRef>
+          <a:effectRef idx="0">
+            <a:schemeClr val="accent1"/>
+          </a:effectRef>
+          <a:fontRef idx="minor">
+            <a:schemeClr val="lt1"/>
+          </a:fontRef>
+        </p:style>
+        <p:txBody>
+          <a:bodyPr rtlCol="0" anchor="ctr"/>
+          <a:lstStyle/>
+          <a:p>
+            <a:pPr algn="ctr"/>
+            <a:endParaRPr lang="en-GB"/>
+          </a:p>
+        </p:txBody>
+      </p:sp>
+      <p:sp>
+        <p:nvSpPr>
+          <p:cNvPr id="21" name="Rectangle 20">
+            <a:extLst>
+              <a:ext uri="{FF2B5EF4-FFF2-40B4-BE49-F238E27FC236}">
+                <a16:creationId xmlns:a16="http://schemas.microsoft.com/office/drawing/2014/main" id="{D9629E7E-6ECB-43EB-83D9-6431CD229D28}"/>
+              </a:ext>
+            </a:extLst>
+          </p:cNvPr>
+          <p:cNvSpPr/>
+          <p:nvPr/>
+        </p:nvSpPr>
+        <p:spPr>
+          <a:xfrm>
+            <a:off x="2390890" y="2686608"/>
+            <a:ext cx="1739265" cy="174666"/>
           </a:xfrm>
           <a:prstGeom prst="rect">
             <a:avLst/>
           </a:prstGeom>
           <a:solidFill>
-            <a:schemeClr val="bg2">
+            <a:schemeClr val="tx1">
               <a:lumMod val="75000"/>
+              <a:lumOff val="25000"/>
             </a:schemeClr>
           </a:solidFill>
           <a:ln>
@@ -25903,27 +27021,28 @@
       </p:sp>
       <p:sp>
         <p:nvSpPr>
-          <p:cNvPr id="8" name="Rectangle 7">
-            <a:extLst>
-              <a:ext uri="{FF2B5EF4-FFF2-40B4-BE49-F238E27FC236}">
-                <a16:creationId xmlns:a16="http://schemas.microsoft.com/office/drawing/2014/main" id="{27340F84-27E8-4ACB-9D1D-A366389F4465}"/>
-              </a:ext>
-            </a:extLst>
-          </p:cNvPr>
-          <p:cNvSpPr/>
-          <p:nvPr/>
-        </p:nvSpPr>
-        <p:spPr>
-          <a:xfrm>
-            <a:off x="1728798" y="3085883"/>
-            <a:ext cx="2340282" cy="51435"/>
+          <p:cNvPr id="23" name="Rectangle 22">
+            <a:extLst>
+              <a:ext uri="{FF2B5EF4-FFF2-40B4-BE49-F238E27FC236}">
+                <a16:creationId xmlns:a16="http://schemas.microsoft.com/office/drawing/2014/main" id="{D874E5E1-6ECE-4C29-822D-BCF6BDB52FEC}"/>
+              </a:ext>
+            </a:extLst>
+          </p:cNvPr>
+          <p:cNvSpPr/>
+          <p:nvPr/>
+        </p:nvSpPr>
+        <p:spPr>
+          <a:xfrm>
+            <a:off x="2390386" y="3219305"/>
+            <a:ext cx="1739265" cy="174666"/>
           </a:xfrm>
           <a:prstGeom prst="rect">
             <a:avLst/>
           </a:prstGeom>
           <a:solidFill>
-            <a:schemeClr val="bg2">
+            <a:schemeClr val="tx1">
               <a:lumMod val="75000"/>
+              <a:lumOff val="25000"/>
             </a:schemeClr>
           </a:solidFill>
           <a:ln>
@@ -25951,14 +27070,124 @@
           <a:lstStyle/>
           <a:p>
             <a:pPr algn="ctr"/>
+            <a:endParaRPr lang="en-GB" dirty="0"/>
+          </a:p>
+        </p:txBody>
+      </p:sp>
+      <p:sp>
+        <p:nvSpPr>
+          <p:cNvPr id="25" name="Oval 24">
+            <a:extLst>
+              <a:ext uri="{FF2B5EF4-FFF2-40B4-BE49-F238E27FC236}">
+                <a16:creationId xmlns:a16="http://schemas.microsoft.com/office/drawing/2014/main" id="{C92E94F7-93CD-476D-8AE0-6C2ED919EB6B}"/>
+              </a:ext>
+            </a:extLst>
+          </p:cNvPr>
+          <p:cNvSpPr/>
+          <p:nvPr/>
+        </p:nvSpPr>
+        <p:spPr>
+          <a:xfrm>
+            <a:off x="1728798" y="3677992"/>
+            <a:ext cx="337185" cy="331470"/>
+          </a:xfrm>
+          <a:prstGeom prst="ellipse">
+            <a:avLst/>
+          </a:prstGeom>
+          <a:noFill/>
+          <a:ln w="63500">
+            <a:solidFill>
+              <a:schemeClr val="tx1">
+                <a:lumMod val="75000"/>
+                <a:lumOff val="25000"/>
+              </a:schemeClr>
+            </a:solidFill>
+          </a:ln>
+        </p:spPr>
+        <p:style>
+          <a:lnRef idx="2">
+            <a:schemeClr val="accent1">
+              <a:shade val="50000"/>
+            </a:schemeClr>
+          </a:lnRef>
+          <a:fillRef idx="1">
+            <a:schemeClr val="accent1"/>
+          </a:fillRef>
+          <a:effectRef idx="0">
+            <a:schemeClr val="accent1"/>
+          </a:effectRef>
+          <a:fontRef idx="minor">
+            <a:schemeClr val="lt1"/>
+          </a:fontRef>
+        </p:style>
+        <p:txBody>
+          <a:bodyPr rtlCol="0" anchor="ctr"/>
+          <a:lstStyle/>
+          <a:p>
+            <a:pPr algn="ctr"/>
             <a:endParaRPr lang="en-GB"/>
+          </a:p>
+        </p:txBody>
+      </p:sp>
+      <p:sp>
+        <p:nvSpPr>
+          <p:cNvPr id="27" name="Rectangle 26">
+            <a:extLst>
+              <a:ext uri="{FF2B5EF4-FFF2-40B4-BE49-F238E27FC236}">
+                <a16:creationId xmlns:a16="http://schemas.microsoft.com/office/drawing/2014/main" id="{1C396DB0-D8AB-47D7-9BF4-82C8C50A7D14}"/>
+              </a:ext>
+            </a:extLst>
+          </p:cNvPr>
+          <p:cNvSpPr/>
+          <p:nvPr/>
+        </p:nvSpPr>
+        <p:spPr>
+          <a:xfrm>
+            <a:off x="2390386" y="3756394"/>
+            <a:ext cx="1739265" cy="174666"/>
+          </a:xfrm>
+          <a:prstGeom prst="rect">
+            <a:avLst/>
+          </a:prstGeom>
+          <a:solidFill>
+            <a:schemeClr val="tx1">
+              <a:lumMod val="75000"/>
+              <a:lumOff val="25000"/>
+            </a:schemeClr>
+          </a:solidFill>
+          <a:ln>
+            <a:noFill/>
+          </a:ln>
+        </p:spPr>
+        <p:style>
+          <a:lnRef idx="2">
+            <a:schemeClr val="accent1">
+              <a:shade val="50000"/>
+            </a:schemeClr>
+          </a:lnRef>
+          <a:fillRef idx="1">
+            <a:schemeClr val="accent1"/>
+          </a:fillRef>
+          <a:effectRef idx="0">
+            <a:schemeClr val="accent1"/>
+          </a:effectRef>
+          <a:fontRef idx="minor">
+            <a:schemeClr val="lt1"/>
+          </a:fontRef>
+        </p:style>
+        <p:txBody>
+          <a:bodyPr rtlCol="0" anchor="ctr"/>
+          <a:lstStyle/>
+          <a:p>
+            <a:pPr algn="ctr"/>
+            <a:endParaRPr lang="en-GB" dirty="0"/>
           </a:p>
         </p:txBody>
       </p:sp>
     </p:spTree>
     <p:extLst>
       <p:ext uri="{BB962C8B-B14F-4D97-AF65-F5344CB8AC3E}">
-        <p14:creationId xmlns:p14="http://schemas.microsoft.com/office/powerpoint/2010/main" val="2144171273"/>
+        <p14:creationId xmlns:p14="http://schemas.microsoft.com/office/powerpoint/2010/main" val="3289512586"/>
       </p:ext>
     </p:extLst>
   </p:cSld>
@@ -26474,61 +27703,6 @@
       </p:sp>
       <p:sp>
         <p:nvSpPr>
-          <p:cNvPr id="17" name="Rectangle 16">
-            <a:extLst>
-              <a:ext uri="{FF2B5EF4-FFF2-40B4-BE49-F238E27FC236}">
-                <a16:creationId xmlns:a16="http://schemas.microsoft.com/office/drawing/2014/main" id="{C5F3C501-1C4D-45EA-A0FC-5CFFB55BABAD}"/>
-              </a:ext>
-            </a:extLst>
-          </p:cNvPr>
-          <p:cNvSpPr/>
-          <p:nvPr/>
-        </p:nvSpPr>
-        <p:spPr>
-          <a:xfrm>
-            <a:off x="1728799" y="1965960"/>
-            <a:ext cx="4194810" cy="377190"/>
-          </a:xfrm>
-          <a:prstGeom prst="rect">
-            <a:avLst/>
-          </a:prstGeom>
-          <a:solidFill>
-            <a:schemeClr val="tx1">
-              <a:lumMod val="75000"/>
-              <a:lumOff val="25000"/>
-            </a:schemeClr>
-          </a:solidFill>
-          <a:ln>
-            <a:noFill/>
-          </a:ln>
-        </p:spPr>
-        <p:style>
-          <a:lnRef idx="2">
-            <a:schemeClr val="accent1">
-              <a:shade val="50000"/>
-            </a:schemeClr>
-          </a:lnRef>
-          <a:fillRef idx="1">
-            <a:schemeClr val="accent1"/>
-          </a:fillRef>
-          <a:effectRef idx="0">
-            <a:schemeClr val="accent1"/>
-          </a:effectRef>
-          <a:fontRef idx="minor">
-            <a:schemeClr val="lt1"/>
-          </a:fontRef>
-        </p:style>
-        <p:txBody>
-          <a:bodyPr rtlCol="0" anchor="ctr"/>
-          <a:lstStyle/>
-          <a:p>
-            <a:pPr algn="ctr"/>
-            <a:endParaRPr lang="en-GB"/>
-          </a:p>
-        </p:txBody>
-      </p:sp>
-      <p:sp>
-        <p:nvSpPr>
           <p:cNvPr id="26" name="Rectangle 25">
             <a:extLst>
               <a:ext uri="{FF2B5EF4-FFF2-40B4-BE49-F238E27FC236}">
@@ -26666,7 +27840,7 @@
           <a:p>
             <a:r>
               <a:rPr lang="en-GB" b="1" dirty="0"/>
-              <a:t>Question Page 6</a:t>
+              <a:t>Question Page 5</a:t>
             </a:r>
           </a:p>
           <a:p>
@@ -26694,8 +27868,8 @@
         </p:nvSpPr>
         <p:spPr>
           <a:xfrm>
-            <a:off x="1728798" y="3143568"/>
-            <a:ext cx="3309733" cy="884144"/>
+            <a:off x="1728798" y="3330324"/>
+            <a:ext cx="3309733" cy="310467"/>
           </a:xfrm>
           <a:prstGeom prst="rect">
             <a:avLst/>
@@ -26803,7 +27977,7 @@
         </p:nvSpPr>
         <p:spPr>
           <a:xfrm>
-            <a:off x="1728798" y="4181938"/>
+            <a:off x="1728798" y="3085883"/>
             <a:ext cx="2340282" cy="51435"/>
           </a:xfrm>
           <a:prstGeom prst="rect">
@@ -26846,7 +28020,7 @@
     </p:spTree>
     <p:extLst>
       <p:ext uri="{BB962C8B-B14F-4D97-AF65-F5344CB8AC3E}">
-        <p14:creationId xmlns:p14="http://schemas.microsoft.com/office/powerpoint/2010/main" val="2784527771"/>
+        <p14:creationId xmlns:p14="http://schemas.microsoft.com/office/powerpoint/2010/main" val="2144171273"/>
       </p:ext>
     </p:extLst>
   </p:cSld>
@@ -27375,18 +28549,18 @@
 </file>
 
 <file path=customXml/item2.xml><?xml version="1.0" encoding="utf-8"?>
+<p:properties xmlns:p="http://schemas.microsoft.com/office/2006/metadata/properties" xmlns:xsi="http://www.w3.org/2001/XMLSchema-instance" xmlns:pc="http://schemas.microsoft.com/office/infopath/2007/PartnerControls">
+  <documentManagement/>
+</p:properties>
+</file>
+
+<file path=customXml/item3.xml><?xml version="1.0" encoding="utf-8"?>
 <?mso-contentType ?>
 <FormTemplates xmlns="http://schemas.microsoft.com/sharepoint/v3/contenttype/forms">
   <Display>DocumentLibraryForm</Display>
   <Edit>DocumentLibraryForm</Edit>
   <New>DocumentLibraryForm</New>
 </FormTemplates>
-</file>
-
-<file path=customXml/item3.xml><?xml version="1.0" encoding="utf-8"?>
-<p:properties xmlns:p="http://schemas.microsoft.com/office/2006/metadata/properties" xmlns:xsi="http://www.w3.org/2001/XMLSchema-instance" xmlns:pc="http://schemas.microsoft.com/office/infopath/2007/PartnerControls">
-  <documentManagement/>
-</p:properties>
 </file>
 
 <file path=customXml/itemProps1.xml><?xml version="1.0" encoding="utf-8"?>
@@ -27409,18 +28583,18 @@
 </file>
 
 <file path=customXml/itemProps2.xml><?xml version="1.0" encoding="utf-8"?>
-<ds:datastoreItem xmlns:ds="http://schemas.openxmlformats.org/officeDocument/2006/customXml" ds:itemID="{DCDC8E5E-8FF4-495F-81A3-E9840770BA5D}">
-  <ds:schemaRefs>
-    <ds:schemaRef ds:uri="http://schemas.microsoft.com/sharepoint/v3/contenttype/forms"/>
-  </ds:schemaRefs>
-</ds:datastoreItem>
-</file>
-
-<file path=customXml/itemProps3.xml><?xml version="1.0" encoding="utf-8"?>
 <ds:datastoreItem xmlns:ds="http://schemas.openxmlformats.org/officeDocument/2006/customXml" ds:itemID="{D3FDB952-0273-441F-A5AA-7B7B2478AA81}">
   <ds:schemaRefs>
     <ds:schemaRef ds:uri="http://schemas.microsoft.com/office/2006/metadata/properties"/>
     <ds:schemaRef ds:uri="http://schemas.microsoft.com/office/infopath/2007/PartnerControls"/>
   </ds:schemaRefs>
 </ds:datastoreItem>
+</file>
+
+<file path=customXml/itemProps3.xml><?xml version="1.0" encoding="utf-8"?>
+<ds:datastoreItem xmlns:ds="http://schemas.openxmlformats.org/officeDocument/2006/customXml" ds:itemID="{DCDC8E5E-8FF4-495F-81A3-E9840770BA5D}">
+  <ds:schemaRefs>
+    <ds:schemaRef ds:uri="http://schemas.microsoft.com/sharepoint/v3/contenttype/forms"/>
+  </ds:schemaRefs>
+</ds:datastoreItem>
 </file>